--- a/Intro to Scikit-Learn.pptx
+++ b/Intro to Scikit-Learn.pptx
@@ -27,23 +27,24 @@
     <p:sldId id="272" r:id="rId22"/>
     <p:sldId id="273" r:id="rId23"/>
     <p:sldId id="274" r:id="rId24"/>
+    <p:sldId id="275" r:id="rId25"/>
   </p:sldIdLst>
   <p:sldSz cy="5143500" cx="9144000"/>
   <p:notesSz cx="6858000" cy="9144000"/>
   <p:embeddedFontLst>
     <p:embeddedFont>
       <p:font typeface="Raleway"/>
-      <p:regular r:id="rId25"/>
-      <p:bold r:id="rId26"/>
-      <p:italic r:id="rId27"/>
-      <p:boldItalic r:id="rId28"/>
+      <p:regular r:id="rId26"/>
+      <p:bold r:id="rId27"/>
+      <p:italic r:id="rId28"/>
+      <p:boldItalic r:id="rId29"/>
     </p:embeddedFont>
     <p:embeddedFont>
       <p:font typeface="Lato"/>
-      <p:regular r:id="rId29"/>
-      <p:bold r:id="rId30"/>
-      <p:italic r:id="rId31"/>
-      <p:boldItalic r:id="rId32"/>
+      <p:regular r:id="rId30"/>
+      <p:bold r:id="rId31"/>
+      <p:italic r:id="rId32"/>
+      <p:boldItalic r:id="rId33"/>
     </p:embeddedFont>
   </p:embeddedFontLst>
   <p:defaultTextStyle>
@@ -824,7 +825,7 @@
   <p:cSld>
     <p:spTree>
       <p:nvGrpSpPr>
-        <p:cNvPr id="139" name="Shape 139"/>
+        <p:cNvPr id="142" name="Shape 142"/>
         <p:cNvGrpSpPr/>
         <p:nvPr/>
       </p:nvGrpSpPr>
@@ -838,7 +839,7 @@
       </p:grpSpPr>
       <p:sp>
         <p:nvSpPr>
-          <p:cNvPr id="140" name="Google Shape;140;gd251bb473_0_681:notes"/>
+          <p:cNvPr id="143" name="Google Shape;143;g8be45fc46e_0_34:notes"/>
           <p:cNvSpPr/>
           <p:nvPr>
             <p:ph idx="2" type="sldImg"/>
@@ -873,7 +874,7 @@
       </p:sp>
       <p:sp>
         <p:nvSpPr>
-          <p:cNvPr id="141" name="Google Shape;141;gd251bb473_0_681:notes"/>
+          <p:cNvPr id="144" name="Google Shape;144;g8be45fc46e_0_34:notes"/>
           <p:cNvSpPr txBox="1"/>
           <p:nvPr>
             <p:ph idx="1" type="body"/>
@@ -923,7 +924,7 @@
   <p:cSld>
     <p:spTree>
       <p:nvGrpSpPr>
-        <p:cNvPr id="144" name="Shape 144"/>
+        <p:cNvPr id="159" name="Shape 159"/>
         <p:cNvGrpSpPr/>
         <p:nvPr/>
       </p:nvGrpSpPr>
@@ -937,7 +938,7 @@
       </p:grpSpPr>
       <p:sp>
         <p:nvSpPr>
-          <p:cNvPr id="145" name="Google Shape;145;g8be45fc46e_0_45:notes"/>
+          <p:cNvPr id="160" name="Google Shape;160;gd251bb473_0_681:notes"/>
           <p:cNvSpPr/>
           <p:nvPr>
             <p:ph idx="2" type="sldImg"/>
@@ -972,7 +973,7 @@
       </p:sp>
       <p:sp>
         <p:nvSpPr>
-          <p:cNvPr id="146" name="Google Shape;146;g8be45fc46e_0_45:notes"/>
+          <p:cNvPr id="161" name="Google Shape;161;gd251bb473_0_681:notes"/>
           <p:cNvSpPr txBox="1"/>
           <p:nvPr>
             <p:ph idx="1" type="body"/>
@@ -1022,7 +1023,7 @@
   <p:cSld>
     <p:spTree>
       <p:nvGrpSpPr>
-        <p:cNvPr id="151" name="Shape 151"/>
+        <p:cNvPr id="164" name="Shape 164"/>
         <p:cNvGrpSpPr/>
         <p:nvPr/>
       </p:nvGrpSpPr>
@@ -1036,7 +1037,7 @@
       </p:grpSpPr>
       <p:sp>
         <p:nvSpPr>
-          <p:cNvPr id="152" name="Google Shape;152;g8be45fc46e_0_64:notes"/>
+          <p:cNvPr id="165" name="Google Shape;165;g8be45fc46e_0_45:notes"/>
           <p:cNvSpPr/>
           <p:nvPr>
             <p:ph idx="2" type="sldImg"/>
@@ -1071,7 +1072,7 @@
       </p:sp>
       <p:sp>
         <p:nvSpPr>
-          <p:cNvPr id="153" name="Google Shape;153;g8be45fc46e_0_64:notes"/>
+          <p:cNvPr id="166" name="Google Shape;166;g8be45fc46e_0_45:notes"/>
           <p:cNvSpPr txBox="1"/>
           <p:nvPr>
             <p:ph idx="1" type="body"/>
@@ -1121,7 +1122,7 @@
   <p:cSld>
     <p:spTree>
       <p:nvGrpSpPr>
-        <p:cNvPr id="158" name="Shape 158"/>
+        <p:cNvPr id="171" name="Shape 171"/>
         <p:cNvGrpSpPr/>
         <p:nvPr/>
       </p:nvGrpSpPr>
@@ -1135,7 +1136,7 @@
       </p:grpSpPr>
       <p:sp>
         <p:nvSpPr>
-          <p:cNvPr id="159" name="Google Shape;159;g8be45fc46e_0_71:notes"/>
+          <p:cNvPr id="172" name="Google Shape;172;g8be45fc46e_0_64:notes"/>
           <p:cNvSpPr/>
           <p:nvPr>
             <p:ph idx="2" type="sldImg"/>
@@ -1170,7 +1171,7 @@
       </p:sp>
       <p:sp>
         <p:nvSpPr>
-          <p:cNvPr id="160" name="Google Shape;160;g8be45fc46e_0_71:notes"/>
+          <p:cNvPr id="173" name="Google Shape;173;g8be45fc46e_0_64:notes"/>
           <p:cNvSpPr txBox="1"/>
           <p:nvPr>
             <p:ph idx="1" type="body"/>
@@ -1220,7 +1221,7 @@
   <p:cSld>
     <p:spTree>
       <p:nvGrpSpPr>
-        <p:cNvPr id="165" name="Shape 165"/>
+        <p:cNvPr id="178" name="Shape 178"/>
         <p:cNvGrpSpPr/>
         <p:nvPr/>
       </p:nvGrpSpPr>
@@ -1234,7 +1235,7 @@
       </p:grpSpPr>
       <p:sp>
         <p:nvSpPr>
-          <p:cNvPr id="166" name="Google Shape;166;g8be45fc46e_0_77:notes"/>
+          <p:cNvPr id="179" name="Google Shape;179;g8be45fc46e_0_71:notes"/>
           <p:cNvSpPr/>
           <p:nvPr>
             <p:ph idx="2" type="sldImg"/>
@@ -1269,7 +1270,7 @@
       </p:sp>
       <p:sp>
         <p:nvSpPr>
-          <p:cNvPr id="167" name="Google Shape;167;g8be45fc46e_0_77:notes"/>
+          <p:cNvPr id="180" name="Google Shape;180;g8be45fc46e_0_71:notes"/>
           <p:cNvSpPr txBox="1"/>
           <p:nvPr>
             <p:ph idx="1" type="body"/>
@@ -1319,7 +1320,7 @@
   <p:cSld>
     <p:spTree>
       <p:nvGrpSpPr>
-        <p:cNvPr id="171" name="Shape 171"/>
+        <p:cNvPr id="185" name="Shape 185"/>
         <p:cNvGrpSpPr/>
         <p:nvPr/>
       </p:nvGrpSpPr>
@@ -1333,7 +1334,7 @@
       </p:grpSpPr>
       <p:sp>
         <p:nvSpPr>
-          <p:cNvPr id="172" name="Google Shape;172;g723630543_10_0:notes"/>
+          <p:cNvPr id="186" name="Google Shape;186;g8be45fc46e_0_77:notes"/>
           <p:cNvSpPr/>
           <p:nvPr>
             <p:ph idx="2" type="sldImg"/>
@@ -1341,8 +1342,8 @@
         </p:nvSpPr>
         <p:spPr>
           <a:xfrm>
-            <a:off x="381188" y="685800"/>
-            <a:ext cx="6096300" cy="3429000"/>
+            <a:off x="381300" y="685800"/>
+            <a:ext cx="6096000" cy="3429000"/>
           </a:xfrm>
           <a:custGeom>
             <a:rect b="b" l="l" r="r" t="t"/>
@@ -1368,7 +1369,7 @@
       </p:sp>
       <p:sp>
         <p:nvSpPr>
-          <p:cNvPr id="173" name="Google Shape;173;g723630543_10_0:notes"/>
+          <p:cNvPr id="187" name="Google Shape;187;g8be45fc46e_0_77:notes"/>
           <p:cNvSpPr txBox="1"/>
           <p:nvPr>
             <p:ph idx="1" type="body"/>
@@ -1418,7 +1419,7 @@
   <p:cSld>
     <p:spTree>
       <p:nvGrpSpPr>
-        <p:cNvPr id="177" name="Shape 177"/>
+        <p:cNvPr id="191" name="Shape 191"/>
         <p:cNvGrpSpPr/>
         <p:nvPr/>
       </p:nvGrpSpPr>
@@ -1432,7 +1433,7 @@
       </p:grpSpPr>
       <p:sp>
         <p:nvSpPr>
-          <p:cNvPr id="178" name="Google Shape;178;g8be45fc46e_0_84:notes"/>
+          <p:cNvPr id="192" name="Google Shape;192;g723630543_10_0:notes"/>
           <p:cNvSpPr/>
           <p:nvPr>
             <p:ph idx="2" type="sldImg"/>
@@ -1440,8 +1441,8 @@
         </p:nvSpPr>
         <p:spPr>
           <a:xfrm>
-            <a:off x="381300" y="685800"/>
-            <a:ext cx="6096000" cy="3429000"/>
+            <a:off x="381188" y="685800"/>
+            <a:ext cx="6096300" cy="3429000"/>
           </a:xfrm>
           <a:custGeom>
             <a:rect b="b" l="l" r="r" t="t"/>
@@ -1467,7 +1468,7 @@
       </p:sp>
       <p:sp>
         <p:nvSpPr>
-          <p:cNvPr id="179" name="Google Shape;179;g8be45fc46e_0_84:notes"/>
+          <p:cNvPr id="193" name="Google Shape;193;g723630543_10_0:notes"/>
           <p:cNvSpPr txBox="1"/>
           <p:nvPr>
             <p:ph idx="1" type="body"/>
@@ -1517,7 +1518,7 @@
   <p:cSld>
     <p:spTree>
       <p:nvGrpSpPr>
-        <p:cNvPr id="184" name="Shape 184"/>
+        <p:cNvPr id="197" name="Shape 197"/>
         <p:cNvGrpSpPr/>
         <p:nvPr/>
       </p:nvGrpSpPr>
@@ -1531,7 +1532,7 @@
       </p:grpSpPr>
       <p:sp>
         <p:nvSpPr>
-          <p:cNvPr id="185" name="Google Shape;185;g8243348d6f_0_3:notes"/>
+          <p:cNvPr id="198" name="Google Shape;198;g8be45fc46e_0_84:notes"/>
           <p:cNvSpPr/>
           <p:nvPr>
             <p:ph idx="2" type="sldImg"/>
@@ -1566,7 +1567,7 @@
       </p:sp>
       <p:sp>
         <p:nvSpPr>
-          <p:cNvPr id="186" name="Google Shape;186;g8243348d6f_0_3:notes"/>
+          <p:cNvPr id="199" name="Google Shape;199;g8be45fc46e_0_84:notes"/>
           <p:cNvSpPr txBox="1"/>
           <p:nvPr>
             <p:ph idx="1" type="body"/>
@@ -1616,7 +1617,7 @@
   <p:cSld>
     <p:spTree>
       <p:nvGrpSpPr>
-        <p:cNvPr id="196" name="Shape 196"/>
+        <p:cNvPr id="204" name="Shape 204"/>
         <p:cNvGrpSpPr/>
         <p:nvPr/>
       </p:nvGrpSpPr>
@@ -1630,7 +1631,7 @@
       </p:grpSpPr>
       <p:sp>
         <p:nvSpPr>
-          <p:cNvPr id="197" name="Google Shape;197;gd251bb473_0_600:notes"/>
+          <p:cNvPr id="205" name="Google Shape;205;g8243348d6f_0_3:notes"/>
           <p:cNvSpPr/>
           <p:nvPr>
             <p:ph idx="2" type="sldImg"/>
@@ -1665,7 +1666,7 @@
       </p:sp>
       <p:sp>
         <p:nvSpPr>
-          <p:cNvPr id="198" name="Google Shape;198;gd251bb473_0_600:notes"/>
+          <p:cNvPr id="206" name="Google Shape;206;g8243348d6f_0_3:notes"/>
           <p:cNvSpPr txBox="1"/>
           <p:nvPr>
             <p:ph idx="1" type="body"/>
@@ -1715,7 +1716,7 @@
   <p:cSld>
     <p:spTree>
       <p:nvGrpSpPr>
-        <p:cNvPr id="201" name="Shape 201"/>
+        <p:cNvPr id="216" name="Shape 216"/>
         <p:cNvGrpSpPr/>
         <p:nvPr/>
       </p:nvGrpSpPr>
@@ -1729,7 +1730,7 @@
       </p:grpSpPr>
       <p:sp>
         <p:nvSpPr>
-          <p:cNvPr id="202" name="Google Shape;202;g8be45fc46e_0_90:notes"/>
+          <p:cNvPr id="217" name="Google Shape;217;gd251bb473_0_600:notes"/>
           <p:cNvSpPr/>
           <p:nvPr>
             <p:ph idx="2" type="sldImg"/>
@@ -1764,7 +1765,7 @@
       </p:sp>
       <p:sp>
         <p:nvSpPr>
-          <p:cNvPr id="203" name="Google Shape;203;g8be45fc46e_0_90:notes"/>
+          <p:cNvPr id="218" name="Google Shape;218;gd251bb473_0_600:notes"/>
           <p:cNvSpPr txBox="1"/>
           <p:nvPr>
             <p:ph idx="1" type="body"/>
@@ -1908,6 +1909,105 @@
 </p:notes>
 </file>
 
+<file path=ppt/notesSlides/notesSlide20.xml><?xml version="1.0" encoding="utf-8"?>
+<p:notes xmlns:a="http://schemas.openxmlformats.org/drawingml/2006/main" xmlns:r="http://schemas.openxmlformats.org/officeDocument/2006/relationships" xmlns:mc="http://schemas.openxmlformats.org/markup-compatibility/2006" xmlns:mv="urn:schemas-microsoft-com:mac:vml" xmlns:p="http://schemas.openxmlformats.org/presentationml/2006/main" xmlns:c="http://schemas.openxmlformats.org/drawingml/2006/chart" xmlns:dgm="http://schemas.openxmlformats.org/drawingml/2006/diagram" xmlns:o="urn:schemas-microsoft-com:office:office" xmlns:v="urn:schemas-microsoft-com:vml" xmlns:pvml="urn:schemas-microsoft-com:office:powerpoint" xmlns:com="http://schemas.openxmlformats.org/drawingml/2006/compatibility" xmlns:p14="http://schemas.microsoft.com/office/powerpoint/2010/main" xmlns:p15="http://schemas.microsoft.com/office/powerpoint/2012/main" showMasterPhAnim="0" showMasterSp="0">
+  <p:cSld>
+    <p:spTree>
+      <p:nvGrpSpPr>
+        <p:cNvPr id="221" name="Shape 221"/>
+        <p:cNvGrpSpPr/>
+        <p:nvPr/>
+      </p:nvGrpSpPr>
+      <p:grpSpPr>
+        <a:xfrm>
+          <a:off x="0" y="0"/>
+          <a:ext cx="0" cy="0"/>
+          <a:chOff x="0" y="0"/>
+          <a:chExt cx="0" cy="0"/>
+        </a:xfrm>
+      </p:grpSpPr>
+      <p:sp>
+        <p:nvSpPr>
+          <p:cNvPr id="222" name="Google Shape;222;g8be45fc46e_0_90:notes"/>
+          <p:cNvSpPr/>
+          <p:nvPr>
+            <p:ph idx="2" type="sldImg"/>
+          </p:nvPr>
+        </p:nvSpPr>
+        <p:spPr>
+          <a:xfrm>
+            <a:off x="381300" y="685800"/>
+            <a:ext cx="6096000" cy="3429000"/>
+          </a:xfrm>
+          <a:custGeom>
+            <a:rect b="b" l="l" r="r" t="t"/>
+            <a:pathLst>
+              <a:path extrusionOk="0" h="120000" w="120000">
+                <a:moveTo>
+                  <a:pt x="0" y="0"/>
+                </a:moveTo>
+                <a:lnTo>
+                  <a:pt x="120000" y="0"/>
+                </a:lnTo>
+                <a:lnTo>
+                  <a:pt x="120000" y="120000"/>
+                </a:lnTo>
+                <a:lnTo>
+                  <a:pt x="0" y="120000"/>
+                </a:lnTo>
+                <a:close/>
+              </a:path>
+            </a:pathLst>
+          </a:custGeom>
+        </p:spPr>
+      </p:sp>
+      <p:sp>
+        <p:nvSpPr>
+          <p:cNvPr id="223" name="Google Shape;223;g8be45fc46e_0_90:notes"/>
+          <p:cNvSpPr txBox="1"/>
+          <p:nvPr>
+            <p:ph idx="1" type="body"/>
+          </p:nvPr>
+        </p:nvSpPr>
+        <p:spPr>
+          <a:xfrm>
+            <a:off x="685800" y="4343400"/>
+            <a:ext cx="5486400" cy="4114800"/>
+          </a:xfrm>
+          <a:prstGeom prst="rect">
+            <a:avLst/>
+          </a:prstGeom>
+        </p:spPr>
+        <p:txBody>
+          <a:bodyPr anchorCtr="0" anchor="t" bIns="91425" lIns="91425" spcFirstLastPara="1" rIns="91425" wrap="square" tIns="91425">
+            <a:noAutofit/>
+          </a:bodyPr>
+          <a:lstStyle/>
+          <a:p>
+            <a:pPr indent="0" lvl="0" marL="0" rtl="0" algn="l">
+              <a:spcBef>
+                <a:spcPts val="0"/>
+              </a:spcBef>
+              <a:spcAft>
+                <a:spcPts val="0"/>
+              </a:spcAft>
+              <a:buNone/>
+            </a:pPr>
+            <a:r>
+              <a:t/>
+            </a:r>
+            <a:endParaRPr/>
+          </a:p>
+        </p:txBody>
+      </p:sp>
+    </p:spTree>
+  </p:cSld>
+  <p:clrMapOvr>
+    <a:masterClrMapping/>
+  </p:clrMapOvr>
+</p:notes>
+</file>
+
 <file path=ppt/notesSlides/notesSlide3.xml><?xml version="1.0" encoding="utf-8"?>
 <p:notes xmlns:a="http://schemas.openxmlformats.org/drawingml/2006/main" xmlns:r="http://schemas.openxmlformats.org/officeDocument/2006/relationships" xmlns:mc="http://schemas.openxmlformats.org/markup-compatibility/2006" xmlns:mv="urn:schemas-microsoft-com:mac:vml" xmlns:p="http://schemas.openxmlformats.org/presentationml/2006/main" xmlns:c="http://schemas.openxmlformats.org/drawingml/2006/chart" xmlns:dgm="http://schemas.openxmlformats.org/drawingml/2006/diagram" xmlns:o="urn:schemas-microsoft-com:office:office" xmlns:v="urn:schemas-microsoft-com:vml" xmlns:pvml="urn:schemas-microsoft-com:office:powerpoint" xmlns:com="http://schemas.openxmlformats.org/drawingml/2006/compatibility" xmlns:p14="http://schemas.microsoft.com/office/powerpoint/2010/main" xmlns:p15="http://schemas.microsoft.com/office/powerpoint/2012/main" showMasterPhAnim="0" showMasterSp="0">
   <p:cSld>
@@ -2524,7 +2624,7 @@
       </p:grpSpPr>
       <p:sp>
         <p:nvSpPr>
-          <p:cNvPr id="123" name="Google Shape;123;g8be45fc46e_0_34:notes"/>
+          <p:cNvPr id="123" name="Google Shape;123;g8bf53dce01_0_0:notes"/>
           <p:cNvSpPr/>
           <p:nvPr>
             <p:ph idx="2" type="sldImg"/>
@@ -2559,7 +2659,7 @@
       </p:sp>
       <p:sp>
         <p:nvSpPr>
-          <p:cNvPr id="124" name="Google Shape;124;g8be45fc46e_0_34:notes"/>
+          <p:cNvPr id="124" name="Google Shape;124;g8bf53dce01_0_0:notes"/>
           <p:cNvSpPr txBox="1"/>
           <p:nvPr>
             <p:ph idx="1" type="body"/>
@@ -8608,7 +8708,7 @@
   <p:cSld>
     <p:spTree>
       <p:nvGrpSpPr>
-        <p:cNvPr id="142" name="Shape 142"/>
+        <p:cNvPr id="145" name="Shape 145"/>
         <p:cNvGrpSpPr/>
         <p:nvPr/>
       </p:nvGrpSpPr>
@@ -8622,7 +8722,7 @@
       </p:grpSpPr>
       <p:sp>
         <p:nvSpPr>
-          <p:cNvPr id="143" name="Google Shape;143;p22"/>
+          <p:cNvPr id="146" name="Google Shape;146;p22"/>
           <p:cNvSpPr txBox="1"/>
           <p:nvPr>
             <p:ph type="title"/>
@@ -8630,8 +8730,8 @@
         </p:nvSpPr>
         <p:spPr>
           <a:xfrm>
-            <a:off x="283099" y="712150"/>
-            <a:ext cx="8622300" cy="3835500"/>
+            <a:off x="303300" y="411575"/>
+            <a:ext cx="8520600" cy="639600"/>
           </a:xfrm>
           <a:prstGeom prst="rect">
             <a:avLst/>
@@ -8653,42 +8753,1488 @@
               <a:buNone/>
             </a:pPr>
             <a:r>
-              <a:rPr lang="en" sz="6100"/>
-              <a:t>Intro to </a:t>
-            </a:r>
-            <a:r>
-              <a:rPr lang="en" sz="6100">
-                <a:solidFill>
-                  <a:schemeClr val="accent5"/>
-                </a:solidFill>
-              </a:rPr>
-              <a:t>Scikit-Learn</a:t>
-            </a:r>
-            <a:endParaRPr sz="6100"/>
-          </a:p>
-          <a:p>
-            <a:pPr indent="0" lvl="0" marL="0" rtl="0" algn="l">
-              <a:spcBef>
-                <a:spcPts val="1000"/>
-              </a:spcBef>
-              <a:spcAft>
-                <a:spcPts val="1000"/>
-              </a:spcAft>
-              <a:buNone/>
-            </a:pPr>
-            <a:r>
-              <a:rPr b="0" lang="en" sz="3200"/>
-              <a:t>(...for real this time!)</a:t>
-            </a:r>
-            <a:endParaRPr b="0" sz="3200"/>
+              <a:rPr lang="en"/>
+              <a:t>Machine Learning Pipeline</a:t>
+            </a:r>
+            <a:endParaRPr/>
           </a:p>
         </p:txBody>
       </p:sp>
+      <p:pic>
+        <p:nvPicPr>
+          <p:cNvPr id="147" name="Google Shape;147;p22"/>
+          <p:cNvPicPr preferRelativeResize="0"/>
+          <p:nvPr/>
+        </p:nvPicPr>
+        <p:blipFill>
+          <a:blip r:embed="rId3">
+            <a:alphaModFix/>
+          </a:blip>
+          <a:stretch>
+            <a:fillRect/>
+          </a:stretch>
+        </p:blipFill>
+        <p:spPr>
+          <a:xfrm>
+            <a:off x="152400" y="1203575"/>
+            <a:ext cx="8839200" cy="3661574"/>
+          </a:xfrm>
+          <a:prstGeom prst="rect">
+            <a:avLst/>
+          </a:prstGeom>
+          <a:noFill/>
+          <a:ln>
+            <a:noFill/>
+          </a:ln>
+        </p:spPr>
+      </p:pic>
+      <p:sp>
+        <p:nvSpPr>
+          <p:cNvPr id="148" name="Google Shape;148;p22"/>
+          <p:cNvSpPr/>
+          <p:nvPr/>
+        </p:nvSpPr>
+        <p:spPr>
+          <a:xfrm>
+            <a:off x="152400" y="1640625"/>
+            <a:ext cx="1407300" cy="1431000"/>
+          </a:xfrm>
+          <a:prstGeom prst="ellipse">
+            <a:avLst/>
+          </a:prstGeom>
+          <a:noFill/>
+          <a:ln cap="flat" cmpd="sng" w="28575">
+            <a:solidFill>
+              <a:schemeClr val="dk1"/>
+            </a:solidFill>
+            <a:prstDash val="solid"/>
+            <a:round/>
+            <a:headEnd len="sm" w="sm" type="none"/>
+            <a:tailEnd len="sm" w="sm" type="none"/>
+          </a:ln>
+        </p:spPr>
+        <p:txBody>
+          <a:bodyPr anchorCtr="0" anchor="ctr" bIns="91425" lIns="91425" spcFirstLastPara="1" rIns="91425" wrap="square" tIns="91425">
+            <a:noAutofit/>
+          </a:bodyPr>
+          <a:lstStyle/>
+          <a:p>
+            <a:pPr indent="0" lvl="0" marL="0" rtl="0" algn="l">
+              <a:spcBef>
+                <a:spcPts val="0"/>
+              </a:spcBef>
+              <a:spcAft>
+                <a:spcPts val="0"/>
+              </a:spcAft>
+              <a:buNone/>
+            </a:pPr>
+            <a:r>
+              <a:t/>
+            </a:r>
+            <a:endParaRPr/>
+          </a:p>
+        </p:txBody>
+      </p:sp>
+      <p:sp>
+        <p:nvSpPr>
+          <p:cNvPr id="149" name="Google Shape;149;p22"/>
+          <p:cNvSpPr/>
+          <p:nvPr/>
+        </p:nvSpPr>
+        <p:spPr>
+          <a:xfrm>
+            <a:off x="5995950" y="1640625"/>
+            <a:ext cx="1407300" cy="1431000"/>
+          </a:xfrm>
+          <a:prstGeom prst="ellipse">
+            <a:avLst/>
+          </a:prstGeom>
+          <a:noFill/>
+          <a:ln cap="flat" cmpd="sng" w="28575">
+            <a:solidFill>
+              <a:schemeClr val="dk1"/>
+            </a:solidFill>
+            <a:prstDash val="solid"/>
+            <a:round/>
+            <a:headEnd len="sm" w="sm" type="none"/>
+            <a:tailEnd len="sm" w="sm" type="none"/>
+          </a:ln>
+        </p:spPr>
+        <p:txBody>
+          <a:bodyPr anchorCtr="0" anchor="ctr" bIns="91425" lIns="91425" spcFirstLastPara="1" rIns="91425" wrap="square" tIns="91425">
+            <a:noAutofit/>
+          </a:bodyPr>
+          <a:lstStyle/>
+          <a:p>
+            <a:pPr indent="0" lvl="0" marL="0" rtl="0" algn="l">
+              <a:spcBef>
+                <a:spcPts val="0"/>
+              </a:spcBef>
+              <a:spcAft>
+                <a:spcPts val="0"/>
+              </a:spcAft>
+              <a:buNone/>
+            </a:pPr>
+            <a:r>
+              <a:t/>
+            </a:r>
+            <a:endParaRPr/>
+          </a:p>
+        </p:txBody>
+      </p:sp>
+      <p:sp>
+        <p:nvSpPr>
+          <p:cNvPr id="150" name="Google Shape;150;p22"/>
+          <p:cNvSpPr/>
+          <p:nvPr/>
+        </p:nvSpPr>
+        <p:spPr>
+          <a:xfrm>
+            <a:off x="3405750" y="849600"/>
+            <a:ext cx="2590200" cy="3171600"/>
+          </a:xfrm>
+          <a:prstGeom prst="ellipse">
+            <a:avLst/>
+          </a:prstGeom>
+          <a:noFill/>
+          <a:ln cap="flat" cmpd="sng" w="28575">
+            <a:solidFill>
+              <a:schemeClr val="dk1"/>
+            </a:solidFill>
+            <a:prstDash val="solid"/>
+            <a:round/>
+            <a:headEnd len="sm" w="sm" type="none"/>
+            <a:tailEnd len="sm" w="sm" type="none"/>
+          </a:ln>
+        </p:spPr>
+        <p:txBody>
+          <a:bodyPr anchorCtr="0" anchor="ctr" bIns="91425" lIns="91425" spcFirstLastPara="1" rIns="91425" wrap="square" tIns="91425">
+            <a:noAutofit/>
+          </a:bodyPr>
+          <a:lstStyle/>
+          <a:p>
+            <a:pPr indent="0" lvl="0" marL="0" rtl="0" algn="l">
+              <a:spcBef>
+                <a:spcPts val="0"/>
+              </a:spcBef>
+              <a:spcAft>
+                <a:spcPts val="0"/>
+              </a:spcAft>
+              <a:buNone/>
+            </a:pPr>
+            <a:r>
+              <a:t/>
+            </a:r>
+            <a:endParaRPr/>
+          </a:p>
+        </p:txBody>
+      </p:sp>
+      <p:sp>
+        <p:nvSpPr>
+          <p:cNvPr id="151" name="Google Shape;151;p22"/>
+          <p:cNvSpPr/>
+          <p:nvPr/>
+        </p:nvSpPr>
+        <p:spPr>
+          <a:xfrm>
+            <a:off x="1907425" y="1640625"/>
+            <a:ext cx="1407300" cy="1431000"/>
+          </a:xfrm>
+          <a:prstGeom prst="ellipse">
+            <a:avLst/>
+          </a:prstGeom>
+          <a:noFill/>
+          <a:ln cap="flat" cmpd="sng" w="28575">
+            <a:solidFill>
+              <a:schemeClr val="dk1"/>
+            </a:solidFill>
+            <a:prstDash val="solid"/>
+            <a:round/>
+            <a:headEnd len="sm" w="sm" type="none"/>
+            <a:tailEnd len="sm" w="sm" type="none"/>
+          </a:ln>
+        </p:spPr>
+        <p:txBody>
+          <a:bodyPr anchorCtr="0" anchor="ctr" bIns="91425" lIns="91425" spcFirstLastPara="1" rIns="91425" wrap="square" tIns="91425">
+            <a:noAutofit/>
+          </a:bodyPr>
+          <a:lstStyle/>
+          <a:p>
+            <a:pPr indent="0" lvl="0" marL="0" rtl="0" algn="l">
+              <a:spcBef>
+                <a:spcPts val="0"/>
+              </a:spcBef>
+              <a:spcAft>
+                <a:spcPts val="0"/>
+              </a:spcAft>
+              <a:buNone/>
+            </a:pPr>
+            <a:r>
+              <a:t/>
+            </a:r>
+            <a:endParaRPr/>
+          </a:p>
+        </p:txBody>
+      </p:sp>
+      <p:sp>
+        <p:nvSpPr>
+          <p:cNvPr id="152" name="Google Shape;152;p22"/>
+          <p:cNvSpPr/>
+          <p:nvPr/>
+        </p:nvSpPr>
+        <p:spPr>
+          <a:xfrm>
+            <a:off x="3997200" y="3801450"/>
+            <a:ext cx="1407300" cy="1431000"/>
+          </a:xfrm>
+          <a:prstGeom prst="ellipse">
+            <a:avLst/>
+          </a:prstGeom>
+          <a:noFill/>
+          <a:ln cap="flat" cmpd="sng" w="28575">
+            <a:solidFill>
+              <a:schemeClr val="dk1"/>
+            </a:solidFill>
+            <a:prstDash val="solid"/>
+            <a:round/>
+            <a:headEnd len="sm" w="sm" type="none"/>
+            <a:tailEnd len="sm" w="sm" type="none"/>
+          </a:ln>
+        </p:spPr>
+        <p:txBody>
+          <a:bodyPr anchorCtr="0" anchor="ctr" bIns="91425" lIns="91425" spcFirstLastPara="1" rIns="91425" wrap="square" tIns="91425">
+            <a:noAutofit/>
+          </a:bodyPr>
+          <a:lstStyle/>
+          <a:p>
+            <a:pPr indent="0" lvl="0" marL="0" rtl="0" algn="l">
+              <a:spcBef>
+                <a:spcPts val="0"/>
+              </a:spcBef>
+              <a:spcAft>
+                <a:spcPts val="0"/>
+              </a:spcAft>
+              <a:buNone/>
+            </a:pPr>
+            <a:r>
+              <a:t/>
+            </a:r>
+            <a:endParaRPr/>
+          </a:p>
+        </p:txBody>
+      </p:sp>
+      <p:sp>
+        <p:nvSpPr>
+          <p:cNvPr id="153" name="Google Shape;153;p22"/>
+          <p:cNvSpPr/>
+          <p:nvPr/>
+        </p:nvSpPr>
+        <p:spPr>
+          <a:xfrm>
+            <a:off x="7584300" y="1640625"/>
+            <a:ext cx="1407300" cy="1431000"/>
+          </a:xfrm>
+          <a:prstGeom prst="ellipse">
+            <a:avLst/>
+          </a:prstGeom>
+          <a:noFill/>
+          <a:ln cap="flat" cmpd="sng" w="28575">
+            <a:solidFill>
+              <a:schemeClr val="dk1"/>
+            </a:solidFill>
+            <a:prstDash val="solid"/>
+            <a:round/>
+            <a:headEnd len="sm" w="sm" type="none"/>
+            <a:tailEnd len="sm" w="sm" type="none"/>
+          </a:ln>
+        </p:spPr>
+        <p:txBody>
+          <a:bodyPr anchorCtr="0" anchor="ctr" bIns="91425" lIns="91425" spcFirstLastPara="1" rIns="91425" wrap="square" tIns="91425">
+            <a:noAutofit/>
+          </a:bodyPr>
+          <a:lstStyle/>
+          <a:p>
+            <a:pPr indent="0" lvl="0" marL="0" rtl="0" algn="l">
+              <a:spcBef>
+                <a:spcPts val="0"/>
+              </a:spcBef>
+              <a:spcAft>
+                <a:spcPts val="0"/>
+              </a:spcAft>
+              <a:buNone/>
+            </a:pPr>
+            <a:r>
+              <a:t/>
+            </a:r>
+            <a:endParaRPr/>
+          </a:p>
+        </p:txBody>
+      </p:sp>
+      <p:pic>
+        <p:nvPicPr>
+          <p:cNvPr id="154" name="Google Shape;154;p22"/>
+          <p:cNvPicPr preferRelativeResize="0"/>
+          <p:nvPr/>
+        </p:nvPicPr>
+        <p:blipFill>
+          <a:blip r:embed="rId4">
+            <a:alphaModFix/>
+          </a:blip>
+          <a:stretch>
+            <a:fillRect/>
+          </a:stretch>
+        </p:blipFill>
+        <p:spPr>
+          <a:xfrm>
+            <a:off x="232600" y="3282175"/>
+            <a:ext cx="1785226" cy="1267050"/>
+          </a:xfrm>
+          <a:prstGeom prst="rect">
+            <a:avLst/>
+          </a:prstGeom>
+          <a:noFill/>
+          <a:ln>
+            <a:noFill/>
+          </a:ln>
+        </p:spPr>
+      </p:pic>
+      <p:pic>
+        <p:nvPicPr>
+          <p:cNvPr id="155" name="Google Shape;155;p22"/>
+          <p:cNvPicPr preferRelativeResize="0"/>
+          <p:nvPr/>
+        </p:nvPicPr>
+        <p:blipFill>
+          <a:blip r:embed="rId5">
+            <a:alphaModFix/>
+          </a:blip>
+          <a:stretch>
+            <a:fillRect/>
+          </a:stretch>
+        </p:blipFill>
+        <p:spPr>
+          <a:xfrm>
+            <a:off x="2017825" y="3282176"/>
+            <a:ext cx="1407300" cy="1561697"/>
+          </a:xfrm>
+          <a:prstGeom prst="rect">
+            <a:avLst/>
+          </a:prstGeom>
+          <a:noFill/>
+          <a:ln>
+            <a:noFill/>
+          </a:ln>
+        </p:spPr>
+      </p:pic>
+      <p:pic>
+        <p:nvPicPr>
+          <p:cNvPr id="156" name="Google Shape;156;p22"/>
+          <p:cNvPicPr preferRelativeResize="0"/>
+          <p:nvPr/>
+        </p:nvPicPr>
+        <p:blipFill>
+          <a:blip r:embed="rId6">
+            <a:alphaModFix/>
+          </a:blip>
+          <a:stretch>
+            <a:fillRect/>
+          </a:stretch>
+        </p:blipFill>
+        <p:spPr>
+          <a:xfrm>
+            <a:off x="3547925" y="2716400"/>
+            <a:ext cx="4606398" cy="2148750"/>
+          </a:xfrm>
+          <a:prstGeom prst="rect">
+            <a:avLst/>
+          </a:prstGeom>
+          <a:noFill/>
+          <a:ln>
+            <a:noFill/>
+          </a:ln>
+        </p:spPr>
+      </p:pic>
+      <p:pic>
+        <p:nvPicPr>
+          <p:cNvPr id="157" name="Google Shape;157;p22"/>
+          <p:cNvPicPr preferRelativeResize="0"/>
+          <p:nvPr/>
+        </p:nvPicPr>
+        <p:blipFill>
+          <a:blip r:embed="rId7">
+            <a:alphaModFix/>
+          </a:blip>
+          <a:stretch>
+            <a:fillRect/>
+          </a:stretch>
+        </p:blipFill>
+        <p:spPr>
+          <a:xfrm>
+            <a:off x="5474226" y="2790399"/>
+            <a:ext cx="3047219" cy="2353100"/>
+          </a:xfrm>
+          <a:prstGeom prst="rect">
+            <a:avLst/>
+          </a:prstGeom>
+          <a:noFill/>
+          <a:ln>
+            <a:noFill/>
+          </a:ln>
+        </p:spPr>
+      </p:pic>
+      <p:pic>
+        <p:nvPicPr>
+          <p:cNvPr id="158" name="Google Shape;158;p22"/>
+          <p:cNvPicPr preferRelativeResize="0"/>
+          <p:nvPr/>
+        </p:nvPicPr>
+        <p:blipFill>
+          <a:blip r:embed="rId8">
+            <a:alphaModFix/>
+          </a:blip>
+          <a:stretch>
+            <a:fillRect/>
+          </a:stretch>
+        </p:blipFill>
+        <p:spPr>
+          <a:xfrm>
+            <a:off x="6142325" y="334525"/>
+            <a:ext cx="2849275" cy="1431000"/>
+          </a:xfrm>
+          <a:prstGeom prst="rect">
+            <a:avLst/>
+          </a:prstGeom>
+          <a:noFill/>
+          <a:ln>
+            <a:noFill/>
+          </a:ln>
+        </p:spPr>
+      </p:pic>
     </p:spTree>
   </p:cSld>
   <p:clrMapOvr>
     <a:masterClrMapping/>
   </p:clrMapOvr>
+  <p:timing>
+    <p:tnLst>
+      <p:par>
+        <p:cTn dur="indefinite" nodeType="tmRoot" restart="never">
+          <p:childTnLst>
+            <p:seq concurrent="1" nextAc="seek">
+              <p:cTn dur="indefinite" id="2" nodeType="mainSeq">
+                <p:childTnLst>
+                  <p:par>
+                    <p:cTn fill="hold">
+                      <p:stCondLst>
+                        <p:cond delay="indefinite"/>
+                      </p:stCondLst>
+                      <p:childTnLst>
+                        <p:par>
+                          <p:cTn fill="hold">
+                            <p:stCondLst>
+                              <p:cond delay="0"/>
+                            </p:stCondLst>
+                            <p:childTnLst>
+                              <p:par>
+                                <p:cTn fill="hold" nodeType="clickEffect" presetClass="entr" presetID="1" presetSubtype="0">
+                                  <p:stCondLst>
+                                    <p:cond delay="0"/>
+                                  </p:stCondLst>
+                                  <p:childTnLst>
+                                    <p:set>
+                                      <p:cBhvr>
+                                        <p:cTn dur="1" fill="hold">
+                                          <p:stCondLst>
+                                            <p:cond delay="0"/>
+                                          </p:stCondLst>
+                                        </p:cTn>
+                                        <p:tgtEl>
+                                          <p:spTgt spid="148"/>
+                                        </p:tgtEl>
+                                        <p:attrNameLst>
+                                          <p:attrName>style.visibility</p:attrName>
+                                        </p:attrNameLst>
+                                      </p:cBhvr>
+                                      <p:to>
+                                        <p:strVal val="visible"/>
+                                      </p:to>
+                                    </p:set>
+                                  </p:childTnLst>
+                                </p:cTn>
+                              </p:par>
+                            </p:childTnLst>
+                          </p:cTn>
+                        </p:par>
+                      </p:childTnLst>
+                    </p:cTn>
+                  </p:par>
+                  <p:par>
+                    <p:cTn fill="hold">
+                      <p:stCondLst>
+                        <p:cond delay="indefinite"/>
+                      </p:stCondLst>
+                      <p:childTnLst>
+                        <p:par>
+                          <p:cTn fill="hold">
+                            <p:stCondLst>
+                              <p:cond delay="0"/>
+                            </p:stCondLst>
+                            <p:childTnLst>
+                              <p:par>
+                                <p:cTn fill="hold" nodeType="clickEffect" presetClass="entr" presetID="1" presetSubtype="0">
+                                  <p:stCondLst>
+                                    <p:cond delay="0"/>
+                                  </p:stCondLst>
+                                  <p:childTnLst>
+                                    <p:set>
+                                      <p:cBhvr>
+                                        <p:cTn dur="1" fill="hold">
+                                          <p:stCondLst>
+                                            <p:cond delay="0"/>
+                                          </p:stCondLst>
+                                        </p:cTn>
+                                        <p:tgtEl>
+                                          <p:spTgt spid="154"/>
+                                        </p:tgtEl>
+                                        <p:attrNameLst>
+                                          <p:attrName>style.visibility</p:attrName>
+                                        </p:attrNameLst>
+                                      </p:cBhvr>
+                                      <p:to>
+                                        <p:strVal val="visible"/>
+                                      </p:to>
+                                    </p:set>
+                                  </p:childTnLst>
+                                </p:cTn>
+                              </p:par>
+                            </p:childTnLst>
+                          </p:cTn>
+                        </p:par>
+                      </p:childTnLst>
+                    </p:cTn>
+                  </p:par>
+                  <p:par>
+                    <p:cTn fill="hold">
+                      <p:stCondLst>
+                        <p:cond delay="indefinite"/>
+                      </p:stCondLst>
+                      <p:childTnLst>
+                        <p:par>
+                          <p:cTn fill="hold">
+                            <p:stCondLst>
+                              <p:cond delay="0"/>
+                            </p:stCondLst>
+                            <p:childTnLst>
+                              <p:par>
+                                <p:cTn fill="hold" nodeType="clickEffect" presetClass="exit" presetID="1" presetSubtype="0">
+                                  <p:stCondLst>
+                                    <p:cond delay="0"/>
+                                  </p:stCondLst>
+                                  <p:childTnLst>
+                                    <p:set>
+                                      <p:cBhvr>
+                                        <p:cTn dur="1" fill="hold">
+                                          <p:stCondLst>
+                                            <p:cond delay="1000"/>
+                                          </p:stCondLst>
+                                        </p:cTn>
+                                        <p:tgtEl>
+                                          <p:spTgt spid="148"/>
+                                        </p:tgtEl>
+                                        <p:attrNameLst>
+                                          <p:attrName>style.visibility</p:attrName>
+                                        </p:attrNameLst>
+                                      </p:cBhvr>
+                                      <p:to>
+                                        <p:strVal val="hidden"/>
+                                      </p:to>
+                                    </p:set>
+                                  </p:childTnLst>
+                                </p:cTn>
+                              </p:par>
+                            </p:childTnLst>
+                          </p:cTn>
+                        </p:par>
+                      </p:childTnLst>
+                    </p:cTn>
+                  </p:par>
+                  <p:par>
+                    <p:cTn fill="hold">
+                      <p:stCondLst>
+                        <p:cond delay="indefinite"/>
+                      </p:stCondLst>
+                      <p:childTnLst>
+                        <p:par>
+                          <p:cTn fill="hold">
+                            <p:stCondLst>
+                              <p:cond delay="0"/>
+                            </p:stCondLst>
+                            <p:childTnLst>
+                              <p:par>
+                                <p:cTn fill="hold" nodeType="clickEffect" presetClass="exit" presetID="1" presetSubtype="0">
+                                  <p:stCondLst>
+                                    <p:cond delay="0"/>
+                                  </p:stCondLst>
+                                  <p:childTnLst>
+                                    <p:set>
+                                      <p:cBhvr>
+                                        <p:cTn dur="1" fill="hold">
+                                          <p:stCondLst>
+                                            <p:cond delay="1000"/>
+                                          </p:stCondLst>
+                                        </p:cTn>
+                                        <p:tgtEl>
+                                          <p:spTgt spid="154"/>
+                                        </p:tgtEl>
+                                        <p:attrNameLst>
+                                          <p:attrName>style.visibility</p:attrName>
+                                        </p:attrNameLst>
+                                      </p:cBhvr>
+                                      <p:to>
+                                        <p:strVal val="hidden"/>
+                                      </p:to>
+                                    </p:set>
+                                  </p:childTnLst>
+                                </p:cTn>
+                              </p:par>
+                            </p:childTnLst>
+                          </p:cTn>
+                        </p:par>
+                      </p:childTnLst>
+                    </p:cTn>
+                  </p:par>
+                  <p:par>
+                    <p:cTn fill="hold">
+                      <p:stCondLst>
+                        <p:cond delay="indefinite"/>
+                      </p:stCondLst>
+                      <p:childTnLst>
+                        <p:par>
+                          <p:cTn fill="hold">
+                            <p:stCondLst>
+                              <p:cond delay="0"/>
+                            </p:stCondLst>
+                            <p:childTnLst>
+                              <p:par>
+                                <p:cTn fill="hold" nodeType="clickEffect" presetClass="entr" presetID="1" presetSubtype="0">
+                                  <p:stCondLst>
+                                    <p:cond delay="0"/>
+                                  </p:stCondLst>
+                                  <p:childTnLst>
+                                    <p:set>
+                                      <p:cBhvr>
+                                        <p:cTn dur="1" fill="hold">
+                                          <p:stCondLst>
+                                            <p:cond delay="0"/>
+                                          </p:stCondLst>
+                                        </p:cTn>
+                                        <p:tgtEl>
+                                          <p:spTgt spid="151"/>
+                                        </p:tgtEl>
+                                        <p:attrNameLst>
+                                          <p:attrName>style.visibility</p:attrName>
+                                        </p:attrNameLst>
+                                      </p:cBhvr>
+                                      <p:to>
+                                        <p:strVal val="visible"/>
+                                      </p:to>
+                                    </p:set>
+                                  </p:childTnLst>
+                                </p:cTn>
+                              </p:par>
+                            </p:childTnLst>
+                          </p:cTn>
+                        </p:par>
+                      </p:childTnLst>
+                    </p:cTn>
+                  </p:par>
+                  <p:par>
+                    <p:cTn fill="hold">
+                      <p:stCondLst>
+                        <p:cond delay="indefinite"/>
+                      </p:stCondLst>
+                      <p:childTnLst>
+                        <p:par>
+                          <p:cTn fill="hold">
+                            <p:stCondLst>
+                              <p:cond delay="0"/>
+                            </p:stCondLst>
+                            <p:childTnLst>
+                              <p:par>
+                                <p:cTn fill="hold" nodeType="clickEffect" presetClass="entr" presetID="1" presetSubtype="0">
+                                  <p:stCondLst>
+                                    <p:cond delay="0"/>
+                                  </p:stCondLst>
+                                  <p:childTnLst>
+                                    <p:set>
+                                      <p:cBhvr>
+                                        <p:cTn dur="1" fill="hold">
+                                          <p:stCondLst>
+                                            <p:cond delay="0"/>
+                                          </p:stCondLst>
+                                        </p:cTn>
+                                        <p:tgtEl>
+                                          <p:spTgt spid="155"/>
+                                        </p:tgtEl>
+                                        <p:attrNameLst>
+                                          <p:attrName>style.visibility</p:attrName>
+                                        </p:attrNameLst>
+                                      </p:cBhvr>
+                                      <p:to>
+                                        <p:strVal val="visible"/>
+                                      </p:to>
+                                    </p:set>
+                                  </p:childTnLst>
+                                </p:cTn>
+                              </p:par>
+                            </p:childTnLst>
+                          </p:cTn>
+                        </p:par>
+                      </p:childTnLst>
+                    </p:cTn>
+                  </p:par>
+                  <p:par>
+                    <p:cTn fill="hold">
+                      <p:stCondLst>
+                        <p:cond delay="indefinite"/>
+                      </p:stCondLst>
+                      <p:childTnLst>
+                        <p:par>
+                          <p:cTn fill="hold">
+                            <p:stCondLst>
+                              <p:cond delay="0"/>
+                            </p:stCondLst>
+                            <p:childTnLst>
+                              <p:par>
+                                <p:cTn fill="hold" nodeType="clickEffect" presetClass="exit" presetID="1" presetSubtype="0">
+                                  <p:stCondLst>
+                                    <p:cond delay="0"/>
+                                  </p:stCondLst>
+                                  <p:childTnLst>
+                                    <p:set>
+                                      <p:cBhvr>
+                                        <p:cTn dur="1" fill="hold">
+                                          <p:stCondLst>
+                                            <p:cond delay="1000"/>
+                                          </p:stCondLst>
+                                        </p:cTn>
+                                        <p:tgtEl>
+                                          <p:spTgt spid="151"/>
+                                        </p:tgtEl>
+                                        <p:attrNameLst>
+                                          <p:attrName>style.visibility</p:attrName>
+                                        </p:attrNameLst>
+                                      </p:cBhvr>
+                                      <p:to>
+                                        <p:strVal val="hidden"/>
+                                      </p:to>
+                                    </p:set>
+                                  </p:childTnLst>
+                                </p:cTn>
+                              </p:par>
+                            </p:childTnLst>
+                          </p:cTn>
+                        </p:par>
+                      </p:childTnLst>
+                    </p:cTn>
+                  </p:par>
+                  <p:par>
+                    <p:cTn fill="hold">
+                      <p:stCondLst>
+                        <p:cond delay="indefinite"/>
+                      </p:stCondLst>
+                      <p:childTnLst>
+                        <p:par>
+                          <p:cTn fill="hold">
+                            <p:stCondLst>
+                              <p:cond delay="0"/>
+                            </p:stCondLst>
+                            <p:childTnLst>
+                              <p:par>
+                                <p:cTn fill="hold" nodeType="clickEffect" presetClass="exit" presetID="1" presetSubtype="0">
+                                  <p:stCondLst>
+                                    <p:cond delay="0"/>
+                                  </p:stCondLst>
+                                  <p:childTnLst>
+                                    <p:set>
+                                      <p:cBhvr>
+                                        <p:cTn dur="1" fill="hold">
+                                          <p:stCondLst>
+                                            <p:cond delay="1000"/>
+                                          </p:stCondLst>
+                                        </p:cTn>
+                                        <p:tgtEl>
+                                          <p:spTgt spid="155"/>
+                                        </p:tgtEl>
+                                        <p:attrNameLst>
+                                          <p:attrName>style.visibility</p:attrName>
+                                        </p:attrNameLst>
+                                      </p:cBhvr>
+                                      <p:to>
+                                        <p:strVal val="hidden"/>
+                                      </p:to>
+                                    </p:set>
+                                  </p:childTnLst>
+                                </p:cTn>
+                              </p:par>
+                            </p:childTnLst>
+                          </p:cTn>
+                        </p:par>
+                      </p:childTnLst>
+                    </p:cTn>
+                  </p:par>
+                  <p:par>
+                    <p:cTn fill="hold">
+                      <p:stCondLst>
+                        <p:cond delay="indefinite"/>
+                      </p:stCondLst>
+                      <p:childTnLst>
+                        <p:par>
+                          <p:cTn fill="hold">
+                            <p:stCondLst>
+                              <p:cond delay="0"/>
+                            </p:stCondLst>
+                            <p:childTnLst>
+                              <p:par>
+                                <p:cTn fill="hold" nodeType="clickEffect" presetClass="entr" presetID="1" presetSubtype="0">
+                                  <p:stCondLst>
+                                    <p:cond delay="0"/>
+                                  </p:stCondLst>
+                                  <p:childTnLst>
+                                    <p:set>
+                                      <p:cBhvr>
+                                        <p:cTn dur="1" fill="hold">
+                                          <p:stCondLst>
+                                            <p:cond delay="0"/>
+                                          </p:stCondLst>
+                                        </p:cTn>
+                                        <p:tgtEl>
+                                          <p:spTgt spid="150"/>
+                                        </p:tgtEl>
+                                        <p:attrNameLst>
+                                          <p:attrName>style.visibility</p:attrName>
+                                        </p:attrNameLst>
+                                      </p:cBhvr>
+                                      <p:to>
+                                        <p:strVal val="visible"/>
+                                      </p:to>
+                                    </p:set>
+                                  </p:childTnLst>
+                                </p:cTn>
+                              </p:par>
+                            </p:childTnLst>
+                          </p:cTn>
+                        </p:par>
+                      </p:childTnLst>
+                    </p:cTn>
+                  </p:par>
+                  <p:par>
+                    <p:cTn fill="hold">
+                      <p:stCondLst>
+                        <p:cond delay="indefinite"/>
+                      </p:stCondLst>
+                      <p:childTnLst>
+                        <p:par>
+                          <p:cTn fill="hold">
+                            <p:stCondLst>
+                              <p:cond delay="0"/>
+                            </p:stCondLst>
+                            <p:childTnLst>
+                              <p:par>
+                                <p:cTn fill="hold" nodeType="clickEffect" presetClass="entr" presetID="1" presetSubtype="0">
+                                  <p:stCondLst>
+                                    <p:cond delay="0"/>
+                                  </p:stCondLst>
+                                  <p:childTnLst>
+                                    <p:set>
+                                      <p:cBhvr>
+                                        <p:cTn dur="1" fill="hold">
+                                          <p:stCondLst>
+                                            <p:cond delay="0"/>
+                                          </p:stCondLst>
+                                        </p:cTn>
+                                        <p:tgtEl>
+                                          <p:spTgt spid="156"/>
+                                        </p:tgtEl>
+                                        <p:attrNameLst>
+                                          <p:attrName>style.visibility</p:attrName>
+                                        </p:attrNameLst>
+                                      </p:cBhvr>
+                                      <p:to>
+                                        <p:strVal val="visible"/>
+                                      </p:to>
+                                    </p:set>
+                                  </p:childTnLst>
+                                </p:cTn>
+                              </p:par>
+                            </p:childTnLst>
+                          </p:cTn>
+                        </p:par>
+                      </p:childTnLst>
+                    </p:cTn>
+                  </p:par>
+                  <p:par>
+                    <p:cTn fill="hold">
+                      <p:stCondLst>
+                        <p:cond delay="indefinite"/>
+                      </p:stCondLst>
+                      <p:childTnLst>
+                        <p:par>
+                          <p:cTn fill="hold">
+                            <p:stCondLst>
+                              <p:cond delay="0"/>
+                            </p:stCondLst>
+                            <p:childTnLst>
+                              <p:par>
+                                <p:cTn fill="hold" nodeType="clickEffect" presetClass="exit" presetID="1" presetSubtype="0">
+                                  <p:stCondLst>
+                                    <p:cond delay="0"/>
+                                  </p:stCondLst>
+                                  <p:childTnLst>
+                                    <p:set>
+                                      <p:cBhvr>
+                                        <p:cTn dur="1" fill="hold">
+                                          <p:stCondLst>
+                                            <p:cond delay="1000"/>
+                                          </p:stCondLst>
+                                        </p:cTn>
+                                        <p:tgtEl>
+                                          <p:spTgt spid="150"/>
+                                        </p:tgtEl>
+                                        <p:attrNameLst>
+                                          <p:attrName>style.visibility</p:attrName>
+                                        </p:attrNameLst>
+                                      </p:cBhvr>
+                                      <p:to>
+                                        <p:strVal val="hidden"/>
+                                      </p:to>
+                                    </p:set>
+                                  </p:childTnLst>
+                                </p:cTn>
+                              </p:par>
+                            </p:childTnLst>
+                          </p:cTn>
+                        </p:par>
+                      </p:childTnLst>
+                    </p:cTn>
+                  </p:par>
+                  <p:par>
+                    <p:cTn fill="hold">
+                      <p:stCondLst>
+                        <p:cond delay="indefinite"/>
+                      </p:stCondLst>
+                      <p:childTnLst>
+                        <p:par>
+                          <p:cTn fill="hold">
+                            <p:stCondLst>
+                              <p:cond delay="0"/>
+                            </p:stCondLst>
+                            <p:childTnLst>
+                              <p:par>
+                                <p:cTn fill="hold" nodeType="clickEffect" presetClass="exit" presetID="1" presetSubtype="0">
+                                  <p:stCondLst>
+                                    <p:cond delay="0"/>
+                                  </p:stCondLst>
+                                  <p:childTnLst>
+                                    <p:set>
+                                      <p:cBhvr>
+                                        <p:cTn dur="1" fill="hold">
+                                          <p:stCondLst>
+                                            <p:cond delay="1000"/>
+                                          </p:stCondLst>
+                                        </p:cTn>
+                                        <p:tgtEl>
+                                          <p:spTgt spid="156"/>
+                                        </p:tgtEl>
+                                        <p:attrNameLst>
+                                          <p:attrName>style.visibility</p:attrName>
+                                        </p:attrNameLst>
+                                      </p:cBhvr>
+                                      <p:to>
+                                        <p:strVal val="hidden"/>
+                                      </p:to>
+                                    </p:set>
+                                  </p:childTnLst>
+                                </p:cTn>
+                              </p:par>
+                            </p:childTnLst>
+                          </p:cTn>
+                        </p:par>
+                      </p:childTnLst>
+                    </p:cTn>
+                  </p:par>
+                  <p:par>
+                    <p:cTn fill="hold">
+                      <p:stCondLst>
+                        <p:cond delay="indefinite"/>
+                      </p:stCondLst>
+                      <p:childTnLst>
+                        <p:par>
+                          <p:cTn fill="hold">
+                            <p:stCondLst>
+                              <p:cond delay="0"/>
+                            </p:stCondLst>
+                            <p:childTnLst>
+                              <p:par>
+                                <p:cTn fill="hold" nodeType="clickEffect" presetClass="entr" presetID="1" presetSubtype="0">
+                                  <p:stCondLst>
+                                    <p:cond delay="0"/>
+                                  </p:stCondLst>
+                                  <p:childTnLst>
+                                    <p:set>
+                                      <p:cBhvr>
+                                        <p:cTn dur="1" fill="hold">
+                                          <p:stCondLst>
+                                            <p:cond delay="0"/>
+                                          </p:stCondLst>
+                                        </p:cTn>
+                                        <p:tgtEl>
+                                          <p:spTgt spid="149"/>
+                                        </p:tgtEl>
+                                        <p:attrNameLst>
+                                          <p:attrName>style.visibility</p:attrName>
+                                        </p:attrNameLst>
+                                      </p:cBhvr>
+                                      <p:to>
+                                        <p:strVal val="visible"/>
+                                      </p:to>
+                                    </p:set>
+                                  </p:childTnLst>
+                                </p:cTn>
+                              </p:par>
+                            </p:childTnLst>
+                          </p:cTn>
+                        </p:par>
+                      </p:childTnLst>
+                    </p:cTn>
+                  </p:par>
+                  <p:par>
+                    <p:cTn fill="hold">
+                      <p:stCondLst>
+                        <p:cond delay="indefinite"/>
+                      </p:stCondLst>
+                      <p:childTnLst>
+                        <p:par>
+                          <p:cTn fill="hold">
+                            <p:stCondLst>
+                              <p:cond delay="0"/>
+                            </p:stCondLst>
+                            <p:childTnLst>
+                              <p:par>
+                                <p:cTn fill="hold" nodeType="clickEffect" presetClass="entr" presetID="1" presetSubtype="0">
+                                  <p:stCondLst>
+                                    <p:cond delay="0"/>
+                                  </p:stCondLst>
+                                  <p:childTnLst>
+                                    <p:set>
+                                      <p:cBhvr>
+                                        <p:cTn dur="1" fill="hold">
+                                          <p:stCondLst>
+                                            <p:cond delay="0"/>
+                                          </p:stCondLst>
+                                        </p:cTn>
+                                        <p:tgtEl>
+                                          <p:spTgt spid="157"/>
+                                        </p:tgtEl>
+                                        <p:attrNameLst>
+                                          <p:attrName>style.visibility</p:attrName>
+                                        </p:attrNameLst>
+                                      </p:cBhvr>
+                                      <p:to>
+                                        <p:strVal val="visible"/>
+                                      </p:to>
+                                    </p:set>
+                                  </p:childTnLst>
+                                </p:cTn>
+                              </p:par>
+                            </p:childTnLst>
+                          </p:cTn>
+                        </p:par>
+                      </p:childTnLst>
+                    </p:cTn>
+                  </p:par>
+                  <p:par>
+                    <p:cTn fill="hold">
+                      <p:stCondLst>
+                        <p:cond delay="indefinite"/>
+                      </p:stCondLst>
+                      <p:childTnLst>
+                        <p:par>
+                          <p:cTn fill="hold">
+                            <p:stCondLst>
+                              <p:cond delay="0"/>
+                            </p:stCondLst>
+                            <p:childTnLst>
+                              <p:par>
+                                <p:cTn fill="hold" nodeType="clickEffect" presetClass="exit" presetID="1" presetSubtype="0">
+                                  <p:stCondLst>
+                                    <p:cond delay="0"/>
+                                  </p:stCondLst>
+                                  <p:childTnLst>
+                                    <p:set>
+                                      <p:cBhvr>
+                                        <p:cTn dur="1" fill="hold">
+                                          <p:stCondLst>
+                                            <p:cond delay="1000"/>
+                                          </p:stCondLst>
+                                        </p:cTn>
+                                        <p:tgtEl>
+                                          <p:spTgt spid="149"/>
+                                        </p:tgtEl>
+                                        <p:attrNameLst>
+                                          <p:attrName>style.visibility</p:attrName>
+                                        </p:attrNameLst>
+                                      </p:cBhvr>
+                                      <p:to>
+                                        <p:strVal val="hidden"/>
+                                      </p:to>
+                                    </p:set>
+                                  </p:childTnLst>
+                                </p:cTn>
+                              </p:par>
+                            </p:childTnLst>
+                          </p:cTn>
+                        </p:par>
+                      </p:childTnLst>
+                    </p:cTn>
+                  </p:par>
+                  <p:par>
+                    <p:cTn fill="hold">
+                      <p:stCondLst>
+                        <p:cond delay="indefinite"/>
+                      </p:stCondLst>
+                      <p:childTnLst>
+                        <p:par>
+                          <p:cTn fill="hold">
+                            <p:stCondLst>
+                              <p:cond delay="0"/>
+                            </p:stCondLst>
+                            <p:childTnLst>
+                              <p:par>
+                                <p:cTn fill="hold" nodeType="clickEffect" presetClass="exit" presetID="1" presetSubtype="0">
+                                  <p:stCondLst>
+                                    <p:cond delay="0"/>
+                                  </p:stCondLst>
+                                  <p:childTnLst>
+                                    <p:set>
+                                      <p:cBhvr>
+                                        <p:cTn dur="1" fill="hold">
+                                          <p:stCondLst>
+                                            <p:cond delay="1000"/>
+                                          </p:stCondLst>
+                                        </p:cTn>
+                                        <p:tgtEl>
+                                          <p:spTgt spid="157"/>
+                                        </p:tgtEl>
+                                        <p:attrNameLst>
+                                          <p:attrName>style.visibility</p:attrName>
+                                        </p:attrNameLst>
+                                      </p:cBhvr>
+                                      <p:to>
+                                        <p:strVal val="hidden"/>
+                                      </p:to>
+                                    </p:set>
+                                  </p:childTnLst>
+                                </p:cTn>
+                              </p:par>
+                            </p:childTnLst>
+                          </p:cTn>
+                        </p:par>
+                      </p:childTnLst>
+                    </p:cTn>
+                  </p:par>
+                  <p:par>
+                    <p:cTn fill="hold">
+                      <p:stCondLst>
+                        <p:cond delay="indefinite"/>
+                      </p:stCondLst>
+                      <p:childTnLst>
+                        <p:par>
+                          <p:cTn fill="hold">
+                            <p:stCondLst>
+                              <p:cond delay="0"/>
+                            </p:stCondLst>
+                            <p:childTnLst>
+                              <p:par>
+                                <p:cTn fill="hold" nodeType="clickEffect" presetClass="entr" presetID="1" presetSubtype="0">
+                                  <p:stCondLst>
+                                    <p:cond delay="0"/>
+                                  </p:stCondLst>
+                                  <p:childTnLst>
+                                    <p:set>
+                                      <p:cBhvr>
+                                        <p:cTn dur="1" fill="hold">
+                                          <p:stCondLst>
+                                            <p:cond delay="0"/>
+                                          </p:stCondLst>
+                                        </p:cTn>
+                                        <p:tgtEl>
+                                          <p:spTgt spid="152"/>
+                                        </p:tgtEl>
+                                        <p:attrNameLst>
+                                          <p:attrName>style.visibility</p:attrName>
+                                        </p:attrNameLst>
+                                      </p:cBhvr>
+                                      <p:to>
+                                        <p:strVal val="visible"/>
+                                      </p:to>
+                                    </p:set>
+                                  </p:childTnLst>
+                                </p:cTn>
+                              </p:par>
+                            </p:childTnLst>
+                          </p:cTn>
+                        </p:par>
+                      </p:childTnLst>
+                    </p:cTn>
+                  </p:par>
+                  <p:par>
+                    <p:cTn fill="hold">
+                      <p:stCondLst>
+                        <p:cond delay="indefinite"/>
+                      </p:stCondLst>
+                      <p:childTnLst>
+                        <p:par>
+                          <p:cTn fill="hold">
+                            <p:stCondLst>
+                              <p:cond delay="0"/>
+                            </p:stCondLst>
+                            <p:childTnLst>
+                              <p:par>
+                                <p:cTn fill="hold" nodeType="clickEffect" presetClass="exit" presetID="1" presetSubtype="0">
+                                  <p:stCondLst>
+                                    <p:cond delay="0"/>
+                                  </p:stCondLst>
+                                  <p:childTnLst>
+                                    <p:set>
+                                      <p:cBhvr>
+                                        <p:cTn dur="1" fill="hold">
+                                          <p:stCondLst>
+                                            <p:cond delay="1000"/>
+                                          </p:stCondLst>
+                                        </p:cTn>
+                                        <p:tgtEl>
+                                          <p:spTgt spid="152"/>
+                                        </p:tgtEl>
+                                        <p:attrNameLst>
+                                          <p:attrName>style.visibility</p:attrName>
+                                        </p:attrNameLst>
+                                      </p:cBhvr>
+                                      <p:to>
+                                        <p:strVal val="hidden"/>
+                                      </p:to>
+                                    </p:set>
+                                  </p:childTnLst>
+                                </p:cTn>
+                              </p:par>
+                            </p:childTnLst>
+                          </p:cTn>
+                        </p:par>
+                      </p:childTnLst>
+                    </p:cTn>
+                  </p:par>
+                  <p:par>
+                    <p:cTn fill="hold">
+                      <p:stCondLst>
+                        <p:cond delay="indefinite"/>
+                      </p:stCondLst>
+                      <p:childTnLst>
+                        <p:par>
+                          <p:cTn fill="hold">
+                            <p:stCondLst>
+                              <p:cond delay="0"/>
+                            </p:stCondLst>
+                            <p:childTnLst>
+                              <p:par>
+                                <p:cTn fill="hold" nodeType="clickEffect" presetClass="entr" presetID="1" presetSubtype="0">
+                                  <p:stCondLst>
+                                    <p:cond delay="0"/>
+                                  </p:stCondLst>
+                                  <p:childTnLst>
+                                    <p:set>
+                                      <p:cBhvr>
+                                        <p:cTn dur="1" fill="hold">
+                                          <p:stCondLst>
+                                            <p:cond delay="0"/>
+                                          </p:stCondLst>
+                                        </p:cTn>
+                                        <p:tgtEl>
+                                          <p:spTgt spid="153"/>
+                                        </p:tgtEl>
+                                        <p:attrNameLst>
+                                          <p:attrName>style.visibility</p:attrName>
+                                        </p:attrNameLst>
+                                      </p:cBhvr>
+                                      <p:to>
+                                        <p:strVal val="visible"/>
+                                      </p:to>
+                                    </p:set>
+                                  </p:childTnLst>
+                                </p:cTn>
+                              </p:par>
+                            </p:childTnLst>
+                          </p:cTn>
+                        </p:par>
+                      </p:childTnLst>
+                    </p:cTn>
+                  </p:par>
+                  <p:par>
+                    <p:cTn fill="hold">
+                      <p:stCondLst>
+                        <p:cond delay="indefinite"/>
+                      </p:stCondLst>
+                      <p:childTnLst>
+                        <p:par>
+                          <p:cTn fill="hold">
+                            <p:stCondLst>
+                              <p:cond delay="0"/>
+                            </p:stCondLst>
+                            <p:childTnLst>
+                              <p:par>
+                                <p:cTn fill="hold" nodeType="clickEffect" presetClass="entr" presetID="1" presetSubtype="0">
+                                  <p:stCondLst>
+                                    <p:cond delay="0"/>
+                                  </p:stCondLst>
+                                  <p:childTnLst>
+                                    <p:set>
+                                      <p:cBhvr>
+                                        <p:cTn dur="1" fill="hold">
+                                          <p:stCondLst>
+                                            <p:cond delay="0"/>
+                                          </p:stCondLst>
+                                        </p:cTn>
+                                        <p:tgtEl>
+                                          <p:spTgt spid="158"/>
+                                        </p:tgtEl>
+                                        <p:attrNameLst>
+                                          <p:attrName>style.visibility</p:attrName>
+                                        </p:attrNameLst>
+                                      </p:cBhvr>
+                                      <p:to>
+                                        <p:strVal val="visible"/>
+                                      </p:to>
+                                    </p:set>
+                                  </p:childTnLst>
+                                </p:cTn>
+                              </p:par>
+                            </p:childTnLst>
+                          </p:cTn>
+                        </p:par>
+                      </p:childTnLst>
+                    </p:cTn>
+                  </p:par>
+                  <p:par>
+                    <p:cTn fill="hold">
+                      <p:stCondLst>
+                        <p:cond delay="indefinite"/>
+                      </p:stCondLst>
+                      <p:childTnLst>
+                        <p:par>
+                          <p:cTn fill="hold">
+                            <p:stCondLst>
+                              <p:cond delay="0"/>
+                            </p:stCondLst>
+                            <p:childTnLst>
+                              <p:par>
+                                <p:cTn fill="hold" nodeType="clickEffect" presetClass="exit" presetID="1" presetSubtype="0">
+                                  <p:stCondLst>
+                                    <p:cond delay="0"/>
+                                  </p:stCondLst>
+                                  <p:childTnLst>
+                                    <p:set>
+                                      <p:cBhvr>
+                                        <p:cTn dur="1" fill="hold">
+                                          <p:stCondLst>
+                                            <p:cond delay="1000"/>
+                                          </p:stCondLst>
+                                        </p:cTn>
+                                        <p:tgtEl>
+                                          <p:spTgt spid="153"/>
+                                        </p:tgtEl>
+                                        <p:attrNameLst>
+                                          <p:attrName>style.visibility</p:attrName>
+                                        </p:attrNameLst>
+                                      </p:cBhvr>
+                                      <p:to>
+                                        <p:strVal val="hidden"/>
+                                      </p:to>
+                                    </p:set>
+                                  </p:childTnLst>
+                                </p:cTn>
+                              </p:par>
+                            </p:childTnLst>
+                          </p:cTn>
+                        </p:par>
+                      </p:childTnLst>
+                    </p:cTn>
+                  </p:par>
+                  <p:par>
+                    <p:cTn fill="hold">
+                      <p:stCondLst>
+                        <p:cond delay="indefinite"/>
+                      </p:stCondLst>
+                      <p:childTnLst>
+                        <p:par>
+                          <p:cTn fill="hold">
+                            <p:stCondLst>
+                              <p:cond delay="0"/>
+                            </p:stCondLst>
+                            <p:childTnLst>
+                              <p:par>
+                                <p:cTn fill="hold" nodeType="clickEffect" presetClass="exit" presetID="1" presetSubtype="0">
+                                  <p:stCondLst>
+                                    <p:cond delay="0"/>
+                                  </p:stCondLst>
+                                  <p:childTnLst>
+                                    <p:set>
+                                      <p:cBhvr>
+                                        <p:cTn dur="1" fill="hold">
+                                          <p:stCondLst>
+                                            <p:cond delay="1000"/>
+                                          </p:stCondLst>
+                                        </p:cTn>
+                                        <p:tgtEl>
+                                          <p:spTgt spid="158"/>
+                                        </p:tgtEl>
+                                        <p:attrNameLst>
+                                          <p:attrName>style.visibility</p:attrName>
+                                        </p:attrNameLst>
+                                      </p:cBhvr>
+                                      <p:to>
+                                        <p:strVal val="hidden"/>
+                                      </p:to>
+                                    </p:set>
+                                  </p:childTnLst>
+                                </p:cTn>
+                              </p:par>
+                            </p:childTnLst>
+                          </p:cTn>
+                        </p:par>
+                      </p:childTnLst>
+                    </p:cTn>
+                  </p:par>
+                </p:childTnLst>
+              </p:cTn>
+              <p:prevCondLst>
+                <p:cond evt="onPrev">
+                  <p:tgtEl>
+                    <p:sldTgt/>
+                  </p:tgtEl>
+                </p:cond>
+              </p:prevCondLst>
+              <p:nextCondLst>
+                <p:cond evt="onNext">
+                  <p:tgtEl>
+                    <p:sldTgt/>
+                  </p:tgtEl>
+                </p:cond>
+              </p:nextCondLst>
+            </p:seq>
+          </p:childTnLst>
+        </p:cTn>
+      </p:par>
+    </p:tnLst>
+  </p:timing>
 </p:sld>
 </file>
 
@@ -8697,7 +10243,7 @@
   <p:cSld>
     <p:spTree>
       <p:nvGrpSpPr>
-        <p:cNvPr id="147" name="Shape 147"/>
+        <p:cNvPr id="162" name="Shape 162"/>
         <p:cNvGrpSpPr/>
         <p:nvPr/>
       </p:nvGrpSpPr>
@@ -8711,16 +10257,16 @@
       </p:grpSpPr>
       <p:sp>
         <p:nvSpPr>
-          <p:cNvPr id="148" name="Google Shape;148;p23"/>
+          <p:cNvPr id="163" name="Google Shape;163;p23"/>
           <p:cNvSpPr txBox="1"/>
           <p:nvPr>
-            <p:ph idx="4294967295" type="title"/>
+            <p:ph type="title"/>
           </p:nvPr>
         </p:nvSpPr>
         <p:spPr>
           <a:xfrm>
-            <a:off x="535775" y="712150"/>
-            <a:ext cx="5197200" cy="768000"/>
+            <a:off x="283099" y="712150"/>
+            <a:ext cx="8622300" cy="3835500"/>
           </a:xfrm>
           <a:prstGeom prst="rect">
             <a:avLst/>
@@ -8737,172 +10283,42 @@
                 <a:spcPts val="0"/>
               </a:spcBef>
               <a:spcAft>
-                <a:spcPts val="1600"/>
+                <a:spcPts val="0"/>
               </a:spcAft>
               <a:buNone/>
             </a:pPr>
             <a:r>
-              <a:rPr lang="en">
+              <a:rPr lang="en" sz="6100"/>
+              <a:t>Intro to </a:t>
+            </a:r>
+            <a:r>
+              <a:rPr lang="en" sz="6100">
                 <a:solidFill>
-                  <a:schemeClr val="dk1"/>
+                  <a:schemeClr val="accent5"/>
                 </a:solidFill>
               </a:rPr>
-              <a:t>What is Scikit-Learn?</a:t>
-            </a:r>
-            <a:endParaRPr sz="1800"/>
+              <a:t>Scikit-Learn</a:t>
+            </a:r>
+            <a:endParaRPr sz="6100"/>
+          </a:p>
+          <a:p>
+            <a:pPr indent="0" lvl="0" marL="0" rtl="0" algn="l">
+              <a:spcBef>
+                <a:spcPts val="1000"/>
+              </a:spcBef>
+              <a:spcAft>
+                <a:spcPts val="1000"/>
+              </a:spcAft>
+              <a:buNone/>
+            </a:pPr>
+            <a:r>
+              <a:rPr b="0" lang="en" sz="3200"/>
+              <a:t>(...for real this time!)</a:t>
+            </a:r>
+            <a:endParaRPr b="0" sz="3200"/>
           </a:p>
         </p:txBody>
       </p:sp>
-      <p:sp>
-        <p:nvSpPr>
-          <p:cNvPr id="149" name="Google Shape;149;p23"/>
-          <p:cNvSpPr txBox="1"/>
-          <p:nvPr>
-            <p:ph idx="4294967295" type="title"/>
-          </p:nvPr>
-        </p:nvSpPr>
-        <p:spPr>
-          <a:xfrm>
-            <a:off x="535775" y="1480150"/>
-            <a:ext cx="5197200" cy="3067500"/>
-          </a:xfrm>
-          <a:prstGeom prst="rect">
-            <a:avLst/>
-          </a:prstGeom>
-        </p:spPr>
-        <p:txBody>
-          <a:bodyPr anchorCtr="0" anchor="t" bIns="91425" lIns="91425" spcFirstLastPara="1" rIns="91425" wrap="square" tIns="91425">
-            <a:noAutofit/>
-          </a:bodyPr>
-          <a:lstStyle/>
-          <a:p>
-            <a:pPr indent="-330200" lvl="0" marL="457200" rtl="0" algn="l">
-              <a:lnSpc>
-                <a:spcPct val="115000"/>
-              </a:lnSpc>
-              <a:spcBef>
-                <a:spcPts val="0"/>
-              </a:spcBef>
-              <a:spcAft>
-                <a:spcPts val="0"/>
-              </a:spcAft>
-              <a:buSzPts val="1600"/>
-              <a:buFont typeface="Lato"/>
-              <a:buChar char="-"/>
-            </a:pPr>
-            <a:r>
-              <a:rPr b="0" lang="en" sz="1600">
-                <a:latin typeface="Lato"/>
-                <a:ea typeface="Lato"/>
-                <a:cs typeface="Lato"/>
-                <a:sym typeface="Lato"/>
-              </a:rPr>
-              <a:t>A Python library that contains a whole </a:t>
-            </a:r>
-            <a:r>
-              <a:rPr b="0" lang="en" sz="1600">
-                <a:latin typeface="Lato"/>
-                <a:ea typeface="Lato"/>
-                <a:cs typeface="Lato"/>
-                <a:sym typeface="Lato"/>
-              </a:rPr>
-              <a:t>cornucopia</a:t>
-            </a:r>
-            <a:r>
-              <a:rPr b="0" lang="en" sz="1600">
-                <a:latin typeface="Lato"/>
-                <a:ea typeface="Lato"/>
-                <a:cs typeface="Lato"/>
-                <a:sym typeface="Lato"/>
-              </a:rPr>
-              <a:t> of Machine Learning algorithms and is used in conjunction with NumPy, SciPy, and Pandas in order to enact the entire ML pipeline from data sequesturing to model deployment. </a:t>
-            </a:r>
-            <a:endParaRPr b="0" sz="1600">
-              <a:latin typeface="Lato"/>
-              <a:ea typeface="Lato"/>
-              <a:cs typeface="Lato"/>
-              <a:sym typeface="Lato"/>
-            </a:endParaRPr>
-          </a:p>
-          <a:p>
-            <a:pPr indent="-330200" lvl="0" marL="457200" rtl="0" algn="l">
-              <a:lnSpc>
-                <a:spcPct val="115000"/>
-              </a:lnSpc>
-              <a:spcBef>
-                <a:spcPts val="0"/>
-              </a:spcBef>
-              <a:spcAft>
-                <a:spcPts val="0"/>
-              </a:spcAft>
-              <a:buSzPts val="1600"/>
-              <a:buFont typeface="Lato"/>
-              <a:buChar char="-"/>
-            </a:pPr>
-            <a:r>
-              <a:rPr b="0" lang="en" sz="1600">
-                <a:latin typeface="Lato"/>
-                <a:ea typeface="Lato"/>
-                <a:cs typeface="Lato"/>
-                <a:sym typeface="Lato"/>
-              </a:rPr>
-              <a:t>Was created 13 years ago as a </a:t>
-            </a:r>
-            <a:r>
-              <a:rPr b="0" i="1" lang="en" sz="1600">
-                <a:latin typeface="Lato"/>
-                <a:ea typeface="Lato"/>
-                <a:cs typeface="Lato"/>
-                <a:sym typeface="Lato"/>
-              </a:rPr>
-              <a:t>Summer of Code</a:t>
-            </a:r>
-            <a:r>
-              <a:rPr b="0" lang="en" sz="1600">
-                <a:latin typeface="Lato"/>
-                <a:ea typeface="Lato"/>
-                <a:cs typeface="Lato"/>
-                <a:sym typeface="Lato"/>
-              </a:rPr>
-              <a:t> project (by Google) by David Courneapeau and other developers who contributed to this project later on.  </a:t>
-            </a:r>
-            <a:endParaRPr b="0" sz="1600">
-              <a:latin typeface="Lato"/>
-              <a:ea typeface="Lato"/>
-              <a:cs typeface="Lato"/>
-              <a:sym typeface="Lato"/>
-            </a:endParaRPr>
-          </a:p>
-        </p:txBody>
-      </p:sp>
-      <p:pic>
-        <p:nvPicPr>
-          <p:cNvPr id="150" name="Google Shape;150;p23"/>
-          <p:cNvPicPr preferRelativeResize="0"/>
-          <p:nvPr/>
-        </p:nvPicPr>
-        <p:blipFill>
-          <a:blip r:embed="rId3">
-            <a:alphaModFix/>
-          </a:blip>
-          <a:stretch>
-            <a:fillRect/>
-          </a:stretch>
-        </p:blipFill>
-        <p:spPr>
-          <a:xfrm>
-            <a:off x="6008825" y="2310925"/>
-            <a:ext cx="2453826" cy="2236725"/>
-          </a:xfrm>
-          <a:prstGeom prst="rect">
-            <a:avLst/>
-          </a:prstGeom>
-          <a:noFill/>
-          <a:ln>
-            <a:noFill/>
-          </a:ln>
-        </p:spPr>
-      </p:pic>
     </p:spTree>
   </p:cSld>
   <p:clrMapOvr>
@@ -8916,7 +10332,7 @@
   <p:cSld>
     <p:spTree>
       <p:nvGrpSpPr>
-        <p:cNvPr id="154" name="Shape 154"/>
+        <p:cNvPr id="167" name="Shape 167"/>
         <p:cNvGrpSpPr/>
         <p:nvPr/>
       </p:nvGrpSpPr>
@@ -8930,16 +10346,16 @@
       </p:grpSpPr>
       <p:sp>
         <p:nvSpPr>
-          <p:cNvPr id="155" name="Google Shape;155;p24"/>
+          <p:cNvPr id="168" name="Google Shape;168;p24"/>
           <p:cNvSpPr txBox="1"/>
           <p:nvPr>
-            <p:ph type="title"/>
+            <p:ph idx="4294967295" type="title"/>
           </p:nvPr>
         </p:nvSpPr>
         <p:spPr>
           <a:xfrm>
-            <a:off x="2400250" y="575950"/>
-            <a:ext cx="6321600" cy="635400"/>
+            <a:off x="535775" y="712150"/>
+            <a:ext cx="5197200" cy="768000"/>
           </a:xfrm>
           <a:prstGeom prst="rect">
             <a:avLst/>
@@ -8956,30 +10372,34 @@
                 <a:spcPts val="0"/>
               </a:spcBef>
               <a:spcAft>
-                <a:spcPts val="0"/>
+                <a:spcPts val="1600"/>
               </a:spcAft>
               <a:buNone/>
             </a:pPr>
             <a:r>
-              <a:rPr lang="en"/>
-              <a:t>Types of Scikit-Learn Models</a:t>
-            </a:r>
-            <a:endParaRPr/>
+              <a:rPr lang="en">
+                <a:solidFill>
+                  <a:schemeClr val="dk1"/>
+                </a:solidFill>
+              </a:rPr>
+              <a:t>What is Scikit-Learn?</a:t>
+            </a:r>
+            <a:endParaRPr sz="1800"/>
           </a:p>
         </p:txBody>
       </p:sp>
       <p:sp>
         <p:nvSpPr>
-          <p:cNvPr id="156" name="Google Shape;156;p24"/>
+          <p:cNvPr id="169" name="Google Shape;169;p24"/>
           <p:cNvSpPr txBox="1"/>
           <p:nvPr>
-            <p:ph idx="1" type="body"/>
+            <p:ph idx="4294967295" type="title"/>
           </p:nvPr>
         </p:nvSpPr>
         <p:spPr>
           <a:xfrm>
-            <a:off x="2400303" y="1602675"/>
-            <a:ext cx="3071400" cy="3002400"/>
+            <a:off x="535775" y="1480150"/>
+            <a:ext cx="5197200" cy="3067500"/>
           </a:xfrm>
           <a:prstGeom prst="rect">
             <a:avLst/>
@@ -8991,159 +10411,133 @@
           </a:bodyPr>
           <a:lstStyle/>
           <a:p>
-            <a:pPr indent="0" lvl="0" marL="0" rtl="0" algn="l">
-              <a:spcBef>
-                <a:spcPts val="0"/>
-              </a:spcBef>
-              <a:spcAft>
-                <a:spcPts val="0"/>
-              </a:spcAft>
-              <a:buNone/>
+            <a:pPr indent="-330200" lvl="0" marL="457200" rtl="0" algn="l">
+              <a:lnSpc>
+                <a:spcPct val="115000"/>
+              </a:lnSpc>
+              <a:spcBef>
+                <a:spcPts val="0"/>
+              </a:spcBef>
+              <a:spcAft>
+                <a:spcPts val="0"/>
+              </a:spcAft>
+              <a:buSzPts val="1600"/>
+              <a:buFont typeface="Lato"/>
+              <a:buChar char="-"/>
             </a:pPr>
             <a:r>
-              <a:rPr b="1" lang="en"/>
-              <a:t>Binary Classifiers</a:t>
-            </a:r>
-            <a:endParaRPr b="1"/>
+              <a:rPr b="0" lang="en" sz="1600">
+                <a:latin typeface="Lato"/>
+                <a:ea typeface="Lato"/>
+                <a:cs typeface="Lato"/>
+                <a:sym typeface="Lato"/>
+              </a:rPr>
+              <a:t>A Python library that contains a whole </a:t>
+            </a:r>
+            <a:r>
+              <a:rPr b="0" lang="en" sz="1600">
+                <a:latin typeface="Lato"/>
+                <a:ea typeface="Lato"/>
+                <a:cs typeface="Lato"/>
+                <a:sym typeface="Lato"/>
+              </a:rPr>
+              <a:t>cornucopia</a:t>
+            </a:r>
+            <a:r>
+              <a:rPr b="0" lang="en" sz="1600">
+                <a:latin typeface="Lato"/>
+                <a:ea typeface="Lato"/>
+                <a:cs typeface="Lato"/>
+                <a:sym typeface="Lato"/>
+              </a:rPr>
+              <a:t> of Machine Learning algorithms and is used in conjunction with NumPy, SciPy, and Pandas in order to enact the entire ML pipeline from data sequesturing to model deployment. </a:t>
+            </a:r>
+            <a:endParaRPr b="0" sz="1600">
+              <a:latin typeface="Lato"/>
+              <a:ea typeface="Lato"/>
+              <a:cs typeface="Lato"/>
+              <a:sym typeface="Lato"/>
+            </a:endParaRPr>
           </a:p>
           <a:p>
-            <a:pPr indent="-317500" lvl="0" marL="457200" rtl="0" algn="l">
-              <a:spcBef>
-                <a:spcPts val="1600"/>
-              </a:spcBef>
-              <a:spcAft>
-                <a:spcPts val="0"/>
-              </a:spcAft>
-              <a:buSzPts val="1400"/>
+            <a:pPr indent="-330200" lvl="0" marL="457200" rtl="0" algn="l">
+              <a:lnSpc>
+                <a:spcPct val="115000"/>
+              </a:lnSpc>
+              <a:spcBef>
+                <a:spcPts val="0"/>
+              </a:spcBef>
+              <a:spcAft>
+                <a:spcPts val="0"/>
+              </a:spcAft>
+              <a:buSzPts val="1600"/>
+              <a:buFont typeface="Lato"/>
               <a:buChar char="-"/>
             </a:pPr>
             <a:r>
-              <a:rPr lang="en"/>
-              <a:t>Models that can handle a dataset with </a:t>
-            </a:r>
-            <a:r>
-              <a:rPr b="1" lang="en"/>
-              <a:t>one </a:t>
-            </a:r>
-            <a:r>
-              <a:rPr lang="en"/>
-              <a:t>target variable with a binary output (i.e. YES/NO). </a:t>
-            </a:r>
-            <a:r>
-              <a:rPr b="1" lang="en"/>
-              <a:t>Examples:</a:t>
-            </a:r>
-            <a:r>
-              <a:rPr lang="en"/>
-              <a:t> Logistic Regression, Ridge Classifier, Support Vector Machines (SVMs)</a:t>
-            </a:r>
-            <a:endParaRPr/>
-          </a:p>
-          <a:p>
-            <a:pPr indent="0" lvl="0" marL="0" rtl="0" algn="l">
-              <a:spcBef>
-                <a:spcPts val="1600"/>
-              </a:spcBef>
-              <a:spcAft>
-                <a:spcPts val="0"/>
-              </a:spcAft>
-              <a:buNone/>
-            </a:pPr>
-            <a:r>
-              <a:t/>
-            </a:r>
-            <a:endParaRPr/>
-          </a:p>
-          <a:p>
-            <a:pPr indent="0" lvl="0" marL="0" rtl="0" algn="l">
-              <a:spcBef>
-                <a:spcPts val="1600"/>
-              </a:spcBef>
-              <a:spcAft>
-                <a:spcPts val="1600"/>
-              </a:spcAft>
-              <a:buNone/>
-            </a:pPr>
-            <a:r>
-              <a:t/>
-            </a:r>
-            <a:endParaRPr/>
+              <a:rPr b="0" lang="en" sz="1600">
+                <a:latin typeface="Lato"/>
+                <a:ea typeface="Lato"/>
+                <a:cs typeface="Lato"/>
+                <a:sym typeface="Lato"/>
+              </a:rPr>
+              <a:t>Was created 13 years ago as a </a:t>
+            </a:r>
+            <a:r>
+              <a:rPr b="0" i="1" lang="en" sz="1600">
+                <a:latin typeface="Lato"/>
+                <a:ea typeface="Lato"/>
+                <a:cs typeface="Lato"/>
+                <a:sym typeface="Lato"/>
+              </a:rPr>
+              <a:t>Summer of Code</a:t>
+            </a:r>
+            <a:r>
+              <a:rPr b="0" lang="en" sz="1600">
+                <a:latin typeface="Lato"/>
+                <a:ea typeface="Lato"/>
+                <a:cs typeface="Lato"/>
+                <a:sym typeface="Lato"/>
+              </a:rPr>
+              <a:t> project (by Google) by David Courneapeau and other developers who contributed to this project later on.  </a:t>
+            </a:r>
+            <a:endParaRPr b="0" sz="1600">
+              <a:latin typeface="Lato"/>
+              <a:ea typeface="Lato"/>
+              <a:cs typeface="Lato"/>
+              <a:sym typeface="Lato"/>
+            </a:endParaRPr>
           </a:p>
         </p:txBody>
       </p:sp>
-      <p:sp>
-        <p:nvSpPr>
-          <p:cNvPr id="157" name="Google Shape;157;p24"/>
-          <p:cNvSpPr txBox="1"/>
-          <p:nvPr>
-            <p:ph idx="2" type="body"/>
-          </p:nvPr>
-        </p:nvSpPr>
-        <p:spPr>
-          <a:xfrm>
-            <a:off x="5650572" y="1602675"/>
-            <a:ext cx="3071400" cy="3002400"/>
+      <p:pic>
+        <p:nvPicPr>
+          <p:cNvPr id="170" name="Google Shape;170;p24"/>
+          <p:cNvPicPr preferRelativeResize="0"/>
+          <p:nvPr/>
+        </p:nvPicPr>
+        <p:blipFill>
+          <a:blip r:embed="rId3">
+            <a:alphaModFix/>
+          </a:blip>
+          <a:stretch>
+            <a:fillRect/>
+          </a:stretch>
+        </p:blipFill>
+        <p:spPr>
+          <a:xfrm>
+            <a:off x="6008825" y="2310925"/>
+            <a:ext cx="2453826" cy="2236725"/>
           </a:xfrm>
           <a:prstGeom prst="rect">
             <a:avLst/>
           </a:prstGeom>
-        </p:spPr>
-        <p:txBody>
-          <a:bodyPr anchorCtr="0" anchor="t" bIns="91425" lIns="91425" spcFirstLastPara="1" rIns="91425" wrap="square" tIns="91425">
-            <a:noAutofit/>
-          </a:bodyPr>
-          <a:lstStyle/>
-          <a:p>
-            <a:pPr indent="0" lvl="0" marL="0" rtl="0" algn="l">
-              <a:spcBef>
-                <a:spcPts val="0"/>
-              </a:spcBef>
-              <a:spcAft>
-                <a:spcPts val="0"/>
-              </a:spcAft>
-              <a:buNone/>
-            </a:pPr>
-            <a:r>
-              <a:rPr b="1" lang="en"/>
-              <a:t>Multiclass Classifiers</a:t>
-            </a:r>
-            <a:endParaRPr b="1"/>
-          </a:p>
-          <a:p>
-            <a:pPr indent="-317500" lvl="0" marL="457200" rtl="0" algn="l">
-              <a:spcBef>
-                <a:spcPts val="1600"/>
-              </a:spcBef>
-              <a:spcAft>
-                <a:spcPts val="0"/>
-              </a:spcAft>
-              <a:buSzPts val="1400"/>
-              <a:buChar char="-"/>
-            </a:pPr>
-            <a:r>
-              <a:rPr lang="en"/>
-              <a:t>Models that can handle a dataset with </a:t>
-            </a:r>
-            <a:r>
-              <a:rPr b="1" lang="en"/>
-              <a:t>one </a:t>
-            </a:r>
-            <a:r>
-              <a:rPr lang="en"/>
-              <a:t>target variable, but has multiple class outputs (i.e. different types of fruits, dogs, etc.). </a:t>
-            </a:r>
-            <a:r>
-              <a:rPr b="1" lang="en"/>
-              <a:t>Examples:</a:t>
-            </a:r>
-            <a:r>
-              <a:rPr lang="en"/>
-              <a:t> Random Forests, Decision Trees, SGD (Stochastic Gradient Descent) Classifiers, etc. </a:t>
-            </a:r>
-            <a:endParaRPr/>
-          </a:p>
-        </p:txBody>
-      </p:sp>
+          <a:noFill/>
+          <a:ln>
+            <a:noFill/>
+          </a:ln>
+        </p:spPr>
+      </p:pic>
     </p:spTree>
   </p:cSld>
   <p:clrMapOvr>
@@ -9157,7 +10551,7 @@
   <p:cSld>
     <p:spTree>
       <p:nvGrpSpPr>
-        <p:cNvPr id="161" name="Shape 161"/>
+        <p:cNvPr id="174" name="Shape 174"/>
         <p:cNvGrpSpPr/>
         <p:nvPr/>
       </p:nvGrpSpPr>
@@ -9171,7 +10565,7 @@
       </p:grpSpPr>
       <p:sp>
         <p:nvSpPr>
-          <p:cNvPr id="162" name="Google Shape;162;p25"/>
+          <p:cNvPr id="175" name="Google Shape;175;p25"/>
           <p:cNvSpPr txBox="1"/>
           <p:nvPr>
             <p:ph type="title"/>
@@ -9203,7 +10597,7 @@
             </a:pPr>
             <a:r>
               <a:rPr lang="en"/>
-              <a:t>Types of Scikit-Learn Models (cont.)</a:t>
+              <a:t>Types of Scikit-Learn Models</a:t>
             </a:r>
             <a:endParaRPr/>
           </a:p>
@@ -9211,7 +10605,7 @@
       </p:sp>
       <p:sp>
         <p:nvSpPr>
-          <p:cNvPr id="163" name="Google Shape;163;p25"/>
+          <p:cNvPr id="176" name="Google Shape;176;p25"/>
           <p:cNvSpPr txBox="1"/>
           <p:nvPr>
             <p:ph idx="1" type="body"/>
@@ -9243,7 +10637,7 @@
             </a:pPr>
             <a:r>
               <a:rPr b="1" lang="en"/>
-              <a:t>Multilabel Classifiers</a:t>
+              <a:t>Binary Classifiers</a:t>
             </a:r>
             <a:endParaRPr b="1"/>
           </a:p>
@@ -9260,7 +10654,15 @@
             </a:pPr>
             <a:r>
               <a:rPr lang="en"/>
-              <a:t>Models that can handle a certain number of labels (features) with binary classes (i.e. for feature 1, the labels can be YES/NO, feature 2, the labels can be positive or negative, etc.) </a:t>
+              <a:t>Models that can handle a dataset with </a:t>
+            </a:r>
+            <a:r>
+              <a:rPr b="1" lang="en"/>
+              <a:t>one </a:t>
+            </a:r>
+            <a:r>
+              <a:rPr lang="en"/>
+              <a:t>target variable with a binary label (i.e. YES/NO). </a:t>
             </a:r>
             <a:r>
               <a:rPr b="1" lang="en"/>
@@ -9268,7 +10670,7 @@
             </a:r>
             <a:r>
               <a:rPr lang="en"/>
-              <a:t> KNeighbors Classifier (KNNs), Random Forests, MLP Classifiers</a:t>
+              <a:t> Logistic Regression, Ridge Classifier, Support Vector Machines (SVMs)</a:t>
             </a:r>
             <a:endParaRPr/>
           </a:p>
@@ -9306,7 +10708,7 @@
       </p:sp>
       <p:sp>
         <p:nvSpPr>
-          <p:cNvPr id="164" name="Google Shape;164;p25"/>
+          <p:cNvPr id="177" name="Google Shape;177;p25"/>
           <p:cNvSpPr txBox="1"/>
           <p:nvPr>
             <p:ph idx="2" type="body"/>
@@ -9338,34 +10740,42 @@
             </a:pPr>
             <a:r>
               <a:rPr b="1" lang="en"/>
-              <a:t>Multilabel Regressors</a:t>
+              <a:t>Multiclass Classifiers</a:t>
             </a:r>
             <a:endParaRPr b="1"/>
           </a:p>
           <a:p>
-            <a:pPr indent="-311150" lvl="0" marL="457200" rtl="0" algn="l">
+            <a:pPr indent="-317500" lvl="0" marL="457200" rtl="0" algn="l">
               <a:spcBef>
                 <a:spcPts val="1600"/>
               </a:spcBef>
               <a:spcAft>
                 <a:spcPts val="0"/>
               </a:spcAft>
-              <a:buSzPts val="1300"/>
+              <a:buSzPts val="1400"/>
               <a:buChar char="-"/>
             </a:pPr>
             <a:r>
-              <a:rPr lang="en" sz="1300"/>
-              <a:t>Similar to Multilabel Classifiers, but instead of having discrete/categorical/binary data as the classes, you have continuous numbers (i.e. housing prices, percentages, etc.) for the models to do predictions. </a:t>
-            </a:r>
-            <a:r>
-              <a:rPr b="1" lang="en" sz="1300"/>
-              <a:t>Examples: </a:t>
-            </a:r>
-            <a:r>
-              <a:rPr lang="en" sz="1300"/>
-              <a:t>Random Forests (Regressor), Tree Regressors</a:t>
-            </a:r>
-            <a:endParaRPr sz="1300"/>
+              <a:rPr lang="en"/>
+              <a:t>Models that can handle a dataset with </a:t>
+            </a:r>
+            <a:r>
+              <a:rPr b="1" lang="en"/>
+              <a:t>one </a:t>
+            </a:r>
+            <a:r>
+              <a:rPr lang="en"/>
+              <a:t>target variable, but has multiple class outputs (i.e. different types of fruits, dogs, etc.). </a:t>
+            </a:r>
+            <a:r>
+              <a:rPr b="1" lang="en"/>
+              <a:t>Examples:</a:t>
+            </a:r>
+            <a:r>
+              <a:rPr lang="en"/>
+              <a:t> Random Forests, Decision Trees, SGD (Stochastic Gradient Descent) Classifiers, etc. </a:t>
+            </a:r>
+            <a:endParaRPr/>
           </a:p>
         </p:txBody>
       </p:sp>
@@ -9382,7 +10792,7 @@
   <p:cSld>
     <p:spTree>
       <p:nvGrpSpPr>
-        <p:cNvPr id="168" name="Shape 168"/>
+        <p:cNvPr id="181" name="Shape 181"/>
         <p:cNvGrpSpPr/>
         <p:nvPr/>
       </p:nvGrpSpPr>
@@ -9396,7 +10806,7 @@
       </p:grpSpPr>
       <p:sp>
         <p:nvSpPr>
-          <p:cNvPr id="169" name="Google Shape;169;p26"/>
+          <p:cNvPr id="182" name="Google Shape;182;p26"/>
           <p:cNvSpPr txBox="1"/>
           <p:nvPr>
             <p:ph type="title"/>
@@ -9436,7 +10846,7 @@
       </p:sp>
       <p:sp>
         <p:nvSpPr>
-          <p:cNvPr id="170" name="Google Shape;170;p26"/>
+          <p:cNvPr id="183" name="Google Shape;183;p26"/>
           <p:cNvSpPr txBox="1"/>
           <p:nvPr>
             <p:ph idx="1" type="body"/>
@@ -9468,7 +10878,7 @@
             </a:pPr>
             <a:r>
               <a:rPr b="1" lang="en"/>
-              <a:t>Multilabel Multiclass Classifiers </a:t>
+              <a:t>Multilabel Classifiers</a:t>
             </a:r>
             <a:endParaRPr b="1"/>
           </a:p>
@@ -9485,15 +10895,7 @@
             </a:pPr>
             <a:r>
               <a:rPr lang="en"/>
-              <a:t>Models that can handle </a:t>
-            </a:r>
-            <a:r>
-              <a:rPr b="1" lang="en"/>
-              <a:t>both non-binary classes with a certain number of labels</a:t>
-            </a:r>
-            <a:r>
-              <a:rPr lang="en"/>
-              <a:t>. It’s also as known as multi-task classification. (i.e. label 1  can be the types of fruits, where as label 2 can be the types colors). </a:t>
+              <a:t>Models that can handle a certain number of labels (features) with binary classes (i.e. for feature 1, the labels can be YES/NO, feature 2, the labels can be positive or negative, etc.) </a:t>
             </a:r>
             <a:r>
               <a:rPr b="1" lang="en"/>
@@ -9501,7 +10903,7 @@
             </a:r>
             <a:r>
               <a:rPr lang="en"/>
-              <a:t> Random Forests, Decision Trees, KNNs </a:t>
+              <a:t> KNeighbors Classifier (KNNs), Random Forests, MLP Classifiers</a:t>
             </a:r>
             <a:endParaRPr/>
           </a:p>
@@ -9534,6 +10936,71 @@
               <a:t/>
             </a:r>
             <a:endParaRPr/>
+          </a:p>
+        </p:txBody>
+      </p:sp>
+      <p:sp>
+        <p:nvSpPr>
+          <p:cNvPr id="184" name="Google Shape;184;p26"/>
+          <p:cNvSpPr txBox="1"/>
+          <p:nvPr>
+            <p:ph idx="2" type="body"/>
+          </p:nvPr>
+        </p:nvSpPr>
+        <p:spPr>
+          <a:xfrm>
+            <a:off x="5650572" y="1602675"/>
+            <a:ext cx="3071400" cy="3002400"/>
+          </a:xfrm>
+          <a:prstGeom prst="rect">
+            <a:avLst/>
+          </a:prstGeom>
+        </p:spPr>
+        <p:txBody>
+          <a:bodyPr anchorCtr="0" anchor="t" bIns="91425" lIns="91425" spcFirstLastPara="1" rIns="91425" wrap="square" tIns="91425">
+            <a:noAutofit/>
+          </a:bodyPr>
+          <a:lstStyle/>
+          <a:p>
+            <a:pPr indent="0" lvl="0" marL="0" rtl="0" algn="l">
+              <a:spcBef>
+                <a:spcPts val="0"/>
+              </a:spcBef>
+              <a:spcAft>
+                <a:spcPts val="0"/>
+              </a:spcAft>
+              <a:buNone/>
+            </a:pPr>
+            <a:r>
+              <a:rPr b="1" lang="en"/>
+              <a:t>Multilabel Regressors</a:t>
+            </a:r>
+            <a:endParaRPr b="1"/>
+          </a:p>
+          <a:p>
+            <a:pPr indent="-311150" lvl="0" marL="457200" rtl="0" algn="l">
+              <a:spcBef>
+                <a:spcPts val="1600"/>
+              </a:spcBef>
+              <a:spcAft>
+                <a:spcPts val="0"/>
+              </a:spcAft>
+              <a:buSzPts val="1300"/>
+              <a:buChar char="-"/>
+            </a:pPr>
+            <a:r>
+              <a:rPr lang="en" sz="1300"/>
+              <a:t>Similar to Multilabel Classifiers, but instead of having discrete/categorical/binary data as the classes, you have continuous numbers (i.e. housing prices, percentages, etc.) for the models to do predictions. </a:t>
+            </a:r>
+            <a:r>
+              <a:rPr b="1" lang="en" sz="1300"/>
+              <a:t>Examples: </a:t>
+            </a:r>
+            <a:r>
+              <a:rPr lang="en" sz="1300"/>
+              <a:t>Random Forests (Regressor), Tree Regressors</a:t>
+            </a:r>
+            <a:endParaRPr sz="1300"/>
           </a:p>
         </p:txBody>
       </p:sp>
@@ -9548,16 +11015,9 @@
 <file path=ppt/slides/slide15.xml><?xml version="1.0" encoding="utf-8"?>
 <p:sld xmlns:a="http://schemas.openxmlformats.org/drawingml/2006/main" xmlns:r="http://schemas.openxmlformats.org/officeDocument/2006/relationships" xmlns:mc="http://schemas.openxmlformats.org/markup-compatibility/2006" xmlns:mv="urn:schemas-microsoft-com:mac:vml" xmlns:p="http://schemas.openxmlformats.org/presentationml/2006/main" xmlns:c="http://schemas.openxmlformats.org/drawingml/2006/chart" xmlns:dgm="http://schemas.openxmlformats.org/drawingml/2006/diagram" xmlns:o="urn:schemas-microsoft-com:office:office" xmlns:v="urn:schemas-microsoft-com:vml" xmlns:pvml="urn:schemas-microsoft-com:office:powerpoint" xmlns:com="http://schemas.openxmlformats.org/drawingml/2006/compatibility" xmlns:p14="http://schemas.microsoft.com/office/powerpoint/2010/main" xmlns:p15="http://schemas.microsoft.com/office/powerpoint/2012/main">
   <p:cSld>
-    <p:bg>
-      <p:bgPr>
-        <a:solidFill>
-          <a:schemeClr val="lt1"/>
-        </a:solidFill>
-      </p:bgPr>
-    </p:bg>
     <p:spTree>
       <p:nvGrpSpPr>
-        <p:cNvPr id="174" name="Shape 174"/>
+        <p:cNvPr id="188" name="Shape 188"/>
         <p:cNvGrpSpPr/>
         <p:nvPr/>
       </p:nvGrpSpPr>
@@ -9571,7 +11031,47 @@
       </p:grpSpPr>
       <p:sp>
         <p:nvSpPr>
-          <p:cNvPr id="175" name="Google Shape;175;p27"/>
+          <p:cNvPr id="189" name="Google Shape;189;p27"/>
+          <p:cNvSpPr txBox="1"/>
+          <p:nvPr>
+            <p:ph type="title"/>
+          </p:nvPr>
+        </p:nvSpPr>
+        <p:spPr>
+          <a:xfrm>
+            <a:off x="2400250" y="575950"/>
+            <a:ext cx="6321600" cy="635400"/>
+          </a:xfrm>
+          <a:prstGeom prst="rect">
+            <a:avLst/>
+          </a:prstGeom>
+        </p:spPr>
+        <p:txBody>
+          <a:bodyPr anchorCtr="0" anchor="t" bIns="91425" lIns="91425" spcFirstLastPara="1" rIns="91425" wrap="square" tIns="91425">
+            <a:noAutofit/>
+          </a:bodyPr>
+          <a:lstStyle/>
+          <a:p>
+            <a:pPr indent="0" lvl="0" marL="0" rtl="0" algn="l">
+              <a:spcBef>
+                <a:spcPts val="0"/>
+              </a:spcBef>
+              <a:spcAft>
+                <a:spcPts val="0"/>
+              </a:spcAft>
+              <a:buNone/>
+            </a:pPr>
+            <a:r>
+              <a:rPr lang="en"/>
+              <a:t>Types of Scikit-Learn Models (cont.)</a:t>
+            </a:r>
+            <a:endParaRPr/>
+          </a:p>
+        </p:txBody>
+      </p:sp>
+      <p:sp>
+        <p:nvSpPr>
+          <p:cNvPr id="190" name="Google Shape;190;p27"/>
           <p:cNvSpPr txBox="1"/>
           <p:nvPr>
             <p:ph idx="1" type="body"/>
@@ -9579,15 +11079,15 @@
         </p:nvSpPr>
         <p:spPr>
           <a:xfrm>
-            <a:off x="4832750" y="980400"/>
-            <a:ext cx="4033800" cy="3182700"/>
+            <a:off x="2400303" y="1602675"/>
+            <a:ext cx="3071400" cy="3002400"/>
           </a:xfrm>
           <a:prstGeom prst="rect">
             <a:avLst/>
           </a:prstGeom>
         </p:spPr>
         <p:txBody>
-          <a:bodyPr anchorCtr="0" anchor="ctr" bIns="91425" lIns="91425" spcFirstLastPara="1" rIns="91425" wrap="square" tIns="91425">
+          <a:bodyPr anchorCtr="0" anchor="t" bIns="91425" lIns="91425" spcFirstLastPara="1" rIns="91425" wrap="square" tIns="91425">
             <a:noAutofit/>
           </a:bodyPr>
           <a:lstStyle/>
@@ -9602,18 +11102,43 @@
               <a:buNone/>
             </a:pPr>
             <a:r>
-              <a:rPr b="1" lang="en" sz="3000">
-                <a:solidFill>
-                  <a:schemeClr val="dk1"/>
-                </a:solidFill>
-              </a:rPr>
-              <a:t>Meet the MNIST (Digit) Dataset</a:t>
-            </a:r>
-            <a:endParaRPr sz="3000">
-              <a:solidFill>
-                <a:schemeClr val="dk1"/>
-              </a:solidFill>
-            </a:endParaRPr>
+              <a:rPr b="1" lang="en"/>
+              <a:t>Multilabel Multiclass Classifiers </a:t>
+            </a:r>
+            <a:endParaRPr b="1"/>
+          </a:p>
+          <a:p>
+            <a:pPr indent="-317500" lvl="0" marL="457200" rtl="0" algn="l">
+              <a:spcBef>
+                <a:spcPts val="1600"/>
+              </a:spcBef>
+              <a:spcAft>
+                <a:spcPts val="0"/>
+              </a:spcAft>
+              <a:buSzPts val="1400"/>
+              <a:buChar char="-"/>
+            </a:pPr>
+            <a:r>
+              <a:rPr lang="en"/>
+              <a:t>Models that can handle </a:t>
+            </a:r>
+            <a:r>
+              <a:rPr b="1" lang="en"/>
+              <a:t>both non-binary classes with a certain number of labels</a:t>
+            </a:r>
+            <a:r>
+              <a:rPr lang="en"/>
+              <a:t>. It’s also as known as multi-task classification. (i.e. label 1  can be the types of fruits, where as label 2 can be the types colors). </a:t>
+            </a:r>
+            <a:r>
+              <a:rPr b="1" lang="en"/>
+              <a:t>Examples:</a:t>
+            </a:r>
+            <a:r>
+              <a:rPr lang="en"/>
+              <a:t> Random Forests, Decision Trees, KNNs </a:t>
+            </a:r>
+            <a:endParaRPr/>
           </a:p>
           <a:p>
             <a:pPr indent="0" lvl="0" marL="0" rtl="0" algn="l">
@@ -9626,18 +11151,9 @@
               <a:buNone/>
             </a:pPr>
             <a:r>
-              <a:rPr lang="en" sz="1800">
-                <a:solidFill>
-                  <a:srgbClr val="000000"/>
-                </a:solidFill>
-              </a:rPr>
-              <a:t>The MNIST dataset is one of the most popular datasets to do image classification tasks on. There are about ~70,000 images of digits from 0-9 with different image qualities, so it’s a great starter project to do image classification on. </a:t>
-            </a:r>
-            <a:endParaRPr sz="1800">
-              <a:solidFill>
-                <a:srgbClr val="000000"/>
-              </a:solidFill>
-            </a:endParaRPr>
+              <a:t/>
+            </a:r>
+            <a:endParaRPr/>
           </a:p>
           <a:p>
             <a:pPr indent="0" lvl="0" marL="0" rtl="0" algn="l">
@@ -9647,52 +11163,15 @@
               <a:spcAft>
                 <a:spcPts val="1600"/>
               </a:spcAft>
-              <a:buClr>
-                <a:schemeClr val="dk2"/>
-              </a:buClr>
-              <a:buSzPts val="1100"/>
-              <a:buFont typeface="Arial"/>
               <a:buNone/>
             </a:pPr>
             <a:r>
               <a:t/>
             </a:r>
-            <a:endParaRPr sz="1800">
-              <a:solidFill>
-                <a:srgbClr val="000000"/>
-              </a:solidFill>
-            </a:endParaRPr>
+            <a:endParaRPr/>
           </a:p>
         </p:txBody>
       </p:sp>
-      <p:pic>
-        <p:nvPicPr>
-          <p:cNvPr id="176" name="Google Shape;176;p27"/>
-          <p:cNvPicPr preferRelativeResize="0"/>
-          <p:nvPr/>
-        </p:nvPicPr>
-        <p:blipFill>
-          <a:blip r:embed="rId3">
-            <a:alphaModFix/>
-          </a:blip>
-          <a:stretch>
-            <a:fillRect/>
-          </a:stretch>
-        </p:blipFill>
-        <p:spPr>
-          <a:xfrm>
-            <a:off x="0" y="0"/>
-            <a:ext cx="4567200" cy="5143500"/>
-          </a:xfrm>
-          <a:prstGeom prst="rect">
-            <a:avLst/>
-          </a:prstGeom>
-          <a:noFill/>
-          <a:ln>
-            <a:noFill/>
-          </a:ln>
-        </p:spPr>
-      </p:pic>
     </p:spTree>
   </p:cSld>
   <p:clrMapOvr>
@@ -9704,9 +11183,16 @@
 <file path=ppt/slides/slide16.xml><?xml version="1.0" encoding="utf-8"?>
 <p:sld xmlns:a="http://schemas.openxmlformats.org/drawingml/2006/main" xmlns:r="http://schemas.openxmlformats.org/officeDocument/2006/relationships" xmlns:mc="http://schemas.openxmlformats.org/markup-compatibility/2006" xmlns:mv="urn:schemas-microsoft-com:mac:vml" xmlns:p="http://schemas.openxmlformats.org/presentationml/2006/main" xmlns:c="http://schemas.openxmlformats.org/drawingml/2006/chart" xmlns:dgm="http://schemas.openxmlformats.org/drawingml/2006/diagram" xmlns:o="urn:schemas-microsoft-com:office:office" xmlns:v="urn:schemas-microsoft-com:vml" xmlns:pvml="urn:schemas-microsoft-com:office:powerpoint" xmlns:com="http://schemas.openxmlformats.org/drawingml/2006/compatibility" xmlns:p14="http://schemas.microsoft.com/office/powerpoint/2010/main" xmlns:p15="http://schemas.microsoft.com/office/powerpoint/2012/main">
   <p:cSld>
+    <p:bg>
+      <p:bgPr>
+        <a:solidFill>
+          <a:schemeClr val="lt1"/>
+        </a:solidFill>
+      </p:bgPr>
+    </p:bg>
     <p:spTree>
       <p:nvGrpSpPr>
-        <p:cNvPr id="180" name="Shape 180"/>
+        <p:cNvPr id="194" name="Shape 194"/>
         <p:cNvGrpSpPr/>
         <p:nvPr/>
       </p:nvGrpSpPr>
@@ -9720,23 +11206,23 @@
       </p:grpSpPr>
       <p:sp>
         <p:nvSpPr>
-          <p:cNvPr id="181" name="Google Shape;181;p28"/>
+          <p:cNvPr id="195" name="Google Shape;195;p28"/>
           <p:cNvSpPr txBox="1"/>
           <p:nvPr>
-            <p:ph type="title"/>
+            <p:ph idx="1" type="body"/>
           </p:nvPr>
         </p:nvSpPr>
         <p:spPr>
           <a:xfrm>
-            <a:off x="303300" y="411575"/>
-            <a:ext cx="8520600" cy="639600"/>
+            <a:off x="4832750" y="980400"/>
+            <a:ext cx="4033800" cy="3182700"/>
           </a:xfrm>
           <a:prstGeom prst="rect">
             <a:avLst/>
           </a:prstGeom>
         </p:spPr>
         <p:txBody>
-          <a:bodyPr anchorCtr="0" anchor="t" bIns="91425" lIns="91425" spcFirstLastPara="1" rIns="91425" wrap="square" tIns="91425">
+          <a:bodyPr anchorCtr="0" anchor="ctr" bIns="91425" lIns="91425" spcFirstLastPara="1" rIns="91425" wrap="square" tIns="91425">
             <a:noAutofit/>
           </a:bodyPr>
           <a:lstStyle/>
@@ -9751,16 +11237,72 @@
               <a:buNone/>
             </a:pPr>
             <a:r>
-              <a:rPr lang="en"/>
-              <a:t>Image Classification Focus (MNIST Dataset)</a:t>
-            </a:r>
-            <a:endParaRPr/>
+              <a:rPr b="1" lang="en" sz="3000">
+                <a:solidFill>
+                  <a:schemeClr val="dk1"/>
+                </a:solidFill>
+              </a:rPr>
+              <a:t>Meet the MNIST (Digit) Dataset</a:t>
+            </a:r>
+            <a:endParaRPr sz="3000">
+              <a:solidFill>
+                <a:schemeClr val="dk1"/>
+              </a:solidFill>
+            </a:endParaRPr>
+          </a:p>
+          <a:p>
+            <a:pPr indent="0" lvl="0" marL="0" rtl="0" algn="l">
+              <a:spcBef>
+                <a:spcPts val="1600"/>
+              </a:spcBef>
+              <a:spcAft>
+                <a:spcPts val="0"/>
+              </a:spcAft>
+              <a:buNone/>
+            </a:pPr>
+            <a:r>
+              <a:rPr lang="en" sz="1800">
+                <a:solidFill>
+                  <a:srgbClr val="000000"/>
+                </a:solidFill>
+              </a:rPr>
+              <a:t>The MNIST dataset is one of the most popular datasets to do image classification tasks on. There are about ~70,000 images of digits from 0-9 with different image qualities, so it’s a great starter project to do image classification on. </a:t>
+            </a:r>
+            <a:endParaRPr sz="1800">
+              <a:solidFill>
+                <a:srgbClr val="000000"/>
+              </a:solidFill>
+            </a:endParaRPr>
+          </a:p>
+          <a:p>
+            <a:pPr indent="0" lvl="0" marL="0" rtl="0" algn="l">
+              <a:spcBef>
+                <a:spcPts val="1600"/>
+              </a:spcBef>
+              <a:spcAft>
+                <a:spcPts val="1600"/>
+              </a:spcAft>
+              <a:buClr>
+                <a:schemeClr val="dk2"/>
+              </a:buClr>
+              <a:buSzPts val="1100"/>
+              <a:buFont typeface="Arial"/>
+              <a:buNone/>
+            </a:pPr>
+            <a:r>
+              <a:t/>
+            </a:r>
+            <a:endParaRPr sz="1800">
+              <a:solidFill>
+                <a:srgbClr val="000000"/>
+              </a:solidFill>
+            </a:endParaRPr>
           </a:p>
         </p:txBody>
       </p:sp>
       <p:pic>
         <p:nvPicPr>
-          <p:cNvPr id="182" name="Google Shape;182;p28"/>
+          <p:cNvPr id="196" name="Google Shape;196;p28"/>
           <p:cNvPicPr preferRelativeResize="0"/>
           <p:nvPr/>
         </p:nvPicPr>
@@ -9774,8 +11316,8 @@
         </p:blipFill>
         <p:spPr>
           <a:xfrm>
-            <a:off x="152400" y="1203575"/>
-            <a:ext cx="8839200" cy="3661574"/>
+            <a:off x="0" y="0"/>
+            <a:ext cx="4567200" cy="5143500"/>
           </a:xfrm>
           <a:prstGeom prst="rect">
             <a:avLst/>
@@ -9786,9 +11328,102 @@
           </a:ln>
         </p:spPr>
       </p:pic>
+    </p:spTree>
+  </p:cSld>
+  <p:clrMapOvr>
+    <a:masterClrMapping/>
+  </p:clrMapOvr>
+</p:sld>
+</file>
+
+<file path=ppt/slides/slide17.xml><?xml version="1.0" encoding="utf-8"?>
+<p:sld xmlns:a="http://schemas.openxmlformats.org/drawingml/2006/main" xmlns:r="http://schemas.openxmlformats.org/officeDocument/2006/relationships" xmlns:mc="http://schemas.openxmlformats.org/markup-compatibility/2006" xmlns:mv="urn:schemas-microsoft-com:mac:vml" xmlns:p="http://schemas.openxmlformats.org/presentationml/2006/main" xmlns:c="http://schemas.openxmlformats.org/drawingml/2006/chart" xmlns:dgm="http://schemas.openxmlformats.org/drawingml/2006/diagram" xmlns:o="urn:schemas-microsoft-com:office:office" xmlns:v="urn:schemas-microsoft-com:vml" xmlns:pvml="urn:schemas-microsoft-com:office:powerpoint" xmlns:com="http://schemas.openxmlformats.org/drawingml/2006/compatibility" xmlns:p14="http://schemas.microsoft.com/office/powerpoint/2010/main" xmlns:p15="http://schemas.microsoft.com/office/powerpoint/2012/main">
+  <p:cSld>
+    <p:spTree>
+      <p:nvGrpSpPr>
+        <p:cNvPr id="200" name="Shape 200"/>
+        <p:cNvGrpSpPr/>
+        <p:nvPr/>
+      </p:nvGrpSpPr>
+      <p:grpSpPr>
+        <a:xfrm>
+          <a:off x="0" y="0"/>
+          <a:ext cx="0" cy="0"/>
+          <a:chOff x="0" y="0"/>
+          <a:chExt cx="0" cy="0"/>
+        </a:xfrm>
+      </p:grpSpPr>
       <p:sp>
         <p:nvSpPr>
-          <p:cNvPr id="183" name="Google Shape;183;p28"/>
+          <p:cNvPr id="201" name="Google Shape;201;p29"/>
+          <p:cNvSpPr txBox="1"/>
+          <p:nvPr>
+            <p:ph type="title"/>
+          </p:nvPr>
+        </p:nvSpPr>
+        <p:spPr>
+          <a:xfrm>
+            <a:off x="303300" y="411575"/>
+            <a:ext cx="8520600" cy="639600"/>
+          </a:xfrm>
+          <a:prstGeom prst="rect">
+            <a:avLst/>
+          </a:prstGeom>
+        </p:spPr>
+        <p:txBody>
+          <a:bodyPr anchorCtr="0" anchor="t" bIns="91425" lIns="91425" spcFirstLastPara="1" rIns="91425" wrap="square" tIns="91425">
+            <a:noAutofit/>
+          </a:bodyPr>
+          <a:lstStyle/>
+          <a:p>
+            <a:pPr indent="0" lvl="0" marL="0" rtl="0" algn="l">
+              <a:spcBef>
+                <a:spcPts val="0"/>
+              </a:spcBef>
+              <a:spcAft>
+                <a:spcPts val="0"/>
+              </a:spcAft>
+              <a:buNone/>
+            </a:pPr>
+            <a:r>
+              <a:rPr lang="en"/>
+              <a:t>Image Classification Focus (MNIST Dataset)</a:t>
+            </a:r>
+            <a:endParaRPr/>
+          </a:p>
+        </p:txBody>
+      </p:sp>
+      <p:pic>
+        <p:nvPicPr>
+          <p:cNvPr id="202" name="Google Shape;202;p29"/>
+          <p:cNvPicPr preferRelativeResize="0"/>
+          <p:nvPr/>
+        </p:nvPicPr>
+        <p:blipFill>
+          <a:blip r:embed="rId3">
+            <a:alphaModFix/>
+          </a:blip>
+          <a:stretch>
+            <a:fillRect/>
+          </a:stretch>
+        </p:blipFill>
+        <p:spPr>
+          <a:xfrm>
+            <a:off x="152400" y="1203575"/>
+            <a:ext cx="8839200" cy="3661574"/>
+          </a:xfrm>
+          <a:prstGeom prst="rect">
+            <a:avLst/>
+          </a:prstGeom>
+          <a:noFill/>
+          <a:ln>
+            <a:noFill/>
+          </a:ln>
+        </p:spPr>
+      </p:pic>
+      <p:sp>
+        <p:nvSpPr>
+          <p:cNvPr id="203" name="Google Shape;203;p29"/>
           <p:cNvSpPr/>
           <p:nvPr/>
         </p:nvSpPr>
@@ -9876,7 +11511,7 @@
                                           </p:stCondLst>
                                         </p:cTn>
                                         <p:tgtEl>
-                                          <p:spTgt spid="183"/>
+                                          <p:spTgt spid="203"/>
                                         </p:tgtEl>
                                         <p:attrNameLst>
                                           <p:attrName>style.visibility</p:attrName>
@@ -9920,12 +11555,12 @@
 </p:sld>
 </file>
 
-<file path=ppt/slides/slide17.xml><?xml version="1.0" encoding="utf-8"?>
+<file path=ppt/slides/slide18.xml><?xml version="1.0" encoding="utf-8"?>
 <p:sld xmlns:a="http://schemas.openxmlformats.org/drawingml/2006/main" xmlns:r="http://schemas.openxmlformats.org/officeDocument/2006/relationships" xmlns:mc="http://schemas.openxmlformats.org/markup-compatibility/2006" xmlns:mv="urn:schemas-microsoft-com:mac:vml" xmlns:p="http://schemas.openxmlformats.org/presentationml/2006/main" xmlns:c="http://schemas.openxmlformats.org/drawingml/2006/chart" xmlns:dgm="http://schemas.openxmlformats.org/drawingml/2006/diagram" xmlns:o="urn:schemas-microsoft-com:office:office" xmlns:v="urn:schemas-microsoft-com:vml" xmlns:pvml="urn:schemas-microsoft-com:office:powerpoint" xmlns:com="http://schemas.openxmlformats.org/drawingml/2006/compatibility" xmlns:p14="http://schemas.microsoft.com/office/powerpoint/2010/main" xmlns:p15="http://schemas.microsoft.com/office/powerpoint/2012/main">
   <p:cSld>
     <p:spTree>
       <p:nvGrpSpPr>
-        <p:cNvPr id="187" name="Shape 187"/>
+        <p:cNvPr id="207" name="Shape 207"/>
         <p:cNvGrpSpPr/>
         <p:nvPr/>
       </p:nvGrpSpPr>
@@ -9939,7 +11574,7 @@
       </p:grpSpPr>
       <p:sp>
         <p:nvSpPr>
-          <p:cNvPr id="188" name="Google Shape;188;p29"/>
+          <p:cNvPr id="208" name="Google Shape;208;p30"/>
           <p:cNvSpPr txBox="1"/>
           <p:nvPr>
             <p:ph type="title"/>
@@ -9979,7 +11614,7 @@
       </p:sp>
       <p:sp>
         <p:nvSpPr>
-          <p:cNvPr id="189" name="Google Shape;189;p29"/>
+          <p:cNvPr id="209" name="Google Shape;209;p30"/>
           <p:cNvSpPr/>
           <p:nvPr/>
         </p:nvSpPr>
@@ -10025,7 +11660,7 @@
       </p:sp>
       <p:sp>
         <p:nvSpPr>
-          <p:cNvPr id="190" name="Google Shape;190;p29"/>
+          <p:cNvPr id="210" name="Google Shape;210;p30"/>
           <p:cNvSpPr/>
           <p:nvPr/>
         </p:nvSpPr>
@@ -10071,7 +11706,7 @@
       </p:sp>
       <p:sp>
         <p:nvSpPr>
-          <p:cNvPr id="191" name="Google Shape;191;p29"/>
+          <p:cNvPr id="211" name="Google Shape;211;p30"/>
           <p:cNvSpPr/>
           <p:nvPr/>
         </p:nvSpPr>
@@ -10117,7 +11752,7 @@
       </p:sp>
       <p:sp>
         <p:nvSpPr>
-          <p:cNvPr id="192" name="Google Shape;192;p29"/>
+          <p:cNvPr id="212" name="Google Shape;212;p30"/>
           <p:cNvSpPr txBox="1"/>
           <p:nvPr>
             <p:ph type="title"/>
@@ -10185,7 +11820,7 @@
       </p:sp>
       <p:sp>
         <p:nvSpPr>
-          <p:cNvPr id="193" name="Google Shape;193;p29"/>
+          <p:cNvPr id="213" name="Google Shape;213;p30"/>
           <p:cNvSpPr txBox="1"/>
           <p:nvPr>
             <p:ph type="title"/>
@@ -10279,7 +11914,7 @@
       </p:sp>
       <p:sp>
         <p:nvSpPr>
-          <p:cNvPr id="194" name="Google Shape;194;p29"/>
+          <p:cNvPr id="214" name="Google Shape;214;p30"/>
           <p:cNvSpPr txBox="1"/>
           <p:nvPr>
             <p:ph type="title"/>
@@ -10421,7 +12056,7 @@
       </p:sp>
       <p:sp>
         <p:nvSpPr>
-          <p:cNvPr id="195" name="Google Shape;195;p29"/>
+          <p:cNvPr id="215" name="Google Shape;215;p30"/>
           <p:cNvSpPr txBox="1"/>
           <p:nvPr/>
         </p:nvSpPr>
@@ -10485,12 +12120,12 @@
 </p:sld>
 </file>
 
-<file path=ppt/slides/slide18.xml><?xml version="1.0" encoding="utf-8"?>
+<file path=ppt/slides/slide19.xml><?xml version="1.0" encoding="utf-8"?>
 <p:sld xmlns:a="http://schemas.openxmlformats.org/drawingml/2006/main" xmlns:r="http://schemas.openxmlformats.org/officeDocument/2006/relationships" xmlns:mc="http://schemas.openxmlformats.org/markup-compatibility/2006" xmlns:mv="urn:schemas-microsoft-com:mac:vml" xmlns:p="http://schemas.openxmlformats.org/presentationml/2006/main" xmlns:c="http://schemas.openxmlformats.org/drawingml/2006/chart" xmlns:dgm="http://schemas.openxmlformats.org/drawingml/2006/diagram" xmlns:o="urn:schemas-microsoft-com:office:office" xmlns:v="urn:schemas-microsoft-com:vml" xmlns:pvml="urn:schemas-microsoft-com:office:powerpoint" xmlns:com="http://schemas.openxmlformats.org/drawingml/2006/compatibility" xmlns:p14="http://schemas.microsoft.com/office/powerpoint/2010/main" xmlns:p15="http://schemas.microsoft.com/office/powerpoint/2012/main">
   <p:cSld>
     <p:spTree>
       <p:nvGrpSpPr>
-        <p:cNvPr id="199" name="Shape 199"/>
+        <p:cNvPr id="219" name="Shape 219"/>
         <p:cNvGrpSpPr/>
         <p:nvPr/>
       </p:nvGrpSpPr>
@@ -10504,7 +12139,7 @@
       </p:grpSpPr>
       <p:sp>
         <p:nvSpPr>
-          <p:cNvPr id="200" name="Google Shape;200;p30"/>
+          <p:cNvPr id="220" name="Google Shape;220;p31"/>
           <p:cNvSpPr txBox="1"/>
           <p:nvPr>
             <p:ph type="title"/>
@@ -10583,118 +12218,6 @@
             <a:r>
               <a:rPr lang="en"/>
               <a:t>(10 - 15 mins)</a:t>
-            </a:r>
-            <a:endParaRPr/>
-          </a:p>
-        </p:txBody>
-      </p:sp>
-    </p:spTree>
-  </p:cSld>
-  <p:clrMapOvr>
-    <a:masterClrMapping/>
-  </p:clrMapOvr>
-</p:sld>
-</file>
-
-<file path=ppt/slides/slide19.xml><?xml version="1.0" encoding="utf-8"?>
-<p:sld xmlns:a="http://schemas.openxmlformats.org/drawingml/2006/main" xmlns:r="http://schemas.openxmlformats.org/officeDocument/2006/relationships" xmlns:mc="http://schemas.openxmlformats.org/markup-compatibility/2006" xmlns:mv="urn:schemas-microsoft-com:mac:vml" xmlns:p="http://schemas.openxmlformats.org/presentationml/2006/main" xmlns:c="http://schemas.openxmlformats.org/drawingml/2006/chart" xmlns:dgm="http://schemas.openxmlformats.org/drawingml/2006/diagram" xmlns:o="urn:schemas-microsoft-com:office:office" xmlns:v="urn:schemas-microsoft-com:vml" xmlns:pvml="urn:schemas-microsoft-com:office:powerpoint" xmlns:com="http://schemas.openxmlformats.org/drawingml/2006/compatibility" xmlns:p14="http://schemas.microsoft.com/office/powerpoint/2010/main" xmlns:p15="http://schemas.microsoft.com/office/powerpoint/2012/main">
-  <p:cSld>
-    <p:spTree>
-      <p:nvGrpSpPr>
-        <p:cNvPr id="204" name="Shape 204"/>
-        <p:cNvGrpSpPr/>
-        <p:nvPr/>
-      </p:nvGrpSpPr>
-      <p:grpSpPr>
-        <a:xfrm>
-          <a:off x="0" y="0"/>
-          <a:ext cx="0" cy="0"/>
-          <a:chOff x="0" y="0"/>
-          <a:chExt cx="0" cy="0"/>
-        </a:xfrm>
-      </p:grpSpPr>
-      <p:sp>
-        <p:nvSpPr>
-          <p:cNvPr id="205" name="Google Shape;205;p31"/>
-          <p:cNvSpPr txBox="1"/>
-          <p:nvPr>
-            <p:ph type="title"/>
-          </p:nvPr>
-        </p:nvSpPr>
-        <p:spPr>
-          <a:xfrm>
-            <a:off x="283100" y="712150"/>
-            <a:ext cx="8631600" cy="3835500"/>
-          </a:xfrm>
-          <a:prstGeom prst="rect">
-            <a:avLst/>
-          </a:prstGeom>
-        </p:spPr>
-        <p:txBody>
-          <a:bodyPr anchorCtr="0" anchor="t" bIns="91425" lIns="91425" spcFirstLastPara="1" rIns="91425" wrap="square" tIns="91425">
-            <a:noAutofit/>
-          </a:bodyPr>
-          <a:lstStyle/>
-          <a:p>
-            <a:pPr indent="0" lvl="0" marL="0" rtl="0" algn="l">
-              <a:spcBef>
-                <a:spcPts val="0"/>
-              </a:spcBef>
-              <a:spcAft>
-                <a:spcPts val="0"/>
-              </a:spcAft>
-              <a:buNone/>
-            </a:pPr>
-            <a:r>
-              <a:rPr lang="en"/>
-              <a:t>Now, let’s head onto the virtual lab. . .</a:t>
-            </a:r>
-            <a:endParaRPr/>
-          </a:p>
-          <a:p>
-            <a:pPr indent="0" lvl="0" marL="0" rtl="0" algn="l">
-              <a:spcBef>
-                <a:spcPts val="0"/>
-              </a:spcBef>
-              <a:spcAft>
-                <a:spcPts val="0"/>
-              </a:spcAft>
-              <a:buNone/>
-            </a:pPr>
-            <a:r>
-              <a:t/>
-            </a:r>
-            <a:endParaRPr/>
-          </a:p>
-          <a:p>
-            <a:pPr indent="0" lvl="0" marL="0" rtl="0" algn="l">
-              <a:spcBef>
-                <a:spcPts val="0"/>
-              </a:spcBef>
-              <a:spcAft>
-                <a:spcPts val="0"/>
-              </a:spcAft>
-              <a:buNone/>
-            </a:pPr>
-            <a:r>
-              <a:rPr lang="en"/>
-              <a:t>(</a:t>
-            </a:r>
-            <a:r>
-              <a:rPr lang="en" u="sng"/>
-              <a:t>Github:</a:t>
-            </a:r>
-            <a:r>
-              <a:rPr lang="en"/>
-              <a:t> </a:t>
-            </a:r>
-            <a:r>
-              <a:rPr lang="en"/>
-              <a:t>https://bit.ly/3iTpI79</a:t>
-            </a:r>
-            <a:r>
-              <a:rPr lang="en"/>
-              <a:t>)</a:t>
             </a:r>
             <a:endParaRPr/>
           </a:p>
@@ -11006,6 +12529,118 @@
 </p:sld>
 </file>
 
+<file path=ppt/slides/slide20.xml><?xml version="1.0" encoding="utf-8"?>
+<p:sld xmlns:a="http://schemas.openxmlformats.org/drawingml/2006/main" xmlns:r="http://schemas.openxmlformats.org/officeDocument/2006/relationships" xmlns:mc="http://schemas.openxmlformats.org/markup-compatibility/2006" xmlns:mv="urn:schemas-microsoft-com:mac:vml" xmlns:p="http://schemas.openxmlformats.org/presentationml/2006/main" xmlns:c="http://schemas.openxmlformats.org/drawingml/2006/chart" xmlns:dgm="http://schemas.openxmlformats.org/drawingml/2006/diagram" xmlns:o="urn:schemas-microsoft-com:office:office" xmlns:v="urn:schemas-microsoft-com:vml" xmlns:pvml="urn:schemas-microsoft-com:office:powerpoint" xmlns:com="http://schemas.openxmlformats.org/drawingml/2006/compatibility" xmlns:p14="http://schemas.microsoft.com/office/powerpoint/2010/main" xmlns:p15="http://schemas.microsoft.com/office/powerpoint/2012/main">
+  <p:cSld>
+    <p:spTree>
+      <p:nvGrpSpPr>
+        <p:cNvPr id="224" name="Shape 224"/>
+        <p:cNvGrpSpPr/>
+        <p:nvPr/>
+      </p:nvGrpSpPr>
+      <p:grpSpPr>
+        <a:xfrm>
+          <a:off x="0" y="0"/>
+          <a:ext cx="0" cy="0"/>
+          <a:chOff x="0" y="0"/>
+          <a:chExt cx="0" cy="0"/>
+        </a:xfrm>
+      </p:grpSpPr>
+      <p:sp>
+        <p:nvSpPr>
+          <p:cNvPr id="225" name="Google Shape;225;p32"/>
+          <p:cNvSpPr txBox="1"/>
+          <p:nvPr>
+            <p:ph type="title"/>
+          </p:nvPr>
+        </p:nvSpPr>
+        <p:spPr>
+          <a:xfrm>
+            <a:off x="283100" y="712150"/>
+            <a:ext cx="8631600" cy="3835500"/>
+          </a:xfrm>
+          <a:prstGeom prst="rect">
+            <a:avLst/>
+          </a:prstGeom>
+        </p:spPr>
+        <p:txBody>
+          <a:bodyPr anchorCtr="0" anchor="t" bIns="91425" lIns="91425" spcFirstLastPara="1" rIns="91425" wrap="square" tIns="91425">
+            <a:noAutofit/>
+          </a:bodyPr>
+          <a:lstStyle/>
+          <a:p>
+            <a:pPr indent="0" lvl="0" marL="0" rtl="0" algn="l">
+              <a:spcBef>
+                <a:spcPts val="0"/>
+              </a:spcBef>
+              <a:spcAft>
+                <a:spcPts val="0"/>
+              </a:spcAft>
+              <a:buNone/>
+            </a:pPr>
+            <a:r>
+              <a:rPr lang="en"/>
+              <a:t>Now, let’s head onto the virtual lab. . .</a:t>
+            </a:r>
+            <a:endParaRPr/>
+          </a:p>
+          <a:p>
+            <a:pPr indent="0" lvl="0" marL="0" rtl="0" algn="l">
+              <a:spcBef>
+                <a:spcPts val="0"/>
+              </a:spcBef>
+              <a:spcAft>
+                <a:spcPts val="0"/>
+              </a:spcAft>
+              <a:buNone/>
+            </a:pPr>
+            <a:r>
+              <a:t/>
+            </a:r>
+            <a:endParaRPr/>
+          </a:p>
+          <a:p>
+            <a:pPr indent="0" lvl="0" marL="0" rtl="0" algn="l">
+              <a:spcBef>
+                <a:spcPts val="0"/>
+              </a:spcBef>
+              <a:spcAft>
+                <a:spcPts val="0"/>
+              </a:spcAft>
+              <a:buNone/>
+            </a:pPr>
+            <a:r>
+              <a:rPr lang="en"/>
+              <a:t>(</a:t>
+            </a:r>
+            <a:r>
+              <a:rPr lang="en" u="sng"/>
+              <a:t>Github:</a:t>
+            </a:r>
+            <a:r>
+              <a:rPr lang="en"/>
+              <a:t> </a:t>
+            </a:r>
+            <a:r>
+              <a:rPr lang="en"/>
+              <a:t>https://bit.ly/3iTpI79</a:t>
+            </a:r>
+            <a:r>
+              <a:rPr lang="en"/>
+              <a:t>)</a:t>
+            </a:r>
+            <a:endParaRPr/>
+          </a:p>
+        </p:txBody>
+      </p:sp>
+    </p:spTree>
+  </p:cSld>
+  <p:clrMapOvr>
+    <a:masterClrMapping/>
+  </p:clrMapOvr>
+</p:sld>
+</file>
+
 <file path=ppt/slides/slide3.xml><?xml version="1.0" encoding="utf-8"?>
 <p:sld xmlns:a="http://schemas.openxmlformats.org/drawingml/2006/main" xmlns:r="http://schemas.openxmlformats.org/officeDocument/2006/relationships" xmlns:mc="http://schemas.openxmlformats.org/markup-compatibility/2006" xmlns:mv="urn:schemas-microsoft-com:mac:vml" xmlns:p="http://schemas.openxmlformats.org/presentationml/2006/main" xmlns:c="http://schemas.openxmlformats.org/drawingml/2006/chart" xmlns:dgm="http://schemas.openxmlformats.org/drawingml/2006/diagram" xmlns:o="urn:schemas-microsoft-com:office:office" xmlns:v="urn:schemas-microsoft-com:vml" xmlns:pvml="urn:schemas-microsoft-com:office:powerpoint" xmlns:com="http://schemas.openxmlformats.org/drawingml/2006/compatibility" xmlns:p14="http://schemas.microsoft.com/office/powerpoint/2010/main" xmlns:p15="http://schemas.microsoft.com/office/powerpoint/2012/main">
   <p:cSld>
@@ -11142,7 +12777,7 @@
                 <a:cs typeface="Lato"/>
                 <a:sym typeface="Lato"/>
               </a:rPr>
-              <a:t>Initially, ML Engineers program the model, but from that base model, the algorithms are able to learn to do a task well* over time from the new, incoming data being fed to the model. </a:t>
+              <a:t>Initially, ML Engineers program the model, but from that base model, the algorithms are able to learn to do a task “well” over time from the new, incoming data being fed to the model. </a:t>
             </a:r>
             <a:endParaRPr b="0" sz="1700">
               <a:latin typeface="Lato"/>
@@ -11486,7 +13121,25 @@
                 <a:cs typeface="Raleway"/>
                 <a:sym typeface="Raleway"/>
               </a:rPr>
-              <a:t>are plenty of instances where ML can be applied to. For example: </a:t>
+              <a:t>are </a:t>
+            </a:r>
+            <a:r>
+              <a:rPr i="1" lang="en" sz="1200">
+                <a:latin typeface="Raleway"/>
+                <a:ea typeface="Raleway"/>
+                <a:cs typeface="Raleway"/>
+                <a:sym typeface="Raleway"/>
+              </a:rPr>
+              <a:t>plenty</a:t>
+            </a:r>
+            <a:r>
+              <a:rPr lang="en" sz="1200">
+                <a:latin typeface="Raleway"/>
+                <a:ea typeface="Raleway"/>
+                <a:cs typeface="Raleway"/>
+                <a:sym typeface="Raleway"/>
+              </a:rPr>
+              <a:t> of instances where ML can be applied to. For example: </a:t>
             </a:r>
             <a:endParaRPr sz="1200">
               <a:solidFill>
@@ -12123,11 +13776,15 @@
             </a:pPr>
             <a:r>
               <a:rPr b="1" lang="en"/>
-              <a:t>No labeled</a:t>
+              <a:t>Un</a:t>
+            </a:r>
+            <a:r>
+              <a:rPr b="1" lang="en"/>
+              <a:t>labeled</a:t>
             </a:r>
             <a:r>
               <a:rPr lang="en"/>
-              <a:t> data is involved in this type of learning, but it is used to detect certain patterns (i.e. buying patterns for a certain market) that exists in the unlabeled data. </a:t>
+              <a:t> data is involved in this type of learning, but it is used to detect certain patterns (i.e. buying patterns for a certain market, edges in a photo, etc.) that exists in the unlabeled data. </a:t>
             </a:r>
             <a:endParaRPr/>
           </a:p>
@@ -12322,60 +13979,12 @@
         <p:nvSpPr>
           <p:cNvPr id="126" name="Google Shape;126;p21"/>
           <p:cNvSpPr txBox="1"/>
-          <p:nvPr>
-            <p:ph type="title"/>
-          </p:nvPr>
+          <p:nvPr/>
         </p:nvSpPr>
         <p:spPr>
           <a:xfrm>
-            <a:off x="303300" y="411575"/>
-            <a:ext cx="8520600" cy="639600"/>
-          </a:xfrm>
-          <a:prstGeom prst="rect">
-            <a:avLst/>
-          </a:prstGeom>
-        </p:spPr>
-        <p:txBody>
-          <a:bodyPr anchorCtr="0" anchor="t" bIns="91425" lIns="91425" spcFirstLastPara="1" rIns="91425" wrap="square" tIns="91425">
-            <a:noAutofit/>
-          </a:bodyPr>
-          <a:lstStyle/>
-          <a:p>
-            <a:pPr indent="0" lvl="0" marL="0" rtl="0" algn="l">
-              <a:spcBef>
-                <a:spcPts val="0"/>
-              </a:spcBef>
-              <a:spcAft>
-                <a:spcPts val="0"/>
-              </a:spcAft>
-              <a:buNone/>
-            </a:pPr>
-            <a:r>
-              <a:rPr lang="en"/>
-              <a:t>Machine Learning Pipeline</a:t>
-            </a:r>
-            <a:endParaRPr/>
-          </a:p>
-        </p:txBody>
-      </p:sp>
-      <p:pic>
-        <p:nvPicPr>
-          <p:cNvPr id="127" name="Google Shape;127;p21"/>
-          <p:cNvPicPr preferRelativeResize="0"/>
-          <p:nvPr/>
-        </p:nvPicPr>
-        <p:blipFill>
-          <a:blip r:embed="rId3">
-            <a:alphaModFix/>
-          </a:blip>
-          <a:stretch>
-            <a:fillRect/>
-          </a:stretch>
-        </p:blipFill>
-        <p:spPr>
-          <a:xfrm>
-            <a:off x="152400" y="1203575"/>
-            <a:ext cx="8839200" cy="3661574"/>
+            <a:off x="1116675" y="180475"/>
+            <a:ext cx="1725900" cy="541500"/>
           </a:xfrm>
           <a:prstGeom prst="rect">
             <a:avLst/>
@@ -12385,39 +13994,145 @@
             <a:noFill/>
           </a:ln>
         </p:spPr>
-      </p:pic>
+        <p:txBody>
+          <a:bodyPr anchorCtr="0" anchor="t" bIns="91425" lIns="91425" spcFirstLastPara="1" rIns="91425" wrap="square" tIns="91425">
+            <a:noAutofit/>
+          </a:bodyPr>
+          <a:lstStyle/>
+          <a:p>
+            <a:pPr indent="0" lvl="0" marL="0" rtl="0" algn="ctr">
+              <a:spcBef>
+                <a:spcPts val="0"/>
+              </a:spcBef>
+              <a:spcAft>
+                <a:spcPts val="0"/>
+              </a:spcAft>
+              <a:buNone/>
+            </a:pPr>
+            <a:r>
+              <a:rPr lang="en">
+                <a:latin typeface="Lato"/>
+                <a:ea typeface="Lato"/>
+                <a:cs typeface="Lato"/>
+                <a:sym typeface="Lato"/>
+              </a:rPr>
+              <a:t>(Data with labels)</a:t>
+            </a:r>
+            <a:endParaRPr>
+              <a:latin typeface="Lato"/>
+              <a:ea typeface="Lato"/>
+              <a:cs typeface="Lato"/>
+              <a:sym typeface="Lato"/>
+            </a:endParaRPr>
+          </a:p>
+        </p:txBody>
+      </p:sp>
       <p:sp>
         <p:nvSpPr>
-          <p:cNvPr id="128" name="Google Shape;128;p21"/>
-          <p:cNvSpPr/>
+          <p:cNvPr id="127" name="Google Shape;127;p21"/>
+          <p:cNvSpPr txBox="1"/>
           <p:nvPr/>
         </p:nvSpPr>
         <p:spPr>
           <a:xfrm>
-            <a:off x="152400" y="1640625"/>
-            <a:ext cx="1407300" cy="1431000"/>
-          </a:xfrm>
-          <a:prstGeom prst="ellipse">
+            <a:off x="1601775" y="473775"/>
+            <a:ext cx="755700" cy="338400"/>
+          </a:xfrm>
+          <a:prstGeom prst="rect">
+            <a:avLst/>
+          </a:prstGeom>
+          <a:noFill/>
+          <a:ln>
+            <a:noFill/>
+          </a:ln>
+        </p:spPr>
+        <p:txBody>
+          <a:bodyPr anchorCtr="0" anchor="t" bIns="91425" lIns="91425" spcFirstLastPara="1" rIns="91425" wrap="square" tIns="91425">
+            <a:noAutofit/>
+          </a:bodyPr>
+          <a:lstStyle/>
+          <a:p>
+            <a:pPr indent="0" lvl="0" marL="0" rtl="0" algn="ctr">
+              <a:spcBef>
+                <a:spcPts val="0"/>
+              </a:spcBef>
+              <a:spcAft>
+                <a:spcPts val="0"/>
+              </a:spcAft>
+              <a:buNone/>
+            </a:pPr>
+            <a:r>
+              <a:rPr b="1" lang="en">
+                <a:latin typeface="Lato"/>
+                <a:ea typeface="Lato"/>
+                <a:cs typeface="Lato"/>
+                <a:sym typeface="Lato"/>
+              </a:rPr>
+              <a:t>Input</a:t>
+            </a:r>
+            <a:endParaRPr b="1">
+              <a:latin typeface="Lato"/>
+              <a:ea typeface="Lato"/>
+              <a:cs typeface="Lato"/>
+              <a:sym typeface="Lato"/>
+            </a:endParaRPr>
+          </a:p>
+        </p:txBody>
+      </p:sp>
+      <p:cxnSp>
+        <p:nvCxnSpPr>
+          <p:cNvPr id="128" name="Google Shape;128;p21"/>
+          <p:cNvCxnSpPr/>
+          <p:nvPr/>
+        </p:nvCxnSpPr>
+        <p:spPr>
+          <a:xfrm>
+            <a:off x="1976775" y="857275"/>
+            <a:ext cx="5700" cy="879900"/>
+          </a:xfrm>
+          <a:prstGeom prst="straightConnector1">
             <a:avLst/>
           </a:prstGeom>
           <a:noFill/>
           <a:ln cap="flat" cmpd="sng" w="28575">
             <a:solidFill>
-              <a:schemeClr val="dk1"/>
+              <a:schemeClr val="dk2"/>
             </a:solidFill>
             <a:prstDash val="solid"/>
             <a:round/>
-            <a:headEnd len="sm" w="sm" type="none"/>
-            <a:tailEnd len="sm" w="sm" type="none"/>
+            <a:headEnd len="med" w="med" type="none"/>
+            <a:tailEnd len="med" w="med" type="triangle"/>
           </a:ln>
         </p:spPr>
+      </p:cxnSp>
+      <p:sp>
+        <p:nvSpPr>
+          <p:cNvPr id="129" name="Google Shape;129;p21"/>
+          <p:cNvSpPr txBox="1"/>
+          <p:nvPr/>
+        </p:nvSpPr>
+        <p:spPr>
+          <a:xfrm>
+            <a:off x="738825" y="1782275"/>
+            <a:ext cx="2481600" cy="879900"/>
+          </a:xfrm>
+          <a:prstGeom prst="rect">
+            <a:avLst/>
+          </a:prstGeom>
+          <a:solidFill>
+            <a:schemeClr val="dk1"/>
+          </a:solidFill>
+          <a:ln>
+            <a:noFill/>
+          </a:ln>
+        </p:spPr>
         <p:txBody>
-          <a:bodyPr anchorCtr="0" anchor="ctr" bIns="91425" lIns="91425" spcFirstLastPara="1" rIns="91425" wrap="square" tIns="91425">
+          <a:bodyPr anchorCtr="0" anchor="t" bIns="91425" lIns="91425" spcFirstLastPara="1" rIns="91425" wrap="square" tIns="91425">
             <a:noAutofit/>
           </a:bodyPr>
           <a:lstStyle/>
           <a:p>
-            <a:pPr indent="0" lvl="0" marL="0" rtl="0" algn="l">
+            <a:pPr indent="0" lvl="0" marL="0" rtl="0" algn="ctr">
               <a:spcBef>
                 <a:spcPts val="0"/>
               </a:spcBef>
@@ -12429,42 +14144,18 @@
             <a:r>
               <a:t/>
             </a:r>
-            <a:endParaRPr/>
+            <a:endParaRPr b="1" sz="1700">
+              <a:solidFill>
+                <a:srgbClr val="FFFFFF"/>
+              </a:solidFill>
+              <a:latin typeface="Lato"/>
+              <a:ea typeface="Lato"/>
+              <a:cs typeface="Lato"/>
+              <a:sym typeface="Lato"/>
+            </a:endParaRPr>
           </a:p>
-        </p:txBody>
-      </p:sp>
-      <p:sp>
-        <p:nvSpPr>
-          <p:cNvPr id="129" name="Google Shape;129;p21"/>
-          <p:cNvSpPr/>
-          <p:nvPr/>
-        </p:nvSpPr>
-        <p:spPr>
-          <a:xfrm>
-            <a:off x="5995950" y="1640625"/>
-            <a:ext cx="1407300" cy="1431000"/>
-          </a:xfrm>
-          <a:prstGeom prst="ellipse">
-            <a:avLst/>
-          </a:prstGeom>
-          <a:noFill/>
-          <a:ln cap="flat" cmpd="sng" w="28575">
-            <a:solidFill>
-              <a:schemeClr val="dk1"/>
-            </a:solidFill>
-            <a:prstDash val="solid"/>
-            <a:round/>
-            <a:headEnd len="sm" w="sm" type="none"/>
-            <a:tailEnd len="sm" w="sm" type="none"/>
-          </a:ln>
-        </p:spPr>
-        <p:txBody>
-          <a:bodyPr anchorCtr="0" anchor="ctr" bIns="91425" lIns="91425" spcFirstLastPara="1" rIns="91425" wrap="square" tIns="91425">
-            <a:noAutofit/>
-          </a:bodyPr>
-          <a:lstStyle/>
           <a:p>
-            <a:pPr indent="0" lvl="0" marL="0" rtl="0" algn="l">
+            <a:pPr indent="0" lvl="0" marL="0" rtl="0" algn="ctr">
               <a:spcBef>
                 <a:spcPts val="0"/>
               </a:spcBef>
@@ -12474,9 +14165,26 @@
               <a:buNone/>
             </a:pPr>
             <a:r>
-              <a:t/>
-            </a:r>
-            <a:endParaRPr/>
+              <a:rPr b="1" lang="en" sz="1700">
+                <a:solidFill>
+                  <a:srgbClr val="FFFFFF"/>
+                </a:solidFill>
+                <a:latin typeface="Lato"/>
+                <a:ea typeface="Lato"/>
+                <a:cs typeface="Lato"/>
+                <a:sym typeface="Lato"/>
+              </a:rPr>
+              <a:t>Supervised Learning</a:t>
+            </a:r>
+            <a:endParaRPr b="1" sz="1700">
+              <a:solidFill>
+                <a:srgbClr val="FFFFFF"/>
+              </a:solidFill>
+              <a:latin typeface="Lato"/>
+              <a:ea typeface="Lato"/>
+              <a:cs typeface="Lato"/>
+              <a:sym typeface="Lato"/>
+            </a:endParaRPr>
           </a:p>
         </p:txBody>
       </p:sp>
@@ -12488,16 +14196,18 @@
         </p:nvSpPr>
         <p:spPr>
           <a:xfrm>
-            <a:off x="3405750" y="849600"/>
-            <a:ext cx="2590200" cy="3171600"/>
+            <a:off x="180475" y="3034225"/>
+            <a:ext cx="654300" cy="676800"/>
           </a:xfrm>
           <a:prstGeom prst="ellipse">
             <a:avLst/>
           </a:prstGeom>
-          <a:noFill/>
-          <a:ln cap="flat" cmpd="sng" w="28575">
+          <a:solidFill>
+            <a:schemeClr val="lt2"/>
+          </a:solidFill>
+          <a:ln cap="flat" cmpd="sng" w="9525">
             <a:solidFill>
-              <a:schemeClr val="dk1"/>
+              <a:schemeClr val="dk2"/>
             </a:solidFill>
             <a:prstDash val="solid"/>
             <a:round/>
@@ -12530,162 +14240,13 @@
       <p:sp>
         <p:nvSpPr>
           <p:cNvPr id="131" name="Google Shape;131;p21"/>
-          <p:cNvSpPr/>
+          <p:cNvSpPr txBox="1"/>
           <p:nvPr/>
         </p:nvSpPr>
         <p:spPr>
           <a:xfrm>
-            <a:off x="1907425" y="1640625"/>
-            <a:ext cx="1407300" cy="1431000"/>
-          </a:xfrm>
-          <a:prstGeom prst="ellipse">
-            <a:avLst/>
-          </a:prstGeom>
-          <a:noFill/>
-          <a:ln cap="flat" cmpd="sng" w="28575">
-            <a:solidFill>
-              <a:schemeClr val="dk1"/>
-            </a:solidFill>
-            <a:prstDash val="solid"/>
-            <a:round/>
-            <a:headEnd len="sm" w="sm" type="none"/>
-            <a:tailEnd len="sm" w="sm" type="none"/>
-          </a:ln>
-        </p:spPr>
-        <p:txBody>
-          <a:bodyPr anchorCtr="0" anchor="ctr" bIns="91425" lIns="91425" spcFirstLastPara="1" rIns="91425" wrap="square" tIns="91425">
-            <a:noAutofit/>
-          </a:bodyPr>
-          <a:lstStyle/>
-          <a:p>
-            <a:pPr indent="0" lvl="0" marL="0" rtl="0" algn="l">
-              <a:spcBef>
-                <a:spcPts val="0"/>
-              </a:spcBef>
-              <a:spcAft>
-                <a:spcPts val="0"/>
-              </a:spcAft>
-              <a:buNone/>
-            </a:pPr>
-            <a:r>
-              <a:t/>
-            </a:r>
-            <a:endParaRPr/>
-          </a:p>
-        </p:txBody>
-      </p:sp>
-      <p:sp>
-        <p:nvSpPr>
-          <p:cNvPr id="132" name="Google Shape;132;p21"/>
-          <p:cNvSpPr/>
-          <p:nvPr/>
-        </p:nvSpPr>
-        <p:spPr>
-          <a:xfrm>
-            <a:off x="3997200" y="3801450"/>
-            <a:ext cx="1407300" cy="1431000"/>
-          </a:xfrm>
-          <a:prstGeom prst="ellipse">
-            <a:avLst/>
-          </a:prstGeom>
-          <a:noFill/>
-          <a:ln cap="flat" cmpd="sng" w="28575">
-            <a:solidFill>
-              <a:schemeClr val="dk1"/>
-            </a:solidFill>
-            <a:prstDash val="solid"/>
-            <a:round/>
-            <a:headEnd len="sm" w="sm" type="none"/>
-            <a:tailEnd len="sm" w="sm" type="none"/>
-          </a:ln>
-        </p:spPr>
-        <p:txBody>
-          <a:bodyPr anchorCtr="0" anchor="ctr" bIns="91425" lIns="91425" spcFirstLastPara="1" rIns="91425" wrap="square" tIns="91425">
-            <a:noAutofit/>
-          </a:bodyPr>
-          <a:lstStyle/>
-          <a:p>
-            <a:pPr indent="0" lvl="0" marL="0" rtl="0" algn="l">
-              <a:spcBef>
-                <a:spcPts val="0"/>
-              </a:spcBef>
-              <a:spcAft>
-                <a:spcPts val="0"/>
-              </a:spcAft>
-              <a:buNone/>
-            </a:pPr>
-            <a:r>
-              <a:t/>
-            </a:r>
-            <a:endParaRPr/>
-          </a:p>
-        </p:txBody>
-      </p:sp>
-      <p:sp>
-        <p:nvSpPr>
-          <p:cNvPr id="133" name="Google Shape;133;p21"/>
-          <p:cNvSpPr/>
-          <p:nvPr/>
-        </p:nvSpPr>
-        <p:spPr>
-          <a:xfrm>
-            <a:off x="7584300" y="1640625"/>
-            <a:ext cx="1407300" cy="1431000"/>
-          </a:xfrm>
-          <a:prstGeom prst="ellipse">
-            <a:avLst/>
-          </a:prstGeom>
-          <a:noFill/>
-          <a:ln cap="flat" cmpd="sng" w="28575">
-            <a:solidFill>
-              <a:schemeClr val="dk1"/>
-            </a:solidFill>
-            <a:prstDash val="solid"/>
-            <a:round/>
-            <a:headEnd len="sm" w="sm" type="none"/>
-            <a:tailEnd len="sm" w="sm" type="none"/>
-          </a:ln>
-        </p:spPr>
-        <p:txBody>
-          <a:bodyPr anchorCtr="0" anchor="ctr" bIns="91425" lIns="91425" spcFirstLastPara="1" rIns="91425" wrap="square" tIns="91425">
-            <a:noAutofit/>
-          </a:bodyPr>
-          <a:lstStyle/>
-          <a:p>
-            <a:pPr indent="0" lvl="0" marL="0" rtl="0" algn="l">
-              <a:spcBef>
-                <a:spcPts val="0"/>
-              </a:spcBef>
-              <a:spcAft>
-                <a:spcPts val="0"/>
-              </a:spcAft>
-              <a:buNone/>
-            </a:pPr>
-            <a:r>
-              <a:t/>
-            </a:r>
-            <a:endParaRPr/>
-          </a:p>
-        </p:txBody>
-      </p:sp>
-      <p:pic>
-        <p:nvPicPr>
-          <p:cNvPr id="134" name="Google Shape;134;p21"/>
-          <p:cNvPicPr preferRelativeResize="0"/>
-          <p:nvPr/>
-        </p:nvPicPr>
-        <p:blipFill>
-          <a:blip r:embed="rId4">
-            <a:alphaModFix/>
-          </a:blip>
-          <a:stretch>
-            <a:fillRect/>
-          </a:stretch>
-        </p:blipFill>
-        <p:spPr>
-          <a:xfrm>
-            <a:off x="232600" y="3282175"/>
-            <a:ext cx="1785226" cy="1267050"/>
+            <a:off x="0" y="3846350"/>
+            <a:ext cx="1116600" cy="541500"/>
           </a:xfrm>
           <a:prstGeom prst="rect">
             <a:avLst/>
@@ -12695,25 +14256,106 @@
             <a:noFill/>
           </a:ln>
         </p:spPr>
-      </p:pic>
-      <p:pic>
-        <p:nvPicPr>
-          <p:cNvPr id="135" name="Google Shape;135;p21"/>
-          <p:cNvPicPr preferRelativeResize="0"/>
+        <p:txBody>
+          <a:bodyPr anchorCtr="0" anchor="t" bIns="91425" lIns="91425" spcFirstLastPara="1" rIns="91425" wrap="square" tIns="91425">
+            <a:noAutofit/>
+          </a:bodyPr>
+          <a:lstStyle/>
+          <a:p>
+            <a:pPr indent="0" lvl="0" marL="0" rtl="0" algn="ctr">
+              <a:spcBef>
+                <a:spcPts val="0"/>
+              </a:spcBef>
+              <a:spcAft>
+                <a:spcPts val="0"/>
+              </a:spcAft>
+              <a:buNone/>
+            </a:pPr>
+            <a:r>
+              <a:rPr lang="en">
+                <a:latin typeface="Lato"/>
+                <a:ea typeface="Lato"/>
+                <a:cs typeface="Lato"/>
+                <a:sym typeface="Lato"/>
+              </a:rPr>
+              <a:t>Retraining Process</a:t>
+            </a:r>
+            <a:endParaRPr>
+              <a:latin typeface="Lato"/>
+              <a:ea typeface="Lato"/>
+              <a:cs typeface="Lato"/>
+              <a:sym typeface="Lato"/>
+            </a:endParaRPr>
+          </a:p>
+        </p:txBody>
+      </p:sp>
+      <p:cxnSp>
+        <p:nvCxnSpPr>
+          <p:cNvPr id="132" name="Google Shape;132;p21"/>
+          <p:cNvCxnSpPr>
+            <a:stCxn id="130" idx="0"/>
+            <a:endCxn id="129" idx="1"/>
+          </p:cNvCxnSpPr>
           <p:nvPr/>
-        </p:nvPicPr>
-        <p:blipFill>
-          <a:blip r:embed="rId5">
-            <a:alphaModFix/>
-          </a:blip>
-          <a:stretch>
-            <a:fillRect/>
-          </a:stretch>
-        </p:blipFill>
-        <p:spPr>
-          <a:xfrm>
-            <a:off x="2017825" y="3282176"/>
-            <a:ext cx="1407300" cy="1561697"/>
+        </p:nvCxnSpPr>
+        <p:spPr>
+          <a:xfrm rot="-5400000">
+            <a:off x="217225" y="2512525"/>
+            <a:ext cx="812100" cy="231300"/>
+          </a:xfrm>
+          <a:prstGeom prst="curvedConnector2">
+            <a:avLst/>
+          </a:prstGeom>
+          <a:noFill/>
+          <a:ln cap="flat" cmpd="sng" w="28575">
+            <a:solidFill>
+              <a:schemeClr val="dk2"/>
+            </a:solidFill>
+            <a:prstDash val="dash"/>
+            <a:round/>
+            <a:headEnd len="med" w="med" type="none"/>
+            <a:tailEnd len="med" w="med" type="none"/>
+          </a:ln>
+        </p:spPr>
+      </p:cxnSp>
+      <p:cxnSp>
+        <p:nvCxnSpPr>
+          <p:cNvPr id="133" name="Google Shape;133;p21"/>
+          <p:cNvCxnSpPr>
+            <a:stCxn id="129" idx="2"/>
+          </p:cNvCxnSpPr>
+          <p:nvPr/>
+        </p:nvCxnSpPr>
+        <p:spPr>
+          <a:xfrm>
+            <a:off x="1979625" y="2662175"/>
+            <a:ext cx="5700" cy="1150200"/>
+          </a:xfrm>
+          <a:prstGeom prst="straightConnector1">
+            <a:avLst/>
+          </a:prstGeom>
+          <a:noFill/>
+          <a:ln cap="flat" cmpd="sng" w="28575">
+            <a:solidFill>
+              <a:schemeClr val="dk2"/>
+            </a:solidFill>
+            <a:prstDash val="solid"/>
+            <a:round/>
+            <a:headEnd len="med" w="med" type="none"/>
+            <a:tailEnd len="med" w="med" type="triangle"/>
+          </a:ln>
+        </p:spPr>
+      </p:cxnSp>
+      <p:sp>
+        <p:nvSpPr>
+          <p:cNvPr id="134" name="Google Shape;134;p21"/>
+          <p:cNvSpPr txBox="1"/>
+          <p:nvPr/>
+        </p:nvSpPr>
+        <p:spPr>
+          <a:xfrm>
+            <a:off x="1364925" y="3846350"/>
+            <a:ext cx="1235100" cy="541500"/>
           </a:xfrm>
           <a:prstGeom prst="rect">
             <a:avLst/>
@@ -12723,25 +14365,105 @@
             <a:noFill/>
           </a:ln>
         </p:spPr>
-      </p:pic>
-      <p:pic>
-        <p:nvPicPr>
+        <p:txBody>
+          <a:bodyPr anchorCtr="0" anchor="t" bIns="91425" lIns="91425" spcFirstLastPara="1" rIns="91425" wrap="square" tIns="91425">
+            <a:noAutofit/>
+          </a:bodyPr>
+          <a:lstStyle/>
+          <a:p>
+            <a:pPr indent="0" lvl="0" marL="0" rtl="0" algn="ctr">
+              <a:spcBef>
+                <a:spcPts val="0"/>
+              </a:spcBef>
+              <a:spcAft>
+                <a:spcPts val="0"/>
+              </a:spcAft>
+              <a:buNone/>
+            </a:pPr>
+            <a:r>
+              <a:rPr b="1" lang="en">
+                <a:latin typeface="Lato"/>
+                <a:ea typeface="Lato"/>
+                <a:cs typeface="Lato"/>
+                <a:sym typeface="Lato"/>
+              </a:rPr>
+              <a:t>Output</a:t>
+            </a:r>
+            <a:endParaRPr b="1">
+              <a:latin typeface="Lato"/>
+              <a:ea typeface="Lato"/>
+              <a:cs typeface="Lato"/>
+              <a:sym typeface="Lato"/>
+            </a:endParaRPr>
+          </a:p>
+          <a:p>
+            <a:pPr indent="0" lvl="0" marL="0" rtl="0" algn="ctr">
+              <a:spcBef>
+                <a:spcPts val="0"/>
+              </a:spcBef>
+              <a:spcAft>
+                <a:spcPts val="0"/>
+              </a:spcAft>
+              <a:buNone/>
+            </a:pPr>
+            <a:r>
+              <a:rPr b="1" lang="en">
+                <a:latin typeface="Lato"/>
+                <a:ea typeface="Lato"/>
+                <a:cs typeface="Lato"/>
+                <a:sym typeface="Lato"/>
+              </a:rPr>
+              <a:t>(Mapping)</a:t>
+            </a:r>
+            <a:endParaRPr b="1">
+              <a:latin typeface="Lato"/>
+              <a:ea typeface="Lato"/>
+              <a:cs typeface="Lato"/>
+              <a:sym typeface="Lato"/>
+            </a:endParaRPr>
+          </a:p>
+        </p:txBody>
+      </p:sp>
+      <p:cxnSp>
+        <p:nvCxnSpPr>
+          <p:cNvPr id="135" name="Google Shape;135;p21"/>
+          <p:cNvCxnSpPr>
+            <a:stCxn id="130" idx="6"/>
+          </p:cNvCxnSpPr>
+          <p:nvPr/>
+        </p:nvCxnSpPr>
+        <p:spPr>
+          <a:xfrm>
+            <a:off x="834775" y="3372625"/>
+            <a:ext cx="1184400" cy="600"/>
+          </a:xfrm>
+          <a:prstGeom prst="bentConnector3">
+            <a:avLst>
+              <a:gd fmla="val 50000" name="adj1"/>
+            </a:avLst>
+          </a:prstGeom>
+          <a:noFill/>
+          <a:ln cap="flat" cmpd="sng" w="28575">
+            <a:solidFill>
+              <a:schemeClr val="dk2"/>
+            </a:solidFill>
+            <a:prstDash val="dash"/>
+            <a:round/>
+            <a:headEnd len="med" w="med" type="none"/>
+            <a:tailEnd len="med" w="med" type="none"/>
+          </a:ln>
+        </p:spPr>
+      </p:cxnSp>
+      <p:sp>
+        <p:nvSpPr>
           <p:cNvPr id="136" name="Google Shape;136;p21"/>
-          <p:cNvPicPr preferRelativeResize="0"/>
+          <p:cNvSpPr txBox="1"/>
           <p:nvPr/>
-        </p:nvPicPr>
-        <p:blipFill>
-          <a:blip r:embed="rId6">
-            <a:alphaModFix/>
-          </a:blip>
-          <a:stretch>
-            <a:fillRect/>
-          </a:stretch>
-        </p:blipFill>
-        <p:spPr>
-          <a:xfrm>
-            <a:off x="3547925" y="2716400"/>
-            <a:ext cx="4606398" cy="2148750"/>
+        </p:nvSpPr>
+        <p:spPr>
+          <a:xfrm>
+            <a:off x="6017775" y="28388"/>
+            <a:ext cx="1725900" cy="541500"/>
           </a:xfrm>
           <a:prstGeom prst="rect">
             <a:avLst/>
@@ -12751,25 +14473,49 @@
             <a:noFill/>
           </a:ln>
         </p:spPr>
-      </p:pic>
-      <p:pic>
-        <p:nvPicPr>
+        <p:txBody>
+          <a:bodyPr anchorCtr="0" anchor="t" bIns="91425" lIns="91425" spcFirstLastPara="1" rIns="91425" wrap="square" tIns="91425">
+            <a:noAutofit/>
+          </a:bodyPr>
+          <a:lstStyle/>
+          <a:p>
+            <a:pPr indent="0" lvl="0" marL="0" rtl="0" algn="ctr">
+              <a:spcBef>
+                <a:spcPts val="0"/>
+              </a:spcBef>
+              <a:spcAft>
+                <a:spcPts val="0"/>
+              </a:spcAft>
+              <a:buNone/>
+            </a:pPr>
+            <a:r>
+              <a:rPr lang="en" sz="1300">
+                <a:latin typeface="Lato"/>
+                <a:ea typeface="Lato"/>
+                <a:cs typeface="Lato"/>
+                <a:sym typeface="Lato"/>
+              </a:rPr>
+              <a:t>(Data without or partial  labels)</a:t>
+            </a:r>
+            <a:endParaRPr sz="1300">
+              <a:latin typeface="Lato"/>
+              <a:ea typeface="Lato"/>
+              <a:cs typeface="Lato"/>
+              <a:sym typeface="Lato"/>
+            </a:endParaRPr>
+          </a:p>
+        </p:txBody>
+      </p:sp>
+      <p:sp>
+        <p:nvSpPr>
           <p:cNvPr id="137" name="Google Shape;137;p21"/>
-          <p:cNvPicPr preferRelativeResize="0"/>
+          <p:cNvSpPr txBox="1"/>
           <p:nvPr/>
-        </p:nvPicPr>
-        <p:blipFill>
-          <a:blip r:embed="rId7">
-            <a:alphaModFix/>
-          </a:blip>
-          <a:stretch>
-            <a:fillRect/>
-          </a:stretch>
-        </p:blipFill>
-        <p:spPr>
-          <a:xfrm>
-            <a:off x="5474226" y="2790399"/>
-            <a:ext cx="3047219" cy="2353100"/>
+        </p:nvSpPr>
+        <p:spPr>
+          <a:xfrm>
+            <a:off x="6502875" y="501963"/>
+            <a:ext cx="755700" cy="338400"/>
           </a:xfrm>
           <a:prstGeom prst="rect">
             <a:avLst/>
@@ -12779,25 +14525,198 @@
             <a:noFill/>
           </a:ln>
         </p:spPr>
-      </p:pic>
-      <p:pic>
-        <p:nvPicPr>
+        <p:txBody>
+          <a:bodyPr anchorCtr="0" anchor="t" bIns="91425" lIns="91425" spcFirstLastPara="1" rIns="91425" wrap="square" tIns="91425">
+            <a:noAutofit/>
+          </a:bodyPr>
+          <a:lstStyle/>
+          <a:p>
+            <a:pPr indent="0" lvl="0" marL="0" rtl="0" algn="ctr">
+              <a:spcBef>
+                <a:spcPts val="0"/>
+              </a:spcBef>
+              <a:spcAft>
+                <a:spcPts val="0"/>
+              </a:spcAft>
+              <a:buNone/>
+            </a:pPr>
+            <a:r>
+              <a:rPr b="1" lang="en">
+                <a:latin typeface="Lato"/>
+                <a:ea typeface="Lato"/>
+                <a:cs typeface="Lato"/>
+                <a:sym typeface="Lato"/>
+              </a:rPr>
+              <a:t>Input</a:t>
+            </a:r>
+            <a:endParaRPr b="1">
+              <a:latin typeface="Lato"/>
+              <a:ea typeface="Lato"/>
+              <a:cs typeface="Lato"/>
+              <a:sym typeface="Lato"/>
+            </a:endParaRPr>
+          </a:p>
+        </p:txBody>
+      </p:sp>
+      <p:cxnSp>
+        <p:nvCxnSpPr>
           <p:cNvPr id="138" name="Google Shape;138;p21"/>
-          <p:cNvPicPr preferRelativeResize="0"/>
+          <p:cNvCxnSpPr/>
           <p:nvPr/>
-        </p:nvPicPr>
-        <p:blipFill>
-          <a:blip r:embed="rId8">
-            <a:alphaModFix/>
-          </a:blip>
-          <a:stretch>
-            <a:fillRect/>
-          </a:stretch>
-        </p:blipFill>
-        <p:spPr>
-          <a:xfrm>
-            <a:off x="6142325" y="334525"/>
-            <a:ext cx="2849275" cy="1431000"/>
+        </p:nvCxnSpPr>
+        <p:spPr>
+          <a:xfrm>
+            <a:off x="6877875" y="885463"/>
+            <a:ext cx="5700" cy="879900"/>
+          </a:xfrm>
+          <a:prstGeom prst="straightConnector1">
+            <a:avLst/>
+          </a:prstGeom>
+          <a:noFill/>
+          <a:ln cap="flat" cmpd="sng" w="28575">
+            <a:solidFill>
+              <a:schemeClr val="dk2"/>
+            </a:solidFill>
+            <a:prstDash val="solid"/>
+            <a:round/>
+            <a:headEnd len="med" w="med" type="none"/>
+            <a:tailEnd len="med" w="med" type="triangle"/>
+          </a:ln>
+        </p:spPr>
+      </p:cxnSp>
+      <p:sp>
+        <p:nvSpPr>
+          <p:cNvPr id="139" name="Google Shape;139;p21"/>
+          <p:cNvSpPr txBox="1"/>
+          <p:nvPr/>
+        </p:nvSpPr>
+        <p:spPr>
+          <a:xfrm>
+            <a:off x="5639925" y="1810463"/>
+            <a:ext cx="2481600" cy="879900"/>
+          </a:xfrm>
+          <a:prstGeom prst="rect">
+            <a:avLst/>
+          </a:prstGeom>
+          <a:solidFill>
+            <a:schemeClr val="dk1"/>
+          </a:solidFill>
+          <a:ln>
+            <a:noFill/>
+          </a:ln>
+        </p:spPr>
+        <p:txBody>
+          <a:bodyPr anchorCtr="0" anchor="t" bIns="91425" lIns="91425" spcFirstLastPara="1" rIns="91425" wrap="square" tIns="91425">
+            <a:noAutofit/>
+          </a:bodyPr>
+          <a:lstStyle/>
+          <a:p>
+            <a:pPr indent="0" lvl="0" marL="0" rtl="0" algn="ctr">
+              <a:spcBef>
+                <a:spcPts val="0"/>
+              </a:spcBef>
+              <a:spcAft>
+                <a:spcPts val="0"/>
+              </a:spcAft>
+              <a:buNone/>
+            </a:pPr>
+            <a:r>
+              <a:rPr b="1" lang="en" sz="1700">
+                <a:solidFill>
+                  <a:srgbClr val="FFFFFF"/>
+                </a:solidFill>
+                <a:latin typeface="Lato"/>
+                <a:ea typeface="Lato"/>
+                <a:cs typeface="Lato"/>
+                <a:sym typeface="Lato"/>
+              </a:rPr>
+              <a:t>(</a:t>
+            </a:r>
+            <a:r>
+              <a:rPr b="1" lang="en" sz="1700">
+                <a:solidFill>
+                  <a:srgbClr val="FFFFFF"/>
+                </a:solidFill>
+                <a:latin typeface="Lato"/>
+                <a:ea typeface="Lato"/>
+                <a:cs typeface="Lato"/>
+                <a:sym typeface="Lato"/>
+              </a:rPr>
+              <a:t>Semi)/(Un)-supervised Learning</a:t>
+            </a:r>
+            <a:endParaRPr b="1" sz="1700">
+              <a:solidFill>
+                <a:srgbClr val="FFFFFF"/>
+              </a:solidFill>
+              <a:latin typeface="Lato"/>
+              <a:ea typeface="Lato"/>
+              <a:cs typeface="Lato"/>
+              <a:sym typeface="Lato"/>
+            </a:endParaRPr>
+          </a:p>
+          <a:p>
+            <a:pPr indent="0" lvl="0" marL="0" rtl="0" algn="ctr">
+              <a:spcBef>
+                <a:spcPts val="0"/>
+              </a:spcBef>
+              <a:spcAft>
+                <a:spcPts val="0"/>
+              </a:spcAft>
+              <a:buNone/>
+            </a:pPr>
+            <a:r>
+              <a:t/>
+            </a:r>
+            <a:endParaRPr b="1" sz="1700">
+              <a:solidFill>
+                <a:srgbClr val="FFFFFF"/>
+              </a:solidFill>
+              <a:latin typeface="Lato"/>
+              <a:ea typeface="Lato"/>
+              <a:cs typeface="Lato"/>
+              <a:sym typeface="Lato"/>
+            </a:endParaRPr>
+          </a:p>
+        </p:txBody>
+      </p:sp>
+      <p:cxnSp>
+        <p:nvCxnSpPr>
+          <p:cNvPr id="140" name="Google Shape;140;p21"/>
+          <p:cNvCxnSpPr>
+            <a:stCxn id="139" idx="2"/>
+          </p:cNvCxnSpPr>
+          <p:nvPr/>
+        </p:nvCxnSpPr>
+        <p:spPr>
+          <a:xfrm>
+            <a:off x="6880725" y="2690363"/>
+            <a:ext cx="5700" cy="1150200"/>
+          </a:xfrm>
+          <a:prstGeom prst="straightConnector1">
+            <a:avLst/>
+          </a:prstGeom>
+          <a:noFill/>
+          <a:ln cap="flat" cmpd="sng" w="28575">
+            <a:solidFill>
+              <a:schemeClr val="dk2"/>
+            </a:solidFill>
+            <a:prstDash val="solid"/>
+            <a:round/>
+            <a:headEnd len="med" w="med" type="none"/>
+            <a:tailEnd len="med" w="med" type="triangle"/>
+          </a:ln>
+        </p:spPr>
+      </p:cxnSp>
+      <p:sp>
+        <p:nvSpPr>
+          <p:cNvPr id="141" name="Google Shape;141;p21"/>
+          <p:cNvSpPr txBox="1"/>
+          <p:nvPr/>
+        </p:nvSpPr>
+        <p:spPr>
+          <a:xfrm>
+            <a:off x="6429525" y="3874538"/>
+            <a:ext cx="902400" cy="541500"/>
           </a:xfrm>
           <a:prstGeom prst="rect">
             <a:avLst/>
@@ -12807,1036 +14726,353 @@
             <a:noFill/>
           </a:ln>
         </p:spPr>
-      </p:pic>
+        <p:txBody>
+          <a:bodyPr anchorCtr="0" anchor="t" bIns="91425" lIns="91425" spcFirstLastPara="1" rIns="91425" wrap="square" tIns="91425">
+            <a:noAutofit/>
+          </a:bodyPr>
+          <a:lstStyle/>
+          <a:p>
+            <a:pPr indent="0" lvl="0" marL="0" rtl="0" algn="ctr">
+              <a:spcBef>
+                <a:spcPts val="0"/>
+              </a:spcBef>
+              <a:spcAft>
+                <a:spcPts val="0"/>
+              </a:spcAft>
+              <a:buNone/>
+            </a:pPr>
+            <a:r>
+              <a:rPr b="1" lang="en">
+                <a:latin typeface="Lato"/>
+                <a:ea typeface="Lato"/>
+                <a:cs typeface="Lato"/>
+                <a:sym typeface="Lato"/>
+              </a:rPr>
+              <a:t>Output</a:t>
+            </a:r>
+            <a:endParaRPr b="1">
+              <a:latin typeface="Lato"/>
+              <a:ea typeface="Lato"/>
+              <a:cs typeface="Lato"/>
+              <a:sym typeface="Lato"/>
+            </a:endParaRPr>
+          </a:p>
+          <a:p>
+            <a:pPr indent="0" lvl="0" marL="0" rtl="0" algn="ctr">
+              <a:spcBef>
+                <a:spcPts val="0"/>
+              </a:spcBef>
+              <a:spcAft>
+                <a:spcPts val="0"/>
+              </a:spcAft>
+              <a:buNone/>
+            </a:pPr>
+            <a:r>
+              <a:rPr b="1" lang="en">
+                <a:latin typeface="Lato"/>
+                <a:ea typeface="Lato"/>
+                <a:cs typeface="Lato"/>
+                <a:sym typeface="Lato"/>
+              </a:rPr>
+              <a:t>(Classes)</a:t>
+            </a:r>
+            <a:endParaRPr b="1">
+              <a:latin typeface="Lato"/>
+              <a:ea typeface="Lato"/>
+              <a:cs typeface="Lato"/>
+              <a:sym typeface="Lato"/>
+            </a:endParaRPr>
+          </a:p>
+        </p:txBody>
+      </p:sp>
     </p:spTree>
   </p:cSld>
   <p:clrMapOvr>
     <a:masterClrMapping/>
   </p:clrMapOvr>
-  <p:timing>
-    <p:tnLst>
-      <p:par>
-        <p:cTn dur="indefinite" nodeType="tmRoot" restart="never">
-          <p:childTnLst>
-            <p:seq concurrent="1" nextAc="seek">
-              <p:cTn dur="indefinite" id="2" nodeType="mainSeq">
-                <p:childTnLst>
-                  <p:par>
-                    <p:cTn fill="hold">
-                      <p:stCondLst>
-                        <p:cond delay="indefinite"/>
-                      </p:stCondLst>
-                      <p:childTnLst>
-                        <p:par>
-                          <p:cTn fill="hold">
-                            <p:stCondLst>
-                              <p:cond delay="0"/>
-                            </p:stCondLst>
-                            <p:childTnLst>
-                              <p:par>
-                                <p:cTn fill="hold" nodeType="clickEffect" presetClass="entr" presetID="1" presetSubtype="0">
-                                  <p:stCondLst>
-                                    <p:cond delay="0"/>
-                                  </p:stCondLst>
-                                  <p:childTnLst>
-                                    <p:set>
-                                      <p:cBhvr>
-                                        <p:cTn dur="1" fill="hold">
-                                          <p:stCondLst>
-                                            <p:cond delay="0"/>
-                                          </p:stCondLst>
-                                        </p:cTn>
-                                        <p:tgtEl>
-                                          <p:spTgt spid="128"/>
-                                        </p:tgtEl>
-                                        <p:attrNameLst>
-                                          <p:attrName>style.visibility</p:attrName>
-                                        </p:attrNameLst>
-                                      </p:cBhvr>
-                                      <p:to>
-                                        <p:strVal val="visible"/>
-                                      </p:to>
-                                    </p:set>
-                                  </p:childTnLst>
-                                </p:cTn>
-                              </p:par>
-                            </p:childTnLst>
-                          </p:cTn>
-                        </p:par>
-                      </p:childTnLst>
-                    </p:cTn>
-                  </p:par>
-                  <p:par>
-                    <p:cTn fill="hold">
-                      <p:stCondLst>
-                        <p:cond delay="indefinite"/>
-                      </p:stCondLst>
-                      <p:childTnLst>
-                        <p:par>
-                          <p:cTn fill="hold">
-                            <p:stCondLst>
-                              <p:cond delay="0"/>
-                            </p:stCondLst>
-                            <p:childTnLst>
-                              <p:par>
-                                <p:cTn fill="hold" nodeType="clickEffect" presetClass="entr" presetID="1" presetSubtype="0">
-                                  <p:stCondLst>
-                                    <p:cond delay="0"/>
-                                  </p:stCondLst>
-                                  <p:childTnLst>
-                                    <p:set>
-                                      <p:cBhvr>
-                                        <p:cTn dur="1" fill="hold">
-                                          <p:stCondLst>
-                                            <p:cond delay="0"/>
-                                          </p:stCondLst>
-                                        </p:cTn>
-                                        <p:tgtEl>
-                                          <p:spTgt spid="134"/>
-                                        </p:tgtEl>
-                                        <p:attrNameLst>
-                                          <p:attrName>style.visibility</p:attrName>
-                                        </p:attrNameLst>
-                                      </p:cBhvr>
-                                      <p:to>
-                                        <p:strVal val="visible"/>
-                                      </p:to>
-                                    </p:set>
-                                  </p:childTnLst>
-                                </p:cTn>
-                              </p:par>
-                            </p:childTnLst>
-                          </p:cTn>
-                        </p:par>
-                      </p:childTnLst>
-                    </p:cTn>
-                  </p:par>
-                  <p:par>
-                    <p:cTn fill="hold">
-                      <p:stCondLst>
-                        <p:cond delay="indefinite"/>
-                      </p:stCondLst>
-                      <p:childTnLst>
-                        <p:par>
-                          <p:cTn fill="hold">
-                            <p:stCondLst>
-                              <p:cond delay="0"/>
-                            </p:stCondLst>
-                            <p:childTnLst>
-                              <p:par>
-                                <p:cTn fill="hold" nodeType="clickEffect" presetClass="exit" presetID="1" presetSubtype="0">
-                                  <p:stCondLst>
-                                    <p:cond delay="0"/>
-                                  </p:stCondLst>
-                                  <p:childTnLst>
-                                    <p:set>
-                                      <p:cBhvr>
-                                        <p:cTn dur="1" fill="hold">
-                                          <p:stCondLst>
-                                            <p:cond delay="1000"/>
-                                          </p:stCondLst>
-                                        </p:cTn>
-                                        <p:tgtEl>
-                                          <p:spTgt spid="128"/>
-                                        </p:tgtEl>
-                                        <p:attrNameLst>
-                                          <p:attrName>style.visibility</p:attrName>
-                                        </p:attrNameLst>
-                                      </p:cBhvr>
-                                      <p:to>
-                                        <p:strVal val="hidden"/>
-                                      </p:to>
-                                    </p:set>
-                                  </p:childTnLst>
-                                </p:cTn>
-                              </p:par>
-                            </p:childTnLst>
-                          </p:cTn>
-                        </p:par>
-                      </p:childTnLst>
-                    </p:cTn>
-                  </p:par>
-                  <p:par>
-                    <p:cTn fill="hold">
-                      <p:stCondLst>
-                        <p:cond delay="indefinite"/>
-                      </p:stCondLst>
-                      <p:childTnLst>
-                        <p:par>
-                          <p:cTn fill="hold">
-                            <p:stCondLst>
-                              <p:cond delay="0"/>
-                            </p:stCondLst>
-                            <p:childTnLst>
-                              <p:par>
-                                <p:cTn fill="hold" nodeType="clickEffect" presetClass="exit" presetID="1" presetSubtype="0">
-                                  <p:stCondLst>
-                                    <p:cond delay="0"/>
-                                  </p:stCondLst>
-                                  <p:childTnLst>
-                                    <p:set>
-                                      <p:cBhvr>
-                                        <p:cTn dur="1" fill="hold">
-                                          <p:stCondLst>
-                                            <p:cond delay="1000"/>
-                                          </p:stCondLst>
-                                        </p:cTn>
-                                        <p:tgtEl>
-                                          <p:spTgt spid="134"/>
-                                        </p:tgtEl>
-                                        <p:attrNameLst>
-                                          <p:attrName>style.visibility</p:attrName>
-                                        </p:attrNameLst>
-                                      </p:cBhvr>
-                                      <p:to>
-                                        <p:strVal val="hidden"/>
-                                      </p:to>
-                                    </p:set>
-                                  </p:childTnLst>
-                                </p:cTn>
-                              </p:par>
-                            </p:childTnLst>
-                          </p:cTn>
-                        </p:par>
-                      </p:childTnLst>
-                    </p:cTn>
-                  </p:par>
-                  <p:par>
-                    <p:cTn fill="hold">
-                      <p:stCondLst>
-                        <p:cond delay="indefinite"/>
-                      </p:stCondLst>
-                      <p:childTnLst>
-                        <p:par>
-                          <p:cTn fill="hold">
-                            <p:stCondLst>
-                              <p:cond delay="0"/>
-                            </p:stCondLst>
-                            <p:childTnLst>
-                              <p:par>
-                                <p:cTn fill="hold" nodeType="clickEffect" presetClass="entr" presetID="1" presetSubtype="0">
-                                  <p:stCondLst>
-                                    <p:cond delay="0"/>
-                                  </p:stCondLst>
-                                  <p:childTnLst>
-                                    <p:set>
-                                      <p:cBhvr>
-                                        <p:cTn dur="1" fill="hold">
-                                          <p:stCondLst>
-                                            <p:cond delay="0"/>
-                                          </p:stCondLst>
-                                        </p:cTn>
-                                        <p:tgtEl>
-                                          <p:spTgt spid="131"/>
-                                        </p:tgtEl>
-                                        <p:attrNameLst>
-                                          <p:attrName>style.visibility</p:attrName>
-                                        </p:attrNameLst>
-                                      </p:cBhvr>
-                                      <p:to>
-                                        <p:strVal val="visible"/>
-                                      </p:to>
-                                    </p:set>
-                                  </p:childTnLst>
-                                </p:cTn>
-                              </p:par>
-                            </p:childTnLst>
-                          </p:cTn>
-                        </p:par>
-                      </p:childTnLst>
-                    </p:cTn>
-                  </p:par>
-                  <p:par>
-                    <p:cTn fill="hold">
-                      <p:stCondLst>
-                        <p:cond delay="indefinite"/>
-                      </p:stCondLst>
-                      <p:childTnLst>
-                        <p:par>
-                          <p:cTn fill="hold">
-                            <p:stCondLst>
-                              <p:cond delay="0"/>
-                            </p:stCondLst>
-                            <p:childTnLst>
-                              <p:par>
-                                <p:cTn fill="hold" nodeType="clickEffect" presetClass="entr" presetID="1" presetSubtype="0">
-                                  <p:stCondLst>
-                                    <p:cond delay="0"/>
-                                  </p:stCondLst>
-                                  <p:childTnLst>
-                                    <p:set>
-                                      <p:cBhvr>
-                                        <p:cTn dur="1" fill="hold">
-                                          <p:stCondLst>
-                                            <p:cond delay="0"/>
-                                          </p:stCondLst>
-                                        </p:cTn>
-                                        <p:tgtEl>
-                                          <p:spTgt spid="135"/>
-                                        </p:tgtEl>
-                                        <p:attrNameLst>
-                                          <p:attrName>style.visibility</p:attrName>
-                                        </p:attrNameLst>
-                                      </p:cBhvr>
-                                      <p:to>
-                                        <p:strVal val="visible"/>
-                                      </p:to>
-                                    </p:set>
-                                  </p:childTnLst>
-                                </p:cTn>
-                              </p:par>
-                            </p:childTnLst>
-                          </p:cTn>
-                        </p:par>
-                      </p:childTnLst>
-                    </p:cTn>
-                  </p:par>
-                  <p:par>
-                    <p:cTn fill="hold">
-                      <p:stCondLst>
-                        <p:cond delay="indefinite"/>
-                      </p:stCondLst>
-                      <p:childTnLst>
-                        <p:par>
-                          <p:cTn fill="hold">
-                            <p:stCondLst>
-                              <p:cond delay="0"/>
-                            </p:stCondLst>
-                            <p:childTnLst>
-                              <p:par>
-                                <p:cTn fill="hold" nodeType="clickEffect" presetClass="exit" presetID="1" presetSubtype="0">
-                                  <p:stCondLst>
-                                    <p:cond delay="0"/>
-                                  </p:stCondLst>
-                                  <p:childTnLst>
-                                    <p:set>
-                                      <p:cBhvr>
-                                        <p:cTn dur="1" fill="hold">
-                                          <p:stCondLst>
-                                            <p:cond delay="1000"/>
-                                          </p:stCondLst>
-                                        </p:cTn>
-                                        <p:tgtEl>
-                                          <p:spTgt spid="131"/>
-                                        </p:tgtEl>
-                                        <p:attrNameLst>
-                                          <p:attrName>style.visibility</p:attrName>
-                                        </p:attrNameLst>
-                                      </p:cBhvr>
-                                      <p:to>
-                                        <p:strVal val="hidden"/>
-                                      </p:to>
-                                    </p:set>
-                                  </p:childTnLst>
-                                </p:cTn>
-                              </p:par>
-                            </p:childTnLst>
-                          </p:cTn>
-                        </p:par>
-                      </p:childTnLst>
-                    </p:cTn>
-                  </p:par>
-                  <p:par>
-                    <p:cTn fill="hold">
-                      <p:stCondLst>
-                        <p:cond delay="indefinite"/>
-                      </p:stCondLst>
-                      <p:childTnLst>
-                        <p:par>
-                          <p:cTn fill="hold">
-                            <p:stCondLst>
-                              <p:cond delay="0"/>
-                            </p:stCondLst>
-                            <p:childTnLst>
-                              <p:par>
-                                <p:cTn fill="hold" nodeType="clickEffect" presetClass="exit" presetID="1" presetSubtype="0">
-                                  <p:stCondLst>
-                                    <p:cond delay="0"/>
-                                  </p:stCondLst>
-                                  <p:childTnLst>
-                                    <p:set>
-                                      <p:cBhvr>
-                                        <p:cTn dur="1" fill="hold">
-                                          <p:stCondLst>
-                                            <p:cond delay="1000"/>
-                                          </p:stCondLst>
-                                        </p:cTn>
-                                        <p:tgtEl>
-                                          <p:spTgt spid="135"/>
-                                        </p:tgtEl>
-                                        <p:attrNameLst>
-                                          <p:attrName>style.visibility</p:attrName>
-                                        </p:attrNameLst>
-                                      </p:cBhvr>
-                                      <p:to>
-                                        <p:strVal val="hidden"/>
-                                      </p:to>
-                                    </p:set>
-                                  </p:childTnLst>
-                                </p:cTn>
-                              </p:par>
-                            </p:childTnLst>
-                          </p:cTn>
-                        </p:par>
-                      </p:childTnLst>
-                    </p:cTn>
-                  </p:par>
-                  <p:par>
-                    <p:cTn fill="hold">
-                      <p:stCondLst>
-                        <p:cond delay="indefinite"/>
-                      </p:stCondLst>
-                      <p:childTnLst>
-                        <p:par>
-                          <p:cTn fill="hold">
-                            <p:stCondLst>
-                              <p:cond delay="0"/>
-                            </p:stCondLst>
-                            <p:childTnLst>
-                              <p:par>
-                                <p:cTn fill="hold" nodeType="clickEffect" presetClass="entr" presetID="1" presetSubtype="0">
-                                  <p:stCondLst>
-                                    <p:cond delay="0"/>
-                                  </p:stCondLst>
-                                  <p:childTnLst>
-                                    <p:set>
-                                      <p:cBhvr>
-                                        <p:cTn dur="1" fill="hold">
-                                          <p:stCondLst>
-                                            <p:cond delay="0"/>
-                                          </p:stCondLst>
-                                        </p:cTn>
-                                        <p:tgtEl>
-                                          <p:spTgt spid="130"/>
-                                        </p:tgtEl>
-                                        <p:attrNameLst>
-                                          <p:attrName>style.visibility</p:attrName>
-                                        </p:attrNameLst>
-                                      </p:cBhvr>
-                                      <p:to>
-                                        <p:strVal val="visible"/>
-                                      </p:to>
-                                    </p:set>
-                                  </p:childTnLst>
-                                </p:cTn>
-                              </p:par>
-                            </p:childTnLst>
-                          </p:cTn>
-                        </p:par>
-                      </p:childTnLst>
-                    </p:cTn>
-                  </p:par>
-                  <p:par>
-                    <p:cTn fill="hold">
-                      <p:stCondLst>
-                        <p:cond delay="indefinite"/>
-                      </p:stCondLst>
-                      <p:childTnLst>
-                        <p:par>
-                          <p:cTn fill="hold">
-                            <p:stCondLst>
-                              <p:cond delay="0"/>
-                            </p:stCondLst>
-                            <p:childTnLst>
-                              <p:par>
-                                <p:cTn fill="hold" nodeType="clickEffect" presetClass="entr" presetID="1" presetSubtype="0">
-                                  <p:stCondLst>
-                                    <p:cond delay="0"/>
-                                  </p:stCondLst>
-                                  <p:childTnLst>
-                                    <p:set>
-                                      <p:cBhvr>
-                                        <p:cTn dur="1" fill="hold">
-                                          <p:stCondLst>
-                                            <p:cond delay="0"/>
-                                          </p:stCondLst>
-                                        </p:cTn>
-                                        <p:tgtEl>
-                                          <p:spTgt spid="136"/>
-                                        </p:tgtEl>
-                                        <p:attrNameLst>
-                                          <p:attrName>style.visibility</p:attrName>
-                                        </p:attrNameLst>
-                                      </p:cBhvr>
-                                      <p:to>
-                                        <p:strVal val="visible"/>
-                                      </p:to>
-                                    </p:set>
-                                  </p:childTnLst>
-                                </p:cTn>
-                              </p:par>
-                            </p:childTnLst>
-                          </p:cTn>
-                        </p:par>
-                      </p:childTnLst>
-                    </p:cTn>
-                  </p:par>
-                  <p:par>
-                    <p:cTn fill="hold">
-                      <p:stCondLst>
-                        <p:cond delay="indefinite"/>
-                      </p:stCondLst>
-                      <p:childTnLst>
-                        <p:par>
-                          <p:cTn fill="hold">
-                            <p:stCondLst>
-                              <p:cond delay="0"/>
-                            </p:stCondLst>
-                            <p:childTnLst>
-                              <p:par>
-                                <p:cTn fill="hold" nodeType="clickEffect" presetClass="exit" presetID="1" presetSubtype="0">
-                                  <p:stCondLst>
-                                    <p:cond delay="0"/>
-                                  </p:stCondLst>
-                                  <p:childTnLst>
-                                    <p:set>
-                                      <p:cBhvr>
-                                        <p:cTn dur="1" fill="hold">
-                                          <p:stCondLst>
-                                            <p:cond delay="1000"/>
-                                          </p:stCondLst>
-                                        </p:cTn>
-                                        <p:tgtEl>
-                                          <p:spTgt spid="130"/>
-                                        </p:tgtEl>
-                                        <p:attrNameLst>
-                                          <p:attrName>style.visibility</p:attrName>
-                                        </p:attrNameLst>
-                                      </p:cBhvr>
-                                      <p:to>
-                                        <p:strVal val="hidden"/>
-                                      </p:to>
-                                    </p:set>
-                                  </p:childTnLst>
-                                </p:cTn>
-                              </p:par>
-                            </p:childTnLst>
-                          </p:cTn>
-                        </p:par>
-                      </p:childTnLst>
-                    </p:cTn>
-                  </p:par>
-                  <p:par>
-                    <p:cTn fill="hold">
-                      <p:stCondLst>
-                        <p:cond delay="indefinite"/>
-                      </p:stCondLst>
-                      <p:childTnLst>
-                        <p:par>
-                          <p:cTn fill="hold">
-                            <p:stCondLst>
-                              <p:cond delay="0"/>
-                            </p:stCondLst>
-                            <p:childTnLst>
-                              <p:par>
-                                <p:cTn fill="hold" nodeType="clickEffect" presetClass="exit" presetID="1" presetSubtype="0">
-                                  <p:stCondLst>
-                                    <p:cond delay="0"/>
-                                  </p:stCondLst>
-                                  <p:childTnLst>
-                                    <p:set>
-                                      <p:cBhvr>
-                                        <p:cTn dur="1" fill="hold">
-                                          <p:stCondLst>
-                                            <p:cond delay="1000"/>
-                                          </p:stCondLst>
-                                        </p:cTn>
-                                        <p:tgtEl>
-                                          <p:spTgt spid="136"/>
-                                        </p:tgtEl>
-                                        <p:attrNameLst>
-                                          <p:attrName>style.visibility</p:attrName>
-                                        </p:attrNameLst>
-                                      </p:cBhvr>
-                                      <p:to>
-                                        <p:strVal val="hidden"/>
-                                      </p:to>
-                                    </p:set>
-                                  </p:childTnLst>
-                                </p:cTn>
-                              </p:par>
-                            </p:childTnLst>
-                          </p:cTn>
-                        </p:par>
-                      </p:childTnLst>
-                    </p:cTn>
-                  </p:par>
-                  <p:par>
-                    <p:cTn fill="hold">
-                      <p:stCondLst>
-                        <p:cond delay="indefinite"/>
-                      </p:stCondLst>
-                      <p:childTnLst>
-                        <p:par>
-                          <p:cTn fill="hold">
-                            <p:stCondLst>
-                              <p:cond delay="0"/>
-                            </p:stCondLst>
-                            <p:childTnLst>
-                              <p:par>
-                                <p:cTn fill="hold" nodeType="clickEffect" presetClass="entr" presetID="1" presetSubtype="0">
-                                  <p:stCondLst>
-                                    <p:cond delay="0"/>
-                                  </p:stCondLst>
-                                  <p:childTnLst>
-                                    <p:set>
-                                      <p:cBhvr>
-                                        <p:cTn dur="1" fill="hold">
-                                          <p:stCondLst>
-                                            <p:cond delay="0"/>
-                                          </p:stCondLst>
-                                        </p:cTn>
-                                        <p:tgtEl>
-                                          <p:spTgt spid="129"/>
-                                        </p:tgtEl>
-                                        <p:attrNameLst>
-                                          <p:attrName>style.visibility</p:attrName>
-                                        </p:attrNameLst>
-                                      </p:cBhvr>
-                                      <p:to>
-                                        <p:strVal val="visible"/>
-                                      </p:to>
-                                    </p:set>
-                                  </p:childTnLst>
-                                </p:cTn>
-                              </p:par>
-                            </p:childTnLst>
-                          </p:cTn>
-                        </p:par>
-                      </p:childTnLst>
-                    </p:cTn>
-                  </p:par>
-                  <p:par>
-                    <p:cTn fill="hold">
-                      <p:stCondLst>
-                        <p:cond delay="indefinite"/>
-                      </p:stCondLst>
-                      <p:childTnLst>
-                        <p:par>
-                          <p:cTn fill="hold">
-                            <p:stCondLst>
-                              <p:cond delay="0"/>
-                            </p:stCondLst>
-                            <p:childTnLst>
-                              <p:par>
-                                <p:cTn fill="hold" nodeType="clickEffect" presetClass="entr" presetID="1" presetSubtype="0">
-                                  <p:stCondLst>
-                                    <p:cond delay="0"/>
-                                  </p:stCondLst>
-                                  <p:childTnLst>
-                                    <p:set>
-                                      <p:cBhvr>
-                                        <p:cTn dur="1" fill="hold">
-                                          <p:stCondLst>
-                                            <p:cond delay="0"/>
-                                          </p:stCondLst>
-                                        </p:cTn>
-                                        <p:tgtEl>
-                                          <p:spTgt spid="137"/>
-                                        </p:tgtEl>
-                                        <p:attrNameLst>
-                                          <p:attrName>style.visibility</p:attrName>
-                                        </p:attrNameLst>
-                                      </p:cBhvr>
-                                      <p:to>
-                                        <p:strVal val="visible"/>
-                                      </p:to>
-                                    </p:set>
-                                  </p:childTnLst>
-                                </p:cTn>
-                              </p:par>
-                            </p:childTnLst>
-                          </p:cTn>
-                        </p:par>
-                      </p:childTnLst>
-                    </p:cTn>
-                  </p:par>
-                  <p:par>
-                    <p:cTn fill="hold">
-                      <p:stCondLst>
-                        <p:cond delay="indefinite"/>
-                      </p:stCondLst>
-                      <p:childTnLst>
-                        <p:par>
-                          <p:cTn fill="hold">
-                            <p:stCondLst>
-                              <p:cond delay="0"/>
-                            </p:stCondLst>
-                            <p:childTnLst>
-                              <p:par>
-                                <p:cTn fill="hold" nodeType="clickEffect" presetClass="exit" presetID="1" presetSubtype="0">
-                                  <p:stCondLst>
-                                    <p:cond delay="0"/>
-                                  </p:stCondLst>
-                                  <p:childTnLst>
-                                    <p:set>
-                                      <p:cBhvr>
-                                        <p:cTn dur="1" fill="hold">
-                                          <p:stCondLst>
-                                            <p:cond delay="1000"/>
-                                          </p:stCondLst>
-                                        </p:cTn>
-                                        <p:tgtEl>
-                                          <p:spTgt spid="129"/>
-                                        </p:tgtEl>
-                                        <p:attrNameLst>
-                                          <p:attrName>style.visibility</p:attrName>
-                                        </p:attrNameLst>
-                                      </p:cBhvr>
-                                      <p:to>
-                                        <p:strVal val="hidden"/>
-                                      </p:to>
-                                    </p:set>
-                                  </p:childTnLst>
-                                </p:cTn>
-                              </p:par>
-                            </p:childTnLst>
-                          </p:cTn>
-                        </p:par>
-                      </p:childTnLst>
-                    </p:cTn>
-                  </p:par>
-                  <p:par>
-                    <p:cTn fill="hold">
-                      <p:stCondLst>
-                        <p:cond delay="indefinite"/>
-                      </p:stCondLst>
-                      <p:childTnLst>
-                        <p:par>
-                          <p:cTn fill="hold">
-                            <p:stCondLst>
-                              <p:cond delay="0"/>
-                            </p:stCondLst>
-                            <p:childTnLst>
-                              <p:par>
-                                <p:cTn fill="hold" nodeType="clickEffect" presetClass="exit" presetID="1" presetSubtype="0">
-                                  <p:stCondLst>
-                                    <p:cond delay="0"/>
-                                  </p:stCondLst>
-                                  <p:childTnLst>
-                                    <p:set>
-                                      <p:cBhvr>
-                                        <p:cTn dur="1" fill="hold">
-                                          <p:stCondLst>
-                                            <p:cond delay="1000"/>
-                                          </p:stCondLst>
-                                        </p:cTn>
-                                        <p:tgtEl>
-                                          <p:spTgt spid="137"/>
-                                        </p:tgtEl>
-                                        <p:attrNameLst>
-                                          <p:attrName>style.visibility</p:attrName>
-                                        </p:attrNameLst>
-                                      </p:cBhvr>
-                                      <p:to>
-                                        <p:strVal val="hidden"/>
-                                      </p:to>
-                                    </p:set>
-                                  </p:childTnLst>
-                                </p:cTn>
-                              </p:par>
-                            </p:childTnLst>
-                          </p:cTn>
-                        </p:par>
-                      </p:childTnLst>
-                    </p:cTn>
-                  </p:par>
-                  <p:par>
-                    <p:cTn fill="hold">
-                      <p:stCondLst>
-                        <p:cond delay="indefinite"/>
-                      </p:stCondLst>
-                      <p:childTnLst>
-                        <p:par>
-                          <p:cTn fill="hold">
-                            <p:stCondLst>
-                              <p:cond delay="0"/>
-                            </p:stCondLst>
-                            <p:childTnLst>
-                              <p:par>
-                                <p:cTn fill="hold" nodeType="clickEffect" presetClass="entr" presetID="1" presetSubtype="0">
-                                  <p:stCondLst>
-                                    <p:cond delay="0"/>
-                                  </p:stCondLst>
-                                  <p:childTnLst>
-                                    <p:set>
-                                      <p:cBhvr>
-                                        <p:cTn dur="1" fill="hold">
-                                          <p:stCondLst>
-                                            <p:cond delay="0"/>
-                                          </p:stCondLst>
-                                        </p:cTn>
-                                        <p:tgtEl>
-                                          <p:spTgt spid="132"/>
-                                        </p:tgtEl>
-                                        <p:attrNameLst>
-                                          <p:attrName>style.visibility</p:attrName>
-                                        </p:attrNameLst>
-                                      </p:cBhvr>
-                                      <p:to>
-                                        <p:strVal val="visible"/>
-                                      </p:to>
-                                    </p:set>
-                                  </p:childTnLst>
-                                </p:cTn>
-                              </p:par>
-                            </p:childTnLst>
-                          </p:cTn>
-                        </p:par>
-                      </p:childTnLst>
-                    </p:cTn>
-                  </p:par>
-                  <p:par>
-                    <p:cTn fill="hold">
-                      <p:stCondLst>
-                        <p:cond delay="indefinite"/>
-                      </p:stCondLst>
-                      <p:childTnLst>
-                        <p:par>
-                          <p:cTn fill="hold">
-                            <p:stCondLst>
-                              <p:cond delay="0"/>
-                            </p:stCondLst>
-                            <p:childTnLst>
-                              <p:par>
-                                <p:cTn fill="hold" nodeType="clickEffect" presetClass="exit" presetID="1" presetSubtype="0">
-                                  <p:stCondLst>
-                                    <p:cond delay="0"/>
-                                  </p:stCondLst>
-                                  <p:childTnLst>
-                                    <p:set>
-                                      <p:cBhvr>
-                                        <p:cTn dur="1" fill="hold">
-                                          <p:stCondLst>
-                                            <p:cond delay="1000"/>
-                                          </p:stCondLst>
-                                        </p:cTn>
-                                        <p:tgtEl>
-                                          <p:spTgt spid="132"/>
-                                        </p:tgtEl>
-                                        <p:attrNameLst>
-                                          <p:attrName>style.visibility</p:attrName>
-                                        </p:attrNameLst>
-                                      </p:cBhvr>
-                                      <p:to>
-                                        <p:strVal val="hidden"/>
-                                      </p:to>
-                                    </p:set>
-                                  </p:childTnLst>
-                                </p:cTn>
-                              </p:par>
-                            </p:childTnLst>
-                          </p:cTn>
-                        </p:par>
-                      </p:childTnLst>
-                    </p:cTn>
-                  </p:par>
-                  <p:par>
-                    <p:cTn fill="hold">
-                      <p:stCondLst>
-                        <p:cond delay="indefinite"/>
-                      </p:stCondLst>
-                      <p:childTnLst>
-                        <p:par>
-                          <p:cTn fill="hold">
-                            <p:stCondLst>
-                              <p:cond delay="0"/>
-                            </p:stCondLst>
-                            <p:childTnLst>
-                              <p:par>
-                                <p:cTn fill="hold" nodeType="clickEffect" presetClass="entr" presetID="1" presetSubtype="0">
-                                  <p:stCondLst>
-                                    <p:cond delay="0"/>
-                                  </p:stCondLst>
-                                  <p:childTnLst>
-                                    <p:set>
-                                      <p:cBhvr>
-                                        <p:cTn dur="1" fill="hold">
-                                          <p:stCondLst>
-                                            <p:cond delay="0"/>
-                                          </p:stCondLst>
-                                        </p:cTn>
-                                        <p:tgtEl>
-                                          <p:spTgt spid="133"/>
-                                        </p:tgtEl>
-                                        <p:attrNameLst>
-                                          <p:attrName>style.visibility</p:attrName>
-                                        </p:attrNameLst>
-                                      </p:cBhvr>
-                                      <p:to>
-                                        <p:strVal val="visible"/>
-                                      </p:to>
-                                    </p:set>
-                                  </p:childTnLst>
-                                </p:cTn>
-                              </p:par>
-                            </p:childTnLst>
-                          </p:cTn>
-                        </p:par>
-                      </p:childTnLst>
-                    </p:cTn>
-                  </p:par>
-                  <p:par>
-                    <p:cTn fill="hold">
-                      <p:stCondLst>
-                        <p:cond delay="indefinite"/>
-                      </p:stCondLst>
-                      <p:childTnLst>
-                        <p:par>
-                          <p:cTn fill="hold">
-                            <p:stCondLst>
-                              <p:cond delay="0"/>
-                            </p:stCondLst>
-                            <p:childTnLst>
-                              <p:par>
-                                <p:cTn fill="hold" nodeType="clickEffect" presetClass="entr" presetID="1" presetSubtype="0">
-                                  <p:stCondLst>
-                                    <p:cond delay="0"/>
-                                  </p:stCondLst>
-                                  <p:childTnLst>
-                                    <p:set>
-                                      <p:cBhvr>
-                                        <p:cTn dur="1" fill="hold">
-                                          <p:stCondLst>
-                                            <p:cond delay="0"/>
-                                          </p:stCondLst>
-                                        </p:cTn>
-                                        <p:tgtEl>
-                                          <p:spTgt spid="138"/>
-                                        </p:tgtEl>
-                                        <p:attrNameLst>
-                                          <p:attrName>style.visibility</p:attrName>
-                                        </p:attrNameLst>
-                                      </p:cBhvr>
-                                      <p:to>
-                                        <p:strVal val="visible"/>
-                                      </p:to>
-                                    </p:set>
-                                  </p:childTnLst>
-                                </p:cTn>
-                              </p:par>
-                            </p:childTnLst>
-                          </p:cTn>
-                        </p:par>
-                      </p:childTnLst>
-                    </p:cTn>
-                  </p:par>
-                  <p:par>
-                    <p:cTn fill="hold">
-                      <p:stCondLst>
-                        <p:cond delay="indefinite"/>
-                      </p:stCondLst>
-                      <p:childTnLst>
-                        <p:par>
-                          <p:cTn fill="hold">
-                            <p:stCondLst>
-                              <p:cond delay="0"/>
-                            </p:stCondLst>
-                            <p:childTnLst>
-                              <p:par>
-                                <p:cTn fill="hold" nodeType="clickEffect" presetClass="exit" presetID="1" presetSubtype="0">
-                                  <p:stCondLst>
-                                    <p:cond delay="0"/>
-                                  </p:stCondLst>
-                                  <p:childTnLst>
-                                    <p:set>
-                                      <p:cBhvr>
-                                        <p:cTn dur="1" fill="hold">
-                                          <p:stCondLst>
-                                            <p:cond delay="1000"/>
-                                          </p:stCondLst>
-                                        </p:cTn>
-                                        <p:tgtEl>
-                                          <p:spTgt spid="133"/>
-                                        </p:tgtEl>
-                                        <p:attrNameLst>
-                                          <p:attrName>style.visibility</p:attrName>
-                                        </p:attrNameLst>
-                                      </p:cBhvr>
-                                      <p:to>
-                                        <p:strVal val="hidden"/>
-                                      </p:to>
-                                    </p:set>
-                                  </p:childTnLst>
-                                </p:cTn>
-                              </p:par>
-                            </p:childTnLst>
-                          </p:cTn>
-                        </p:par>
-                      </p:childTnLst>
-                    </p:cTn>
-                  </p:par>
-                  <p:par>
-                    <p:cTn fill="hold">
-                      <p:stCondLst>
-                        <p:cond delay="indefinite"/>
-                      </p:stCondLst>
-                      <p:childTnLst>
-                        <p:par>
-                          <p:cTn fill="hold">
-                            <p:stCondLst>
-                              <p:cond delay="0"/>
-                            </p:stCondLst>
-                            <p:childTnLst>
-                              <p:par>
-                                <p:cTn fill="hold" nodeType="clickEffect" presetClass="exit" presetID="1" presetSubtype="0">
-                                  <p:stCondLst>
-                                    <p:cond delay="0"/>
-                                  </p:stCondLst>
-                                  <p:childTnLst>
-                                    <p:set>
-                                      <p:cBhvr>
-                                        <p:cTn dur="1" fill="hold">
-                                          <p:stCondLst>
-                                            <p:cond delay="1000"/>
-                                          </p:stCondLst>
-                                        </p:cTn>
-                                        <p:tgtEl>
-                                          <p:spTgt spid="138"/>
-                                        </p:tgtEl>
-                                        <p:attrNameLst>
-                                          <p:attrName>style.visibility</p:attrName>
-                                        </p:attrNameLst>
-                                      </p:cBhvr>
-                                      <p:to>
-                                        <p:strVal val="hidden"/>
-                                      </p:to>
-                                    </p:set>
-                                  </p:childTnLst>
-                                </p:cTn>
-                              </p:par>
-                            </p:childTnLst>
-                          </p:cTn>
-                        </p:par>
-                      </p:childTnLst>
-                    </p:cTn>
-                  </p:par>
-                </p:childTnLst>
-              </p:cTn>
-              <p:prevCondLst>
-                <p:cond evt="onPrev">
-                  <p:tgtEl>
-                    <p:sldTgt/>
-                  </p:tgtEl>
-                </p:cond>
-              </p:prevCondLst>
-              <p:nextCondLst>
-                <p:cond evt="onNext">
-                  <p:tgtEl>
-                    <p:sldTgt/>
-                  </p:tgtEl>
-                </p:cond>
-              </p:nextCondLst>
-            </p:seq>
-          </p:childTnLst>
-        </p:cTn>
-      </p:par>
-    </p:tnLst>
-  </p:timing>
 </p:sld>
 </file>
 
 <file path=ppt/theme/theme1.xml><?xml version="1.0" encoding="utf-8"?>
+<a:theme xmlns:a="http://schemas.openxmlformats.org/drawingml/2006/main" xmlns:r="http://schemas.openxmlformats.org/officeDocument/2006/relationships" name="Swiss">
+  <a:themeElements>
+    <a:clrScheme name="Swiss">
+      <a:dk1>
+        <a:srgbClr val="F46524"/>
+      </a:dk1>
+      <a:lt1>
+        <a:srgbClr val="FFFFFF"/>
+      </a:lt1>
+      <a:dk2>
+        <a:srgbClr val="000000"/>
+      </a:dk2>
+      <a:lt2>
+        <a:srgbClr val="757575"/>
+      </a:lt2>
+      <a:accent1>
+        <a:srgbClr val="01579B"/>
+      </a:accent1>
+      <a:accent2>
+        <a:srgbClr val="27C7BD"/>
+      </a:accent2>
+      <a:accent3>
+        <a:srgbClr val="0099E8"/>
+      </a:accent3>
+      <a:accent4>
+        <a:srgbClr val="51B9A3"/>
+      </a:accent4>
+      <a:accent5>
+        <a:srgbClr val="FB8C00"/>
+      </a:accent5>
+      <a:accent6>
+        <a:srgbClr val="FFAE88"/>
+      </a:accent6>
+      <a:hlink>
+        <a:srgbClr val="0277BD"/>
+      </a:hlink>
+      <a:folHlink>
+        <a:srgbClr val="0277BD"/>
+      </a:folHlink>
+    </a:clrScheme>
+    <a:fontScheme name="Office">
+      <a:majorFont>
+        <a:latin typeface="Arial"/>
+        <a:ea typeface=""/>
+        <a:cs typeface=""/>
+        <a:font script="Jpan" typeface="ＭＳ Ｐゴシック"/>
+        <a:font script="Hang" typeface="맑은 고딕"/>
+        <a:font script="Hans" typeface="宋体"/>
+        <a:font script="Hant" typeface="新細明體"/>
+        <a:font script="Arab" typeface="Times New Roman"/>
+        <a:font script="Hebr" typeface="Times New Roman"/>
+        <a:font script="Thai" typeface="Angsana New"/>
+        <a:font script="Ethi" typeface="Nyala"/>
+        <a:font script="Beng" typeface="Vrinda"/>
+        <a:font script="Gujr" typeface="Shruti"/>
+        <a:font script="Khmr" typeface="MoolBoran"/>
+        <a:font script="Knda" typeface="Tunga"/>
+        <a:font script="Guru" typeface="Raavi"/>
+        <a:font script="Cans" typeface="Euphemia"/>
+        <a:font script="Cher" typeface="Plantagenet Cherokee"/>
+        <a:font script="Yiii" typeface="Microsoft Yi Baiti"/>
+        <a:font script="Tibt" typeface="Microsoft Himalaya"/>
+        <a:font script="Thaa" typeface="MV Boli"/>
+        <a:font script="Deva" typeface="Mangal"/>
+        <a:font script="Telu" typeface="Gautami"/>
+        <a:font script="Taml" typeface="Latha"/>
+        <a:font script="Syrc" typeface="Estrangelo Edessa"/>
+        <a:font script="Orya" typeface="Kalinga"/>
+        <a:font script="Mlym" typeface="Kartika"/>
+        <a:font script="Laoo" typeface="DokChampa"/>
+        <a:font script="Sinh" typeface="Iskoola Pota"/>
+        <a:font script="Mong" typeface="Mongolian Baiti"/>
+        <a:font script="Viet" typeface="Times New Roman"/>
+        <a:font script="Uigh" typeface="Microsoft Uighur"/>
+        <a:font script="Geor" typeface="Sylfaen"/>
+      </a:majorFont>
+      <a:minorFont>
+        <a:latin typeface="Arial"/>
+        <a:ea typeface=""/>
+        <a:cs typeface=""/>
+        <a:font script="Jpan" typeface="ＭＳ Ｐゴシック"/>
+        <a:font script="Hang" typeface="맑은 고딕"/>
+        <a:font script="Hans" typeface="宋体"/>
+        <a:font script="Hant" typeface="新細明體"/>
+        <a:font script="Arab" typeface="Arial"/>
+        <a:font script="Hebr" typeface="Arial"/>
+        <a:font script="Thai" typeface="Cordia New"/>
+        <a:font script="Ethi" typeface="Nyala"/>
+        <a:font script="Beng" typeface="Vrinda"/>
+        <a:font script="Gujr" typeface="Shruti"/>
+        <a:font script="Khmr" typeface="DaunPenh"/>
+        <a:font script="Knda" typeface="Tunga"/>
+        <a:font script="Guru" typeface="Raavi"/>
+        <a:font script="Cans" typeface="Euphemia"/>
+        <a:font script="Cher" typeface="Plantagenet Cherokee"/>
+        <a:font script="Yiii" typeface="Microsoft Yi Baiti"/>
+        <a:font script="Tibt" typeface="Microsoft Himalaya"/>
+        <a:font script="Thaa" typeface="MV Boli"/>
+        <a:font script="Deva" typeface="Mangal"/>
+        <a:font script="Telu" typeface="Gautami"/>
+        <a:font script="Taml" typeface="Latha"/>
+        <a:font script="Syrc" typeface="Estrangelo Edessa"/>
+        <a:font script="Orya" typeface="Kalinga"/>
+        <a:font script="Mlym" typeface="Kartika"/>
+        <a:font script="Laoo" typeface="DokChampa"/>
+        <a:font script="Sinh" typeface="Iskoola Pota"/>
+        <a:font script="Mong" typeface="Mongolian Baiti"/>
+        <a:font script="Viet" typeface="Arial"/>
+        <a:font script="Uigh" typeface="Microsoft Uighur"/>
+        <a:font script="Geor" typeface="Sylfaen"/>
+      </a:minorFont>
+    </a:fontScheme>
+    <a:fmtScheme name="Office">
+      <a:fillStyleLst>
+        <a:solidFill>
+          <a:schemeClr val="phClr"/>
+        </a:solidFill>
+        <a:gradFill rotWithShape="1">
+          <a:gsLst>
+            <a:gs pos="0">
+              <a:schemeClr val="phClr">
+                <a:tint val="50000"/>
+                <a:satMod val="300000"/>
+              </a:schemeClr>
+            </a:gs>
+            <a:gs pos="35000">
+              <a:schemeClr val="phClr">
+                <a:tint val="37000"/>
+                <a:satMod val="300000"/>
+              </a:schemeClr>
+            </a:gs>
+            <a:gs pos="100000">
+              <a:schemeClr val="phClr">
+                <a:tint val="15000"/>
+                <a:satMod val="350000"/>
+              </a:schemeClr>
+            </a:gs>
+          </a:gsLst>
+          <a:lin ang="16200000" scaled="1"/>
+        </a:gradFill>
+        <a:gradFill rotWithShape="1">
+          <a:gsLst>
+            <a:gs pos="0">
+              <a:schemeClr val="phClr">
+                <a:tint val="100000"/>
+                <a:shade val="100000"/>
+                <a:satMod val="130000"/>
+              </a:schemeClr>
+            </a:gs>
+            <a:gs pos="100000">
+              <a:schemeClr val="phClr">
+                <a:tint val="50000"/>
+                <a:shade val="100000"/>
+                <a:satMod val="350000"/>
+              </a:schemeClr>
+            </a:gs>
+          </a:gsLst>
+          <a:lin ang="16200000" scaled="0"/>
+        </a:gradFill>
+      </a:fillStyleLst>
+      <a:lnStyleLst>
+        <a:ln w="9525" cap="flat" cmpd="sng" algn="ctr">
+          <a:solidFill>
+            <a:schemeClr val="phClr">
+              <a:shade val="95000"/>
+              <a:satMod val="105000"/>
+            </a:schemeClr>
+          </a:solidFill>
+          <a:prstDash val="solid"/>
+        </a:ln>
+        <a:ln w="25400" cap="flat" cmpd="sng" algn="ctr">
+          <a:solidFill>
+            <a:schemeClr val="phClr"/>
+          </a:solidFill>
+          <a:prstDash val="solid"/>
+        </a:ln>
+        <a:ln w="38100" cap="flat" cmpd="sng" algn="ctr">
+          <a:solidFill>
+            <a:schemeClr val="phClr"/>
+          </a:solidFill>
+          <a:prstDash val="solid"/>
+        </a:ln>
+      </a:lnStyleLst>
+      <a:effectStyleLst>
+        <a:effectStyle>
+          <a:effectLst>
+            <a:outerShdw blurRad="40000" dist="20000" dir="5400000" rotWithShape="0">
+              <a:srgbClr val="000000">
+                <a:alpha val="38000"/>
+              </a:srgbClr>
+            </a:outerShdw>
+          </a:effectLst>
+        </a:effectStyle>
+        <a:effectStyle>
+          <a:effectLst>
+            <a:outerShdw blurRad="40000" dist="23000" dir="5400000" rotWithShape="0">
+              <a:srgbClr val="000000">
+                <a:alpha val="35000"/>
+              </a:srgbClr>
+            </a:outerShdw>
+          </a:effectLst>
+        </a:effectStyle>
+        <a:effectStyle>
+          <a:effectLst>
+            <a:outerShdw blurRad="40000" dist="23000" dir="5400000" rotWithShape="0">
+              <a:srgbClr val="000000">
+                <a:alpha val="35000"/>
+              </a:srgbClr>
+            </a:outerShdw>
+          </a:effectLst>
+          <a:scene3d>
+            <a:camera prst="orthographicFront">
+              <a:rot lat="0" lon="0" rev="0"/>
+            </a:camera>
+            <a:lightRig rig="threePt" dir="t">
+              <a:rot lat="0" lon="0" rev="1200000"/>
+            </a:lightRig>
+          </a:scene3d>
+          <a:sp3d>
+            <a:bevelT w="63500" h="25400"/>
+          </a:sp3d>
+        </a:effectStyle>
+      </a:effectStyleLst>
+      <a:bgFillStyleLst>
+        <a:solidFill>
+          <a:schemeClr val="phClr"/>
+        </a:solidFill>
+        <a:gradFill rotWithShape="1">
+          <a:gsLst>
+            <a:gs pos="0">
+              <a:schemeClr val="phClr">
+                <a:tint val="40000"/>
+                <a:satMod val="350000"/>
+              </a:schemeClr>
+            </a:gs>
+            <a:gs pos="40000">
+              <a:schemeClr val="phClr">
+                <a:tint val="45000"/>
+                <a:shade val="99000"/>
+                <a:satMod val="350000"/>
+              </a:schemeClr>
+            </a:gs>
+            <a:gs pos="100000">
+              <a:schemeClr val="phClr">
+                <a:shade val="20000"/>
+                <a:satMod val="255000"/>
+              </a:schemeClr>
+            </a:gs>
+          </a:gsLst>
+          <a:path path="circle">
+            <a:fillToRect l="50000" t="-80000" r="50000" b="180000"/>
+          </a:path>
+        </a:gradFill>
+        <a:gradFill rotWithShape="1">
+          <a:gsLst>
+            <a:gs pos="0">
+              <a:schemeClr val="phClr">
+                <a:tint val="80000"/>
+                <a:satMod val="300000"/>
+              </a:schemeClr>
+            </a:gs>
+            <a:gs pos="100000">
+              <a:schemeClr val="phClr">
+                <a:shade val="30000"/>
+                <a:satMod val="200000"/>
+              </a:schemeClr>
+            </a:gs>
+          </a:gsLst>
+          <a:path path="circle">
+            <a:fillToRect l="50000" t="50000" r="50000" b="50000"/>
+          </a:path>
+        </a:gradFill>
+      </a:bgFillStyleLst>
+    </a:fmtScheme>
+  </a:themeElements>
+</a:theme>
+</file>
+
+<file path=ppt/theme/theme2.xml><?xml version="1.0" encoding="utf-8"?>
 <a:theme xmlns:a="http://schemas.openxmlformats.org/drawingml/2006/main" xmlns:r="http://schemas.openxmlformats.org/officeDocument/2006/relationships">
   <a:themeElements>
     <a:clrScheme name="Default">
@@ -14113,283 +15349,4 @@
     </a:fmtScheme>
   </a:themeElements>
 </a:theme>
-</file>
-
-<file path=ppt/theme/theme2.xml><?xml version="1.0" encoding="utf-8"?>
-<a:theme xmlns:a="http://schemas.openxmlformats.org/drawingml/2006/main" xmlns:r="http://schemas.openxmlformats.org/officeDocument/2006/relationships" name="Swiss">
-  <a:themeElements>
-    <a:clrScheme name="Swiss">
-      <a:dk1>
-        <a:srgbClr val="F46524"/>
-      </a:dk1>
-      <a:lt1>
-        <a:srgbClr val="FFFFFF"/>
-      </a:lt1>
-      <a:dk2>
-        <a:srgbClr val="000000"/>
-      </a:dk2>
-      <a:lt2>
-        <a:srgbClr val="757575"/>
-      </a:lt2>
-      <a:accent1>
-        <a:srgbClr val="01579B"/>
-      </a:accent1>
-      <a:accent2>
-        <a:srgbClr val="27C7BD"/>
-      </a:accent2>
-      <a:accent3>
-        <a:srgbClr val="0099E8"/>
-      </a:accent3>
-      <a:accent4>
-        <a:srgbClr val="51B9A3"/>
-      </a:accent4>
-      <a:accent5>
-        <a:srgbClr val="FB8C00"/>
-      </a:accent5>
-      <a:accent6>
-        <a:srgbClr val="FFAE88"/>
-      </a:accent6>
-      <a:hlink>
-        <a:srgbClr val="0277BD"/>
-      </a:hlink>
-      <a:folHlink>
-        <a:srgbClr val="0277BD"/>
-      </a:folHlink>
-    </a:clrScheme>
-    <a:fontScheme name="Office">
-      <a:majorFont>
-        <a:latin typeface="Arial"/>
-        <a:ea typeface=""/>
-        <a:cs typeface=""/>
-        <a:font script="Jpan" typeface="ＭＳ Ｐゴシック"/>
-        <a:font script="Hang" typeface="맑은 고딕"/>
-        <a:font script="Hans" typeface="宋体"/>
-        <a:font script="Hant" typeface="新細明體"/>
-        <a:font script="Arab" typeface="Times New Roman"/>
-        <a:font script="Hebr" typeface="Times New Roman"/>
-        <a:font script="Thai" typeface="Angsana New"/>
-        <a:font script="Ethi" typeface="Nyala"/>
-        <a:font script="Beng" typeface="Vrinda"/>
-        <a:font script="Gujr" typeface="Shruti"/>
-        <a:font script="Khmr" typeface="MoolBoran"/>
-        <a:font script="Knda" typeface="Tunga"/>
-        <a:font script="Guru" typeface="Raavi"/>
-        <a:font script="Cans" typeface="Euphemia"/>
-        <a:font script="Cher" typeface="Plantagenet Cherokee"/>
-        <a:font script="Yiii" typeface="Microsoft Yi Baiti"/>
-        <a:font script="Tibt" typeface="Microsoft Himalaya"/>
-        <a:font script="Thaa" typeface="MV Boli"/>
-        <a:font script="Deva" typeface="Mangal"/>
-        <a:font script="Telu" typeface="Gautami"/>
-        <a:font script="Taml" typeface="Latha"/>
-        <a:font script="Syrc" typeface="Estrangelo Edessa"/>
-        <a:font script="Orya" typeface="Kalinga"/>
-        <a:font script="Mlym" typeface="Kartika"/>
-        <a:font script="Laoo" typeface="DokChampa"/>
-        <a:font script="Sinh" typeface="Iskoola Pota"/>
-        <a:font script="Mong" typeface="Mongolian Baiti"/>
-        <a:font script="Viet" typeface="Times New Roman"/>
-        <a:font script="Uigh" typeface="Microsoft Uighur"/>
-        <a:font script="Geor" typeface="Sylfaen"/>
-      </a:majorFont>
-      <a:minorFont>
-        <a:latin typeface="Arial"/>
-        <a:ea typeface=""/>
-        <a:cs typeface=""/>
-        <a:font script="Jpan" typeface="ＭＳ Ｐゴシック"/>
-        <a:font script="Hang" typeface="맑은 고딕"/>
-        <a:font script="Hans" typeface="宋体"/>
-        <a:font script="Hant" typeface="新細明體"/>
-        <a:font script="Arab" typeface="Arial"/>
-        <a:font script="Hebr" typeface="Arial"/>
-        <a:font script="Thai" typeface="Cordia New"/>
-        <a:font script="Ethi" typeface="Nyala"/>
-        <a:font script="Beng" typeface="Vrinda"/>
-        <a:font script="Gujr" typeface="Shruti"/>
-        <a:font script="Khmr" typeface="DaunPenh"/>
-        <a:font script="Knda" typeface="Tunga"/>
-        <a:font script="Guru" typeface="Raavi"/>
-        <a:font script="Cans" typeface="Euphemia"/>
-        <a:font script="Cher" typeface="Plantagenet Cherokee"/>
-        <a:font script="Yiii" typeface="Microsoft Yi Baiti"/>
-        <a:font script="Tibt" typeface="Microsoft Himalaya"/>
-        <a:font script="Thaa" typeface="MV Boli"/>
-        <a:font script="Deva" typeface="Mangal"/>
-        <a:font script="Telu" typeface="Gautami"/>
-        <a:font script="Taml" typeface="Latha"/>
-        <a:font script="Syrc" typeface="Estrangelo Edessa"/>
-        <a:font script="Orya" typeface="Kalinga"/>
-        <a:font script="Mlym" typeface="Kartika"/>
-        <a:font script="Laoo" typeface="DokChampa"/>
-        <a:font script="Sinh" typeface="Iskoola Pota"/>
-        <a:font script="Mong" typeface="Mongolian Baiti"/>
-        <a:font script="Viet" typeface="Arial"/>
-        <a:font script="Uigh" typeface="Microsoft Uighur"/>
-        <a:font script="Geor" typeface="Sylfaen"/>
-      </a:minorFont>
-    </a:fontScheme>
-    <a:fmtScheme name="Office">
-      <a:fillStyleLst>
-        <a:solidFill>
-          <a:schemeClr val="phClr"/>
-        </a:solidFill>
-        <a:gradFill rotWithShape="1">
-          <a:gsLst>
-            <a:gs pos="0">
-              <a:schemeClr val="phClr">
-                <a:tint val="50000"/>
-                <a:satMod val="300000"/>
-              </a:schemeClr>
-            </a:gs>
-            <a:gs pos="35000">
-              <a:schemeClr val="phClr">
-                <a:tint val="37000"/>
-                <a:satMod val="300000"/>
-              </a:schemeClr>
-            </a:gs>
-            <a:gs pos="100000">
-              <a:schemeClr val="phClr">
-                <a:tint val="15000"/>
-                <a:satMod val="350000"/>
-              </a:schemeClr>
-            </a:gs>
-          </a:gsLst>
-          <a:lin ang="16200000" scaled="1"/>
-        </a:gradFill>
-        <a:gradFill rotWithShape="1">
-          <a:gsLst>
-            <a:gs pos="0">
-              <a:schemeClr val="phClr">
-                <a:tint val="100000"/>
-                <a:shade val="100000"/>
-                <a:satMod val="130000"/>
-              </a:schemeClr>
-            </a:gs>
-            <a:gs pos="100000">
-              <a:schemeClr val="phClr">
-                <a:tint val="50000"/>
-                <a:shade val="100000"/>
-                <a:satMod val="350000"/>
-              </a:schemeClr>
-            </a:gs>
-          </a:gsLst>
-          <a:lin ang="16200000" scaled="0"/>
-        </a:gradFill>
-      </a:fillStyleLst>
-      <a:lnStyleLst>
-        <a:ln w="9525" cap="flat" cmpd="sng" algn="ctr">
-          <a:solidFill>
-            <a:schemeClr val="phClr">
-              <a:shade val="95000"/>
-              <a:satMod val="105000"/>
-            </a:schemeClr>
-          </a:solidFill>
-          <a:prstDash val="solid"/>
-        </a:ln>
-        <a:ln w="25400" cap="flat" cmpd="sng" algn="ctr">
-          <a:solidFill>
-            <a:schemeClr val="phClr"/>
-          </a:solidFill>
-          <a:prstDash val="solid"/>
-        </a:ln>
-        <a:ln w="38100" cap="flat" cmpd="sng" algn="ctr">
-          <a:solidFill>
-            <a:schemeClr val="phClr"/>
-          </a:solidFill>
-          <a:prstDash val="solid"/>
-        </a:ln>
-      </a:lnStyleLst>
-      <a:effectStyleLst>
-        <a:effectStyle>
-          <a:effectLst>
-            <a:outerShdw blurRad="40000" dist="20000" dir="5400000" rotWithShape="0">
-              <a:srgbClr val="000000">
-                <a:alpha val="38000"/>
-              </a:srgbClr>
-            </a:outerShdw>
-          </a:effectLst>
-        </a:effectStyle>
-        <a:effectStyle>
-          <a:effectLst>
-            <a:outerShdw blurRad="40000" dist="23000" dir="5400000" rotWithShape="0">
-              <a:srgbClr val="000000">
-                <a:alpha val="35000"/>
-              </a:srgbClr>
-            </a:outerShdw>
-          </a:effectLst>
-        </a:effectStyle>
-        <a:effectStyle>
-          <a:effectLst>
-            <a:outerShdw blurRad="40000" dist="23000" dir="5400000" rotWithShape="0">
-              <a:srgbClr val="000000">
-                <a:alpha val="35000"/>
-              </a:srgbClr>
-            </a:outerShdw>
-          </a:effectLst>
-          <a:scene3d>
-            <a:camera prst="orthographicFront">
-              <a:rot lat="0" lon="0" rev="0"/>
-            </a:camera>
-            <a:lightRig rig="threePt" dir="t">
-              <a:rot lat="0" lon="0" rev="1200000"/>
-            </a:lightRig>
-          </a:scene3d>
-          <a:sp3d>
-            <a:bevelT w="63500" h="25400"/>
-          </a:sp3d>
-        </a:effectStyle>
-      </a:effectStyleLst>
-      <a:bgFillStyleLst>
-        <a:solidFill>
-          <a:schemeClr val="phClr"/>
-        </a:solidFill>
-        <a:gradFill rotWithShape="1">
-          <a:gsLst>
-            <a:gs pos="0">
-              <a:schemeClr val="phClr">
-                <a:tint val="40000"/>
-                <a:satMod val="350000"/>
-              </a:schemeClr>
-            </a:gs>
-            <a:gs pos="40000">
-              <a:schemeClr val="phClr">
-                <a:tint val="45000"/>
-                <a:shade val="99000"/>
-                <a:satMod val="350000"/>
-              </a:schemeClr>
-            </a:gs>
-            <a:gs pos="100000">
-              <a:schemeClr val="phClr">
-                <a:shade val="20000"/>
-                <a:satMod val="255000"/>
-              </a:schemeClr>
-            </a:gs>
-          </a:gsLst>
-          <a:path path="circle">
-            <a:fillToRect l="50000" t="-80000" r="50000" b="180000"/>
-          </a:path>
-        </a:gradFill>
-        <a:gradFill rotWithShape="1">
-          <a:gsLst>
-            <a:gs pos="0">
-              <a:schemeClr val="phClr">
-                <a:tint val="80000"/>
-                <a:satMod val="300000"/>
-              </a:schemeClr>
-            </a:gs>
-            <a:gs pos="100000">
-              <a:schemeClr val="phClr">
-                <a:shade val="30000"/>
-                <a:satMod val="200000"/>
-              </a:schemeClr>
-            </a:gs>
-          </a:gsLst>
-          <a:path path="circle">
-            <a:fillToRect l="50000" t="50000" r="50000" b="50000"/>
-          </a:path>
-        </a:gradFill>
-      </a:bgFillStyleLst>
-    </a:fmtScheme>
-  </a:themeElements>
-</a:theme>
 </file>